--- a/labmanual/drawings.pptx
+++ b/labmanual/drawings.pptx
@@ -6,6 +6,7 @@
   </p:sldMasterIdLst>
   <p:sldIdLst>
     <p:sldId id="256" r:id="rId2"/>
+    <p:sldId id="257" r:id="rId3"/>
   </p:sldIdLst>
   <p:sldSz cx="12192000" cy="6858000"/>
   <p:notesSz cx="6858000" cy="9144000"/>
@@ -104,6 +105,11 @@
       </a:defRPr>
     </a:lvl9pPr>
   </p:defaultTextStyle>
+  <p:extLst>
+    <p:ext uri="{EFAFB233-063F-42B5-8137-9DF3F51BA10A}">
+      <p15:sldGuideLst xmlns:p15="http://schemas.microsoft.com/office/powerpoint/2012/main"/>
+    </p:ext>
+  </p:extLst>
 </p:presentation>
 </file>
 
@@ -238,7 +244,7 @@
           <a:p>
             <a:fld id="{02CF1C66-B1B6-1643-A1E5-DA5B6E4004A0}" type="datetimeFigureOut">
               <a:rPr lang="en-US" smtClean="0"/>
-              <a:t>10/20/16</a:t>
+              <a:t>11/1/16</a:t>
             </a:fld>
             <a:endParaRPr lang="en-US"/>
           </a:p>
@@ -408,7 +414,7 @@
           <a:p>
             <a:fld id="{02CF1C66-B1B6-1643-A1E5-DA5B6E4004A0}" type="datetimeFigureOut">
               <a:rPr lang="en-US" smtClean="0"/>
-              <a:t>10/20/16</a:t>
+              <a:t>11/1/16</a:t>
             </a:fld>
             <a:endParaRPr lang="en-US"/>
           </a:p>
@@ -588,7 +594,7 @@
           <a:p>
             <a:fld id="{02CF1C66-B1B6-1643-A1E5-DA5B6E4004A0}" type="datetimeFigureOut">
               <a:rPr lang="en-US" smtClean="0"/>
-              <a:t>10/20/16</a:t>
+              <a:t>11/1/16</a:t>
             </a:fld>
             <a:endParaRPr lang="en-US"/>
           </a:p>
@@ -758,7 +764,7 @@
           <a:p>
             <a:fld id="{02CF1C66-B1B6-1643-A1E5-DA5B6E4004A0}" type="datetimeFigureOut">
               <a:rPr lang="en-US" smtClean="0"/>
-              <a:t>10/20/16</a:t>
+              <a:t>11/1/16</a:t>
             </a:fld>
             <a:endParaRPr lang="en-US"/>
           </a:p>
@@ -1004,7 +1010,7 @@
           <a:p>
             <a:fld id="{02CF1C66-B1B6-1643-A1E5-DA5B6E4004A0}" type="datetimeFigureOut">
               <a:rPr lang="en-US" smtClean="0"/>
-              <a:t>10/20/16</a:t>
+              <a:t>11/1/16</a:t>
             </a:fld>
             <a:endParaRPr lang="en-US"/>
           </a:p>
@@ -1236,7 +1242,7 @@
           <a:p>
             <a:fld id="{02CF1C66-B1B6-1643-A1E5-DA5B6E4004A0}" type="datetimeFigureOut">
               <a:rPr lang="en-US" smtClean="0"/>
-              <a:t>10/20/16</a:t>
+              <a:t>11/1/16</a:t>
             </a:fld>
             <a:endParaRPr lang="en-US"/>
           </a:p>
@@ -1603,7 +1609,7 @@
           <a:p>
             <a:fld id="{02CF1C66-B1B6-1643-A1E5-DA5B6E4004A0}" type="datetimeFigureOut">
               <a:rPr lang="en-US" smtClean="0"/>
-              <a:t>10/20/16</a:t>
+              <a:t>11/1/16</a:t>
             </a:fld>
             <a:endParaRPr lang="en-US"/>
           </a:p>
@@ -1721,7 +1727,7 @@
           <a:p>
             <a:fld id="{02CF1C66-B1B6-1643-A1E5-DA5B6E4004A0}" type="datetimeFigureOut">
               <a:rPr lang="en-US" smtClean="0"/>
-              <a:t>10/20/16</a:t>
+              <a:t>11/1/16</a:t>
             </a:fld>
             <a:endParaRPr lang="en-US"/>
           </a:p>
@@ -1816,7 +1822,7 @@
           <a:p>
             <a:fld id="{02CF1C66-B1B6-1643-A1E5-DA5B6E4004A0}" type="datetimeFigureOut">
               <a:rPr lang="en-US" smtClean="0"/>
-              <a:t>10/20/16</a:t>
+              <a:t>11/1/16</a:t>
             </a:fld>
             <a:endParaRPr lang="en-US"/>
           </a:p>
@@ -2093,7 +2099,7 @@
           <a:p>
             <a:fld id="{02CF1C66-B1B6-1643-A1E5-DA5B6E4004A0}" type="datetimeFigureOut">
               <a:rPr lang="en-US" smtClean="0"/>
-              <a:t>10/20/16</a:t>
+              <a:t>11/1/16</a:t>
             </a:fld>
             <a:endParaRPr lang="en-US"/>
           </a:p>
@@ -2346,7 +2352,7 @@
           <a:p>
             <a:fld id="{02CF1C66-B1B6-1643-A1E5-DA5B6E4004A0}" type="datetimeFigureOut">
               <a:rPr lang="en-US" smtClean="0"/>
-              <a:t>10/20/16</a:t>
+              <a:t>11/1/16</a:t>
             </a:fld>
             <a:endParaRPr lang="en-US"/>
           </a:p>
@@ -2559,7 +2565,7 @@
           <a:p>
             <a:fld id="{02CF1C66-B1B6-1643-A1E5-DA5B6E4004A0}" type="datetimeFigureOut">
               <a:rPr lang="en-US" smtClean="0"/>
-              <a:t>10/20/16</a:t>
+              <a:t>11/1/16</a:t>
             </a:fld>
             <a:endParaRPr lang="en-US"/>
           </a:p>
@@ -7639,6 +7645,5253 @@
 </p:sld>
 </file>
 
+<file path=ppt/slides/slide2.xml><?xml version="1.0" encoding="utf-8"?>
+<p:sld xmlns:a="http://schemas.openxmlformats.org/drawingml/2006/main" xmlns:r="http://schemas.openxmlformats.org/officeDocument/2006/relationships" xmlns:p="http://schemas.openxmlformats.org/presentationml/2006/main">
+  <p:cSld>
+    <p:spTree>
+      <p:nvGrpSpPr>
+        <p:cNvPr id="1" name=""/>
+        <p:cNvGrpSpPr/>
+        <p:nvPr/>
+      </p:nvGrpSpPr>
+      <p:grpSpPr>
+        <a:xfrm>
+          <a:off x="0" y="0"/>
+          <a:ext cx="0" cy="0"/>
+          <a:chOff x="0" y="0"/>
+          <a:chExt cx="0" cy="0"/>
+        </a:xfrm>
+      </p:grpSpPr>
+      <p:sp>
+        <p:nvSpPr>
+          <p:cNvPr id="2" name="TextBox 1"/>
+          <p:cNvSpPr txBox="1"/>
+          <p:nvPr/>
+        </p:nvSpPr>
+        <p:spPr>
+          <a:xfrm>
+            <a:off x="4849212" y="1376780"/>
+            <a:ext cx="513281" cy="2246769"/>
+          </a:xfrm>
+          <a:prstGeom prst="rect">
+            <a:avLst/>
+          </a:prstGeom>
+          <a:noFill/>
+          <a:ln>
+            <a:solidFill>
+              <a:schemeClr val="tx1"/>
+            </a:solidFill>
+          </a:ln>
+        </p:spPr>
+        <p:txBody>
+          <a:bodyPr wrap="none" rtlCol="0">
+            <a:spAutoFit/>
+          </a:bodyPr>
+          <a:lstStyle/>
+          <a:p>
+            <a:pPr algn="ctr"/>
+            <a:r>
+              <a:rPr lang="en-US" sz="1000" b="1" u="sng" dirty="0" smtClean="0"/>
+              <a:t>PORT</a:t>
+            </a:r>
+          </a:p>
+          <a:p>
+            <a:pPr algn="ctr"/>
+            <a:r>
+              <a:rPr lang="en-US" sz="1000" dirty="0" smtClean="0"/>
+              <a:t>0</a:t>
+            </a:r>
+          </a:p>
+          <a:p>
+            <a:pPr algn="ctr"/>
+            <a:r>
+              <a:rPr lang="en-US" sz="1000" dirty="0" smtClean="0"/>
+              <a:t>1</a:t>
+            </a:r>
+          </a:p>
+          <a:p>
+            <a:pPr algn="ctr"/>
+            <a:r>
+              <a:rPr lang="en-US" sz="1000" dirty="0" smtClean="0"/>
+              <a:t>2</a:t>
+            </a:r>
+          </a:p>
+          <a:p>
+            <a:pPr algn="ctr"/>
+            <a:r>
+              <a:rPr lang="en-US" sz="1000" dirty="0" smtClean="0"/>
+              <a:t>.</a:t>
+            </a:r>
+          </a:p>
+          <a:p>
+            <a:pPr algn="ctr"/>
+            <a:r>
+              <a:rPr lang="en-US" sz="1000" dirty="0" smtClean="0"/>
+              <a:t>.</a:t>
+            </a:r>
+          </a:p>
+          <a:p>
+            <a:pPr algn="ctr"/>
+            <a:r>
+              <a:rPr lang="en-US" sz="1000" dirty="0" smtClean="0"/>
+              <a:t>.</a:t>
+            </a:r>
+          </a:p>
+          <a:p>
+            <a:pPr algn="ctr"/>
+            <a:r>
+              <a:rPr lang="en-US" sz="1000" dirty="0" smtClean="0"/>
+              <a:t>27708</a:t>
+            </a:r>
+          </a:p>
+          <a:p>
+            <a:pPr algn="ctr"/>
+            <a:r>
+              <a:rPr lang="en-US" sz="1000" dirty="0"/>
+              <a:t>.</a:t>
+            </a:r>
+            <a:endParaRPr lang="en-US" sz="1000" dirty="0" smtClean="0"/>
+          </a:p>
+          <a:p>
+            <a:pPr algn="ctr"/>
+            <a:r>
+              <a:rPr lang="en-US" sz="1000" dirty="0" smtClean="0"/>
+              <a:t>.</a:t>
+            </a:r>
+          </a:p>
+          <a:p>
+            <a:pPr algn="ctr"/>
+            <a:r>
+              <a:rPr lang="en-US" sz="1000" dirty="0" smtClean="0"/>
+              <a:t>.</a:t>
+            </a:r>
+          </a:p>
+          <a:p>
+            <a:pPr algn="ctr"/>
+            <a:r>
+              <a:rPr lang="en-US" sz="1000" dirty="0"/>
+              <a:t>.</a:t>
+            </a:r>
+            <a:endParaRPr lang="en-US" sz="1000" dirty="0" smtClean="0"/>
+          </a:p>
+          <a:p>
+            <a:pPr algn="ctr"/>
+            <a:r>
+              <a:rPr lang="en-US" sz="1000" dirty="0" smtClean="0"/>
+              <a:t>.</a:t>
+            </a:r>
+          </a:p>
+          <a:p>
+            <a:pPr algn="ctr"/>
+            <a:r>
+              <a:rPr lang="en-US" sz="1000" dirty="0" smtClean="0"/>
+              <a:t>65535</a:t>
+            </a:r>
+            <a:endParaRPr lang="en-US" sz="1000" dirty="0"/>
+          </a:p>
+        </p:txBody>
+      </p:sp>
+      <p:sp>
+        <p:nvSpPr>
+          <p:cNvPr id="3" name="TextBox 2"/>
+          <p:cNvSpPr txBox="1"/>
+          <p:nvPr/>
+        </p:nvSpPr>
+        <p:spPr>
+          <a:xfrm>
+            <a:off x="6260568" y="1376780"/>
+            <a:ext cx="513281" cy="2246769"/>
+          </a:xfrm>
+          <a:prstGeom prst="rect">
+            <a:avLst/>
+          </a:prstGeom>
+          <a:noFill/>
+          <a:ln>
+            <a:solidFill>
+              <a:schemeClr val="tx1"/>
+            </a:solidFill>
+          </a:ln>
+        </p:spPr>
+        <p:txBody>
+          <a:bodyPr wrap="none" rtlCol="0">
+            <a:spAutoFit/>
+          </a:bodyPr>
+          <a:lstStyle/>
+          <a:p>
+            <a:pPr algn="ctr"/>
+            <a:r>
+              <a:rPr lang="en-US" sz="1000" b="1" u="sng" dirty="0" smtClean="0"/>
+              <a:t>PORT</a:t>
+            </a:r>
+          </a:p>
+          <a:p>
+            <a:pPr algn="ctr"/>
+            <a:r>
+              <a:rPr lang="en-US" sz="1000" dirty="0" smtClean="0"/>
+              <a:t>0</a:t>
+            </a:r>
+          </a:p>
+          <a:p>
+            <a:pPr algn="ctr"/>
+            <a:r>
+              <a:rPr lang="en-US" sz="1000" dirty="0" smtClean="0"/>
+              <a:t>1</a:t>
+            </a:r>
+          </a:p>
+          <a:p>
+            <a:pPr algn="ctr"/>
+            <a:r>
+              <a:rPr lang="en-US" sz="1000" dirty="0" smtClean="0"/>
+              <a:t>2</a:t>
+            </a:r>
+          </a:p>
+          <a:p>
+            <a:pPr algn="ctr"/>
+            <a:r>
+              <a:rPr lang="en-US" sz="1000" dirty="0" smtClean="0"/>
+              <a:t>.</a:t>
+            </a:r>
+          </a:p>
+          <a:p>
+            <a:pPr algn="ctr"/>
+            <a:r>
+              <a:rPr lang="en-US" sz="1000" dirty="0" smtClean="0"/>
+              <a:t>.</a:t>
+            </a:r>
+          </a:p>
+          <a:p>
+            <a:pPr algn="ctr"/>
+            <a:r>
+              <a:rPr lang="en-US" sz="1000" dirty="0" smtClean="0"/>
+              <a:t>.</a:t>
+            </a:r>
+          </a:p>
+          <a:p>
+            <a:pPr algn="ctr"/>
+            <a:r>
+              <a:rPr lang="en-US" sz="1000" dirty="0" smtClean="0"/>
+              <a:t>.</a:t>
+            </a:r>
+          </a:p>
+          <a:p>
+            <a:pPr algn="ctr"/>
+            <a:r>
+              <a:rPr lang="en-US" sz="1000" dirty="0"/>
+              <a:t>.</a:t>
+            </a:r>
+            <a:endParaRPr lang="en-US" sz="1000" dirty="0" smtClean="0"/>
+          </a:p>
+          <a:p>
+            <a:pPr algn="ctr"/>
+            <a:r>
+              <a:rPr lang="en-US" sz="1000" dirty="0" smtClean="0"/>
+              <a:t>32783</a:t>
+            </a:r>
+          </a:p>
+          <a:p>
+            <a:pPr algn="ctr"/>
+            <a:r>
+              <a:rPr lang="en-US" sz="1000" dirty="0" smtClean="0"/>
+              <a:t>.</a:t>
+            </a:r>
+          </a:p>
+          <a:p>
+            <a:pPr algn="ctr"/>
+            <a:r>
+              <a:rPr lang="en-US" sz="1000" dirty="0"/>
+              <a:t>.</a:t>
+            </a:r>
+            <a:endParaRPr lang="en-US" sz="1000" dirty="0" smtClean="0"/>
+          </a:p>
+          <a:p>
+            <a:pPr algn="ctr"/>
+            <a:r>
+              <a:rPr lang="en-US" sz="1000" dirty="0" smtClean="0"/>
+              <a:t>.</a:t>
+            </a:r>
+          </a:p>
+          <a:p>
+            <a:pPr algn="ctr"/>
+            <a:r>
+              <a:rPr lang="en-US" sz="1000" dirty="0" smtClean="0"/>
+              <a:t>65535</a:t>
+            </a:r>
+            <a:endParaRPr lang="en-US" sz="1000" dirty="0"/>
+          </a:p>
+        </p:txBody>
+      </p:sp>
+      <p:sp>
+        <p:nvSpPr>
+          <p:cNvPr id="5" name="TextBox 4"/>
+          <p:cNvSpPr txBox="1"/>
+          <p:nvPr/>
+        </p:nvSpPr>
+        <p:spPr>
+          <a:xfrm>
+            <a:off x="357080" y="1376780"/>
+            <a:ext cx="2115968" cy="769441"/>
+          </a:xfrm>
+          <a:prstGeom prst="rect">
+            <a:avLst/>
+          </a:prstGeom>
+          <a:noFill/>
+          <a:ln>
+            <a:solidFill>
+              <a:schemeClr val="tx1"/>
+            </a:solidFill>
+          </a:ln>
+        </p:spPr>
+        <p:txBody>
+          <a:bodyPr wrap="square" lIns="45720" rIns="0" rtlCol="0">
+            <a:spAutoFit/>
+          </a:bodyPr>
+          <a:lstStyle/>
+          <a:p>
+            <a:pPr algn="ctr"/>
+            <a:r>
+              <a:rPr lang="en-US" sz="1400" b="1" u="sng" dirty="0" smtClean="0"/>
+              <a:t>Application</a:t>
+            </a:r>
+            <a:endParaRPr lang="en-US" sz="1000" b="1" u="sng" dirty="0" smtClean="0"/>
+          </a:p>
+          <a:p>
+            <a:pPr marL="12700" indent="-12700">
+              <a:buAutoNum type="arabicPeriod"/>
+            </a:pPr>
+            <a:r>
+              <a:rPr lang="en-US" sz="1000" dirty="0" smtClean="0"/>
+              <a:t> Create Socket</a:t>
+            </a:r>
+          </a:p>
+          <a:p>
+            <a:pPr marL="12700" indent="-12700">
+              <a:buAutoNum type="arabicPeriod"/>
+            </a:pPr>
+            <a:r>
+              <a:rPr lang="en-US" sz="1000" dirty="0" smtClean="0"/>
+              <a:t> Listen(local port #, interface)</a:t>
+            </a:r>
+          </a:p>
+          <a:p>
+            <a:pPr marL="12700" indent="-12700">
+              <a:buAutoNum type="arabicPeriod"/>
+            </a:pPr>
+            <a:r>
+              <a:rPr lang="en-US" sz="1000" dirty="0" smtClean="0"/>
+              <a:t> Accept Connections</a:t>
+            </a:r>
+            <a:endParaRPr lang="en-US" sz="1000" dirty="0"/>
+          </a:p>
+        </p:txBody>
+      </p:sp>
+      <p:sp>
+        <p:nvSpPr>
+          <p:cNvPr id="4" name="TextBox 3"/>
+          <p:cNvSpPr txBox="1"/>
+          <p:nvPr/>
+        </p:nvSpPr>
+        <p:spPr>
+          <a:xfrm>
+            <a:off x="2881141" y="1376780"/>
+            <a:ext cx="1478090" cy="1569660"/>
+          </a:xfrm>
+          <a:prstGeom prst="rect">
+            <a:avLst/>
+          </a:prstGeom>
+          <a:noFill/>
+          <a:ln>
+            <a:solidFill>
+              <a:schemeClr val="tx1"/>
+            </a:solidFill>
+          </a:ln>
+        </p:spPr>
+        <p:txBody>
+          <a:bodyPr wrap="square" rtlCol="0">
+            <a:spAutoFit/>
+          </a:bodyPr>
+          <a:lstStyle/>
+          <a:p>
+            <a:pPr algn="ctr"/>
+            <a:r>
+              <a:rPr lang="en-US" sz="1600" b="1" dirty="0" smtClean="0"/>
+              <a:t>TCP/IP </a:t>
+            </a:r>
+          </a:p>
+          <a:p>
+            <a:pPr algn="ctr"/>
+            <a:r>
+              <a:rPr lang="en-US" sz="1600" b="1" dirty="0" smtClean="0"/>
+              <a:t>Stack</a:t>
+            </a:r>
+          </a:p>
+          <a:p>
+            <a:pPr algn="ctr"/>
+            <a:endParaRPr lang="en-US" sz="1200" dirty="0"/>
+          </a:p>
+          <a:p>
+            <a:pPr algn="ctr"/>
+            <a:endParaRPr lang="en-US" sz="1200" dirty="0" smtClean="0"/>
+          </a:p>
+          <a:p>
+            <a:pPr algn="ctr"/>
+            <a:endParaRPr lang="en-US" sz="1200" dirty="0"/>
+          </a:p>
+          <a:p>
+            <a:pPr algn="ctr"/>
+            <a:endParaRPr lang="en-US" sz="1200" dirty="0" smtClean="0"/>
+          </a:p>
+          <a:p>
+            <a:pPr algn="ctr"/>
+            <a:r>
+              <a:rPr lang="en-US" sz="1600" dirty="0" smtClean="0"/>
+              <a:t>192.51.100.3</a:t>
+            </a:r>
+            <a:endParaRPr lang="en-US" sz="1200" dirty="0" smtClean="0"/>
+          </a:p>
+        </p:txBody>
+      </p:sp>
+      <p:sp>
+        <p:nvSpPr>
+          <p:cNvPr id="6" name="TextBox 5"/>
+          <p:cNvSpPr txBox="1"/>
+          <p:nvPr/>
+        </p:nvSpPr>
+        <p:spPr>
+          <a:xfrm>
+            <a:off x="3262078" y="1976944"/>
+            <a:ext cx="731739" cy="338554"/>
+          </a:xfrm>
+          <a:prstGeom prst="rect">
+            <a:avLst/>
+          </a:prstGeom>
+          <a:noFill/>
+          <a:ln>
+            <a:solidFill>
+              <a:schemeClr val="tx1"/>
+            </a:solidFill>
+          </a:ln>
+        </p:spPr>
+        <p:txBody>
+          <a:bodyPr wrap="none" rtlCol="0">
+            <a:spAutoFit/>
+          </a:bodyPr>
+          <a:lstStyle/>
+          <a:p>
+            <a:r>
+              <a:rPr lang="en-US" sz="1600" dirty="0" smtClean="0"/>
+              <a:t>Socket</a:t>
+            </a:r>
+            <a:endParaRPr lang="en-US" sz="1600" dirty="0"/>
+          </a:p>
+        </p:txBody>
+      </p:sp>
+      <p:graphicFrame>
+        <p:nvGraphicFramePr>
+          <p:cNvPr id="7" name="Table 6"/>
+          <p:cNvGraphicFramePr>
+            <a:graphicFrameLocks noGrp="1"/>
+          </p:cNvGraphicFramePr>
+          <p:nvPr>
+            <p:extLst>
+              <p:ext uri="{D42A27DB-BD31-4B8C-83A1-F6EECF244321}">
+                <p14:modId xmlns:p14="http://schemas.microsoft.com/office/powerpoint/2010/main" val="1357376057"/>
+              </p:ext>
+            </p:extLst>
+          </p:nvPr>
+        </p:nvGraphicFramePr>
+        <p:xfrm>
+          <a:off x="990919" y="3200017"/>
+          <a:ext cx="3368312" cy="2874114"/>
+        </p:xfrm>
+        <a:graphic>
+          <a:graphicData uri="http://schemas.openxmlformats.org/drawingml/2006/table">
+            <a:tbl>
+              <a:tblPr firstRow="1" bandRow="1">
+                <a:tableStyleId>{5C22544A-7EE6-4342-B048-85BDC9FD1C3A}</a:tableStyleId>
+              </a:tblPr>
+              <a:tblGrid>
+                <a:gridCol w="361780"/>
+                <a:gridCol w="361780"/>
+                <a:gridCol w="429406"/>
+                <a:gridCol w="497721"/>
+                <a:gridCol w="1717625"/>
+              </a:tblGrid>
+              <a:tr h="359393">
+                <a:tc gridSpan="5">
+                  <a:txBody>
+                    <a:bodyPr/>
+                    <a:lstStyle/>
+                    <a:p>
+                      <a:pPr algn="ctr"/>
+                      <a:r>
+                        <a:rPr lang="en-US" sz="1400" b="1" dirty="0" smtClean="0">
+                          <a:solidFill>
+                            <a:schemeClr val="tx1"/>
+                          </a:solidFill>
+                        </a:rPr>
+                        <a:t>Packet Buffer</a:t>
+                      </a:r>
+                      <a:endParaRPr lang="en-US" sz="1400" b="1" dirty="0">
+                        <a:solidFill>
+                          <a:schemeClr val="tx1"/>
+                        </a:solidFill>
+                      </a:endParaRPr>
+                    </a:p>
+                  </a:txBody>
+                  <a:tcPr anchor="ctr">
+                    <a:lnL w="12700" cap="flat" cmpd="sng" algn="ctr">
+                      <a:solidFill>
+                        <a:schemeClr val="tx1"/>
+                      </a:solidFill>
+                      <a:prstDash val="solid"/>
+                      <a:round/>
+                      <a:headEnd type="none" w="med" len="med"/>
+                      <a:tailEnd type="none" w="med" len="med"/>
+                    </a:lnL>
+                    <a:lnR w="12700" cap="flat" cmpd="sng" algn="ctr">
+                      <a:solidFill>
+                        <a:schemeClr val="tx1"/>
+                      </a:solidFill>
+                      <a:prstDash val="solid"/>
+                      <a:round/>
+                      <a:headEnd type="none" w="med" len="med"/>
+                      <a:tailEnd type="none" w="med" len="med"/>
+                    </a:lnR>
+                    <a:lnT w="12700" cap="flat" cmpd="sng" algn="ctr">
+                      <a:solidFill>
+                        <a:schemeClr val="tx1"/>
+                      </a:solidFill>
+                      <a:prstDash val="solid"/>
+                      <a:round/>
+                      <a:headEnd type="none" w="med" len="med"/>
+                      <a:tailEnd type="none" w="med" len="med"/>
+                    </a:lnT>
+                    <a:lnB w="12700" cap="flat" cmpd="sng" algn="ctr">
+                      <a:solidFill>
+                        <a:schemeClr val="tx1"/>
+                      </a:solidFill>
+                      <a:prstDash val="solid"/>
+                      <a:round/>
+                      <a:headEnd type="none" w="med" len="med"/>
+                      <a:tailEnd type="none" w="med" len="med"/>
+                    </a:lnB>
+                    <a:noFill/>
+                  </a:tcPr>
+                </a:tc>
+                <a:tc hMerge="1">
+                  <a:txBody>
+                    <a:bodyPr/>
+                    <a:lstStyle/>
+                    <a:p>
+                      <a:pPr algn="ctr"/>
+                      <a:endParaRPr lang="en-US" sz="1400" dirty="0">
+                        <a:solidFill>
+                          <a:schemeClr val="tx1"/>
+                        </a:solidFill>
+                      </a:endParaRPr>
+                    </a:p>
+                  </a:txBody>
+                  <a:tcPr vert="vert270" anchor="ctr">
+                    <a:lnL w="12700" cap="flat" cmpd="sng" algn="ctr">
+                      <a:solidFill>
+                        <a:schemeClr val="tx1"/>
+                      </a:solidFill>
+                      <a:prstDash val="solid"/>
+                      <a:round/>
+                      <a:headEnd type="none" w="med" len="med"/>
+                      <a:tailEnd type="none" w="med" len="med"/>
+                    </a:lnL>
+                    <a:lnR w="12700" cap="flat" cmpd="sng" algn="ctr">
+                      <a:solidFill>
+                        <a:schemeClr val="tx1"/>
+                      </a:solidFill>
+                      <a:prstDash val="solid"/>
+                      <a:round/>
+                      <a:headEnd type="none" w="med" len="med"/>
+                      <a:tailEnd type="none" w="med" len="med"/>
+                    </a:lnR>
+                    <a:lnT w="12700" cap="flat" cmpd="sng" algn="ctr">
+                      <a:solidFill>
+                        <a:schemeClr val="tx1"/>
+                      </a:solidFill>
+                      <a:prstDash val="solid"/>
+                      <a:round/>
+                      <a:headEnd type="none" w="med" len="med"/>
+                      <a:tailEnd type="none" w="med" len="med"/>
+                    </a:lnT>
+                    <a:lnB w="12700" cap="flat" cmpd="sng" algn="ctr">
+                      <a:solidFill>
+                        <a:schemeClr val="tx1"/>
+                      </a:solidFill>
+                      <a:prstDash val="solid"/>
+                      <a:round/>
+                      <a:headEnd type="none" w="med" len="med"/>
+                      <a:tailEnd type="none" w="med" len="med"/>
+                    </a:lnB>
+                    <a:noFill/>
+                  </a:tcPr>
+                </a:tc>
+                <a:tc hMerge="1">
+                  <a:txBody>
+                    <a:bodyPr/>
+                    <a:lstStyle/>
+                    <a:p>
+                      <a:pPr algn="ctr"/>
+                      <a:endParaRPr lang="en-US" sz="1400" dirty="0">
+                        <a:solidFill>
+                          <a:schemeClr val="tx1"/>
+                        </a:solidFill>
+                      </a:endParaRPr>
+                    </a:p>
+                  </a:txBody>
+                  <a:tcPr anchor="ctr">
+                    <a:lnL w="12700" cap="flat" cmpd="sng" algn="ctr">
+                      <a:solidFill>
+                        <a:schemeClr val="tx1"/>
+                      </a:solidFill>
+                      <a:prstDash val="solid"/>
+                      <a:round/>
+                      <a:headEnd type="none" w="med" len="med"/>
+                      <a:tailEnd type="none" w="med" len="med"/>
+                    </a:lnL>
+                    <a:lnR w="12700" cap="flat" cmpd="sng" algn="ctr">
+                      <a:solidFill>
+                        <a:schemeClr val="tx1"/>
+                      </a:solidFill>
+                      <a:prstDash val="solid"/>
+                      <a:round/>
+                      <a:headEnd type="none" w="med" len="med"/>
+                      <a:tailEnd type="none" w="med" len="med"/>
+                    </a:lnR>
+                    <a:lnT w="12700" cap="flat" cmpd="sng" algn="ctr">
+                      <a:solidFill>
+                        <a:schemeClr val="tx1"/>
+                      </a:solidFill>
+                      <a:prstDash val="solid"/>
+                      <a:round/>
+                      <a:headEnd type="none" w="med" len="med"/>
+                      <a:tailEnd type="none" w="med" len="med"/>
+                    </a:lnT>
+                    <a:lnB w="12700" cap="flat" cmpd="sng" algn="ctr">
+                      <a:solidFill>
+                        <a:schemeClr val="tx1"/>
+                      </a:solidFill>
+                      <a:prstDash val="solid"/>
+                      <a:round/>
+                      <a:headEnd type="none" w="med" len="med"/>
+                      <a:tailEnd type="none" w="med" len="med"/>
+                    </a:lnB>
+                    <a:noFill/>
+                  </a:tcPr>
+                </a:tc>
+                <a:tc hMerge="1">
+                  <a:txBody>
+                    <a:bodyPr/>
+                    <a:lstStyle/>
+                    <a:p>
+                      <a:endParaRPr lang="en-US"/>
+                    </a:p>
+                  </a:txBody>
+                  <a:tcPr/>
+                </a:tc>
+                <a:tc hMerge="1">
+                  <a:txBody>
+                    <a:bodyPr/>
+                    <a:lstStyle/>
+                    <a:p>
+                      <a:pPr algn="ctr"/>
+                      <a:endParaRPr lang="en-US" sz="1400" dirty="0">
+                        <a:solidFill>
+                          <a:schemeClr val="tx1"/>
+                        </a:solidFill>
+                      </a:endParaRPr>
+                    </a:p>
+                  </a:txBody>
+                  <a:tcPr anchor="ctr">
+                    <a:lnL w="12700" cap="flat" cmpd="sng" algn="ctr">
+                      <a:solidFill>
+                        <a:schemeClr val="tx1"/>
+                      </a:solidFill>
+                      <a:prstDash val="solid"/>
+                      <a:round/>
+                      <a:headEnd type="none" w="med" len="med"/>
+                      <a:tailEnd type="none" w="med" len="med"/>
+                    </a:lnL>
+                    <a:lnR w="12700" cap="flat" cmpd="sng" algn="ctr">
+                      <a:solidFill>
+                        <a:schemeClr val="tx1"/>
+                      </a:solidFill>
+                      <a:prstDash val="solid"/>
+                      <a:round/>
+                      <a:headEnd type="none" w="med" len="med"/>
+                      <a:tailEnd type="none" w="med" len="med"/>
+                    </a:lnR>
+                    <a:lnT w="12700" cap="flat" cmpd="sng" algn="ctr">
+                      <a:solidFill>
+                        <a:schemeClr val="tx1"/>
+                      </a:solidFill>
+                      <a:prstDash val="solid"/>
+                      <a:round/>
+                      <a:headEnd type="none" w="med" len="med"/>
+                      <a:tailEnd type="none" w="med" len="med"/>
+                    </a:lnT>
+                    <a:lnB w="12700" cap="flat" cmpd="sng" algn="ctr">
+                      <a:solidFill>
+                        <a:schemeClr val="tx1"/>
+                      </a:solidFill>
+                      <a:prstDash val="solid"/>
+                      <a:round/>
+                      <a:headEnd type="none" w="med" len="med"/>
+                      <a:tailEnd type="none" w="med" len="med"/>
+                    </a:lnB>
+                    <a:noFill/>
+                  </a:tcPr>
+                </a:tc>
+              </a:tr>
+              <a:tr h="687957">
+                <a:tc rowSpan="2">
+                  <a:txBody>
+                    <a:bodyPr/>
+                    <a:lstStyle/>
+                    <a:p>
+                      <a:pPr algn="ctr"/>
+                      <a:r>
+                        <a:rPr lang="en-US" sz="1400" b="1" dirty="0" smtClean="0">
+                          <a:solidFill>
+                            <a:schemeClr val="tx1"/>
+                          </a:solidFill>
+                        </a:rPr>
+                        <a:t>Type</a:t>
+                      </a:r>
+                      <a:endParaRPr lang="en-US" sz="1400" b="1" dirty="0">
+                        <a:solidFill>
+                          <a:schemeClr val="tx1"/>
+                        </a:solidFill>
+                      </a:endParaRPr>
+                    </a:p>
+                  </a:txBody>
+                  <a:tcPr vert="vert270" anchor="ctr">
+                    <a:lnL w="12700" cap="flat" cmpd="sng" algn="ctr">
+                      <a:solidFill>
+                        <a:schemeClr val="tx1"/>
+                      </a:solidFill>
+                      <a:prstDash val="solid"/>
+                      <a:round/>
+                      <a:headEnd type="none" w="med" len="med"/>
+                      <a:tailEnd type="none" w="med" len="med"/>
+                    </a:lnL>
+                    <a:lnR w="12700" cap="flat" cmpd="sng" algn="ctr">
+                      <a:solidFill>
+                        <a:schemeClr val="tx1"/>
+                      </a:solidFill>
+                      <a:prstDash val="solid"/>
+                      <a:round/>
+                      <a:headEnd type="none" w="med" len="med"/>
+                      <a:tailEnd type="none" w="med" len="med"/>
+                    </a:lnR>
+                    <a:lnT w="12700" cap="flat" cmpd="sng" algn="ctr">
+                      <a:solidFill>
+                        <a:schemeClr val="tx1"/>
+                      </a:solidFill>
+                      <a:prstDash val="solid"/>
+                      <a:round/>
+                      <a:headEnd type="none" w="med" len="med"/>
+                      <a:tailEnd type="none" w="med" len="med"/>
+                    </a:lnT>
+                    <a:lnB w="12700" cap="flat" cmpd="sng" algn="ctr">
+                      <a:solidFill>
+                        <a:schemeClr val="tx1"/>
+                      </a:solidFill>
+                      <a:prstDash val="solid"/>
+                      <a:round/>
+                      <a:headEnd type="none" w="med" len="med"/>
+                      <a:tailEnd type="none" w="med" len="med"/>
+                    </a:lnB>
+                    <a:noFill/>
+                  </a:tcPr>
+                </a:tc>
+                <a:tc rowSpan="2">
+                  <a:txBody>
+                    <a:bodyPr/>
+                    <a:lstStyle/>
+                    <a:p>
+                      <a:pPr algn="ctr"/>
+                      <a:r>
+                        <a:rPr lang="en-US" sz="1400" b="1" dirty="0" smtClean="0">
+                          <a:solidFill>
+                            <a:schemeClr val="tx1"/>
+                          </a:solidFill>
+                        </a:rPr>
+                        <a:t>Ref Count</a:t>
+                      </a:r>
+                      <a:endParaRPr lang="en-US" sz="1400" b="1" dirty="0">
+                        <a:solidFill>
+                          <a:schemeClr val="tx1"/>
+                        </a:solidFill>
+                      </a:endParaRPr>
+                    </a:p>
+                  </a:txBody>
+                  <a:tcPr vert="vert270" anchor="ctr">
+                    <a:lnL w="12700" cap="flat" cmpd="sng" algn="ctr">
+                      <a:solidFill>
+                        <a:schemeClr val="tx1"/>
+                      </a:solidFill>
+                      <a:prstDash val="solid"/>
+                      <a:round/>
+                      <a:headEnd type="none" w="med" len="med"/>
+                      <a:tailEnd type="none" w="med" len="med"/>
+                    </a:lnL>
+                    <a:lnR w="12700" cap="flat" cmpd="sng" algn="ctr">
+                      <a:solidFill>
+                        <a:schemeClr val="tx1"/>
+                      </a:solidFill>
+                      <a:prstDash val="solid"/>
+                      <a:round/>
+                      <a:headEnd type="none" w="med" len="med"/>
+                      <a:tailEnd type="none" w="med" len="med"/>
+                    </a:lnR>
+                    <a:lnT w="12700" cap="flat" cmpd="sng" algn="ctr">
+                      <a:solidFill>
+                        <a:schemeClr val="tx1"/>
+                      </a:solidFill>
+                      <a:prstDash val="solid"/>
+                      <a:round/>
+                      <a:headEnd type="none" w="med" len="med"/>
+                      <a:tailEnd type="none" w="med" len="med"/>
+                    </a:lnT>
+                    <a:lnB w="12700" cap="flat" cmpd="sng" algn="ctr">
+                      <a:solidFill>
+                        <a:schemeClr val="tx1"/>
+                      </a:solidFill>
+                      <a:prstDash val="solid"/>
+                      <a:round/>
+                      <a:headEnd type="none" w="med" len="med"/>
+                      <a:tailEnd type="none" w="med" len="med"/>
+                    </a:lnB>
+                    <a:noFill/>
+                  </a:tcPr>
+                </a:tc>
+                <a:tc gridSpan="2">
+                  <a:txBody>
+                    <a:bodyPr/>
+                    <a:lstStyle/>
+                    <a:p>
+                      <a:pPr algn="ctr"/>
+                      <a:r>
+                        <a:rPr lang="en-US" sz="1400" b="1" dirty="0" smtClean="0">
+                          <a:solidFill>
+                            <a:schemeClr val="tx1"/>
+                          </a:solidFill>
+                        </a:rPr>
+                        <a:t>Data</a:t>
+                      </a:r>
+                    </a:p>
+                    <a:p>
+                      <a:pPr algn="ctr"/>
+                      <a:r>
+                        <a:rPr lang="en-US" sz="1400" b="1" dirty="0" smtClean="0">
+                          <a:solidFill>
+                            <a:schemeClr val="tx1"/>
+                          </a:solidFill>
+                        </a:rPr>
+                        <a:t>Pointer</a:t>
+                      </a:r>
+                      <a:endParaRPr lang="en-US" sz="1400" b="1" dirty="0">
+                        <a:solidFill>
+                          <a:schemeClr val="tx1"/>
+                        </a:solidFill>
+                      </a:endParaRPr>
+                    </a:p>
+                  </a:txBody>
+                  <a:tcPr anchor="ctr">
+                    <a:lnL w="12700" cap="flat" cmpd="sng" algn="ctr">
+                      <a:solidFill>
+                        <a:schemeClr val="tx1"/>
+                      </a:solidFill>
+                      <a:prstDash val="solid"/>
+                      <a:round/>
+                      <a:headEnd type="none" w="med" len="med"/>
+                      <a:tailEnd type="none" w="med" len="med"/>
+                    </a:lnL>
+                    <a:lnR w="12700" cap="flat" cmpd="sng" algn="ctr">
+                      <a:solidFill>
+                        <a:schemeClr val="tx1"/>
+                      </a:solidFill>
+                      <a:prstDash val="solid"/>
+                      <a:round/>
+                      <a:headEnd type="none" w="med" len="med"/>
+                      <a:tailEnd type="none" w="med" len="med"/>
+                    </a:lnR>
+                    <a:lnT w="12700" cap="flat" cmpd="sng" algn="ctr">
+                      <a:solidFill>
+                        <a:schemeClr val="tx1"/>
+                      </a:solidFill>
+                      <a:prstDash val="solid"/>
+                      <a:round/>
+                      <a:headEnd type="none" w="med" len="med"/>
+                      <a:tailEnd type="none" w="med" len="med"/>
+                    </a:lnT>
+                    <a:lnB w="12700" cap="flat" cmpd="sng" algn="ctr">
+                      <a:solidFill>
+                        <a:schemeClr val="tx1"/>
+                      </a:solidFill>
+                      <a:prstDash val="solid"/>
+                      <a:round/>
+                      <a:headEnd type="none" w="med" len="med"/>
+                      <a:tailEnd type="none" w="med" len="med"/>
+                    </a:lnB>
+                    <a:noFill/>
+                  </a:tcPr>
+                </a:tc>
+                <a:tc hMerge="1">
+                  <a:txBody>
+                    <a:bodyPr/>
+                    <a:lstStyle/>
+                    <a:p>
+                      <a:pPr algn="ctr"/>
+                      <a:endParaRPr lang="en-US" sz="1400" dirty="0">
+                        <a:solidFill>
+                          <a:schemeClr val="tx1"/>
+                        </a:solidFill>
+                      </a:endParaRPr>
+                    </a:p>
+                  </a:txBody>
+                  <a:tcPr vert="vert270" anchor="ctr">
+                    <a:lnL w="12700" cap="flat" cmpd="sng" algn="ctr">
+                      <a:solidFill>
+                        <a:schemeClr val="tx1"/>
+                      </a:solidFill>
+                      <a:prstDash val="solid"/>
+                      <a:round/>
+                      <a:headEnd type="none" w="med" len="med"/>
+                      <a:tailEnd type="none" w="med" len="med"/>
+                    </a:lnL>
+                    <a:lnR w="12700" cap="flat" cmpd="sng" algn="ctr">
+                      <a:solidFill>
+                        <a:schemeClr val="tx1"/>
+                      </a:solidFill>
+                      <a:prstDash val="solid"/>
+                      <a:round/>
+                      <a:headEnd type="none" w="med" len="med"/>
+                      <a:tailEnd type="none" w="med" len="med"/>
+                    </a:lnR>
+                    <a:lnT w="12700" cap="flat" cmpd="sng" algn="ctr">
+                      <a:solidFill>
+                        <a:schemeClr val="tx1"/>
+                      </a:solidFill>
+                      <a:prstDash val="solid"/>
+                      <a:round/>
+                      <a:headEnd type="none" w="med" len="med"/>
+                      <a:tailEnd type="none" w="med" len="med"/>
+                    </a:lnT>
+                    <a:lnB w="12700" cap="flat" cmpd="sng" algn="ctr">
+                      <a:solidFill>
+                        <a:schemeClr val="tx1"/>
+                      </a:solidFill>
+                      <a:prstDash val="solid"/>
+                      <a:round/>
+                      <a:headEnd type="none" w="med" len="med"/>
+                      <a:tailEnd type="none" w="med" len="med"/>
+                    </a:lnB>
+                    <a:noFill/>
+                  </a:tcPr>
+                </a:tc>
+                <a:tc rowSpan="2">
+                  <a:txBody>
+                    <a:bodyPr/>
+                    <a:lstStyle/>
+                    <a:p>
+                      <a:pPr algn="ctr"/>
+                      <a:r>
+                        <a:rPr lang="en-US" sz="1400" b="1" dirty="0" smtClean="0">
+                          <a:solidFill>
+                            <a:schemeClr val="tx1"/>
+                          </a:solidFill>
+                        </a:rPr>
+                        <a:t>Buffer</a:t>
+                      </a:r>
+                      <a:endParaRPr lang="en-US" sz="1400" b="1" dirty="0">
+                        <a:solidFill>
+                          <a:schemeClr val="tx1"/>
+                        </a:solidFill>
+                      </a:endParaRPr>
+                    </a:p>
+                  </a:txBody>
+                  <a:tcPr anchor="ctr">
+                    <a:lnL w="12700" cap="flat" cmpd="sng" algn="ctr">
+                      <a:solidFill>
+                        <a:schemeClr val="tx1"/>
+                      </a:solidFill>
+                      <a:prstDash val="solid"/>
+                      <a:round/>
+                      <a:headEnd type="none" w="med" len="med"/>
+                      <a:tailEnd type="none" w="med" len="med"/>
+                    </a:lnL>
+                    <a:lnR w="12700" cap="flat" cmpd="sng" algn="ctr">
+                      <a:solidFill>
+                        <a:schemeClr val="tx1"/>
+                      </a:solidFill>
+                      <a:prstDash val="solid"/>
+                      <a:round/>
+                      <a:headEnd type="none" w="med" len="med"/>
+                      <a:tailEnd type="none" w="med" len="med"/>
+                    </a:lnR>
+                    <a:lnT w="12700" cap="flat" cmpd="sng" algn="ctr">
+                      <a:solidFill>
+                        <a:schemeClr val="tx1"/>
+                      </a:solidFill>
+                      <a:prstDash val="solid"/>
+                      <a:round/>
+                      <a:headEnd type="none" w="med" len="med"/>
+                      <a:tailEnd type="none" w="med" len="med"/>
+                    </a:lnT>
+                    <a:lnB w="12700" cap="flat" cmpd="sng" algn="ctr">
+                      <a:solidFill>
+                        <a:schemeClr val="tx1"/>
+                      </a:solidFill>
+                      <a:prstDash val="solid"/>
+                      <a:round/>
+                      <a:headEnd type="none" w="med" len="med"/>
+                      <a:tailEnd type="none" w="med" len="med"/>
+                    </a:lnB>
+                    <a:noFill/>
+                  </a:tcPr>
+                </a:tc>
+              </a:tr>
+              <a:tr h="517597">
+                <a:tc vMerge="1">
+                  <a:txBody>
+                    <a:bodyPr/>
+                    <a:lstStyle/>
+                    <a:p>
+                      <a:pPr algn="ctr"/>
+                      <a:endParaRPr lang="en-US" sz="1400" dirty="0">
+                        <a:solidFill>
+                          <a:schemeClr val="tx1"/>
+                        </a:solidFill>
+                      </a:endParaRPr>
+                    </a:p>
+                  </a:txBody>
+                  <a:tcPr vert="vert270" anchor="ctr">
+                    <a:lnL w="12700" cap="flat" cmpd="sng" algn="ctr">
+                      <a:solidFill>
+                        <a:schemeClr val="tx1"/>
+                      </a:solidFill>
+                      <a:prstDash val="solid"/>
+                      <a:round/>
+                      <a:headEnd type="none" w="med" len="med"/>
+                      <a:tailEnd type="none" w="med" len="med"/>
+                    </a:lnL>
+                    <a:lnR w="12700" cap="flat" cmpd="sng" algn="ctr">
+                      <a:solidFill>
+                        <a:schemeClr val="tx1"/>
+                      </a:solidFill>
+                      <a:prstDash val="solid"/>
+                      <a:round/>
+                      <a:headEnd type="none" w="med" len="med"/>
+                      <a:tailEnd type="none" w="med" len="med"/>
+                    </a:lnR>
+                    <a:lnT w="12700" cap="flat" cmpd="sng" algn="ctr">
+                      <a:solidFill>
+                        <a:schemeClr val="tx1"/>
+                      </a:solidFill>
+                      <a:prstDash val="solid"/>
+                      <a:round/>
+                      <a:headEnd type="none" w="med" len="med"/>
+                      <a:tailEnd type="none" w="med" len="med"/>
+                    </a:lnT>
+                    <a:lnB w="12700" cap="flat" cmpd="sng" algn="ctr">
+                      <a:solidFill>
+                        <a:schemeClr val="tx1"/>
+                      </a:solidFill>
+                      <a:prstDash val="solid"/>
+                      <a:round/>
+                      <a:headEnd type="none" w="med" len="med"/>
+                      <a:tailEnd type="none" w="med" len="med"/>
+                    </a:lnB>
+                    <a:noFill/>
+                  </a:tcPr>
+                </a:tc>
+                <a:tc vMerge="1">
+                  <a:txBody>
+                    <a:bodyPr/>
+                    <a:lstStyle/>
+                    <a:p>
+                      <a:pPr algn="ctr"/>
+                      <a:endParaRPr lang="en-US" sz="1400" dirty="0">
+                        <a:solidFill>
+                          <a:schemeClr val="tx1"/>
+                        </a:solidFill>
+                      </a:endParaRPr>
+                    </a:p>
+                  </a:txBody>
+                  <a:tcPr vert="vert270" anchor="ctr">
+                    <a:lnL w="12700" cap="flat" cmpd="sng" algn="ctr">
+                      <a:solidFill>
+                        <a:schemeClr val="tx1"/>
+                      </a:solidFill>
+                      <a:prstDash val="solid"/>
+                      <a:round/>
+                      <a:headEnd type="none" w="med" len="med"/>
+                      <a:tailEnd type="none" w="med" len="med"/>
+                    </a:lnL>
+                    <a:lnR w="12700" cap="flat" cmpd="sng" algn="ctr">
+                      <a:solidFill>
+                        <a:schemeClr val="tx1"/>
+                      </a:solidFill>
+                      <a:prstDash val="solid"/>
+                      <a:round/>
+                      <a:headEnd type="none" w="med" len="med"/>
+                      <a:tailEnd type="none" w="med" len="med"/>
+                    </a:lnR>
+                    <a:lnT w="12700" cap="flat" cmpd="sng" algn="ctr">
+                      <a:solidFill>
+                        <a:schemeClr val="tx1"/>
+                      </a:solidFill>
+                      <a:prstDash val="solid"/>
+                      <a:round/>
+                      <a:headEnd type="none" w="med" len="med"/>
+                      <a:tailEnd type="none" w="med" len="med"/>
+                    </a:lnT>
+                    <a:lnB w="12700" cap="flat" cmpd="sng" algn="ctr">
+                      <a:solidFill>
+                        <a:schemeClr val="tx1"/>
+                      </a:solidFill>
+                      <a:prstDash val="solid"/>
+                      <a:round/>
+                      <a:headEnd type="none" w="med" len="med"/>
+                      <a:tailEnd type="none" w="med" len="med"/>
+                    </a:lnB>
+                    <a:noFill/>
+                  </a:tcPr>
+                </a:tc>
+                <a:tc>
+                  <a:txBody>
+                    <a:bodyPr/>
+                    <a:lstStyle/>
+                    <a:p>
+                      <a:pPr algn="ctr"/>
+                      <a:r>
+                        <a:rPr lang="en-US" sz="1400" b="1" dirty="0" smtClean="0">
+                          <a:solidFill>
+                            <a:schemeClr val="tx1"/>
+                          </a:solidFill>
+                        </a:rPr>
+                        <a:t>Start</a:t>
+                      </a:r>
+                      <a:endParaRPr lang="en-US" sz="1400" b="1" dirty="0">
+                        <a:solidFill>
+                          <a:schemeClr val="tx1"/>
+                        </a:solidFill>
+                      </a:endParaRPr>
+                    </a:p>
+                  </a:txBody>
+                  <a:tcPr vert="vert270" anchor="ctr">
+                    <a:lnL w="12700" cap="flat" cmpd="sng" algn="ctr">
+                      <a:solidFill>
+                        <a:schemeClr val="tx1"/>
+                      </a:solidFill>
+                      <a:prstDash val="solid"/>
+                      <a:round/>
+                      <a:headEnd type="none" w="med" len="med"/>
+                      <a:tailEnd type="none" w="med" len="med"/>
+                    </a:lnL>
+                    <a:lnR w="12700" cap="flat" cmpd="sng" algn="ctr">
+                      <a:solidFill>
+                        <a:schemeClr val="tx1"/>
+                      </a:solidFill>
+                      <a:prstDash val="solid"/>
+                      <a:round/>
+                      <a:headEnd type="none" w="med" len="med"/>
+                      <a:tailEnd type="none" w="med" len="med"/>
+                    </a:lnR>
+                    <a:lnT w="12700" cap="flat" cmpd="sng" algn="ctr">
+                      <a:solidFill>
+                        <a:schemeClr val="tx1"/>
+                      </a:solidFill>
+                      <a:prstDash val="solid"/>
+                      <a:round/>
+                      <a:headEnd type="none" w="med" len="med"/>
+                      <a:tailEnd type="none" w="med" len="med"/>
+                    </a:lnT>
+                    <a:lnB w="12700" cap="flat" cmpd="sng" algn="ctr">
+                      <a:solidFill>
+                        <a:schemeClr val="tx1"/>
+                      </a:solidFill>
+                      <a:prstDash val="solid"/>
+                      <a:round/>
+                      <a:headEnd type="none" w="med" len="med"/>
+                      <a:tailEnd type="none" w="med" len="med"/>
+                    </a:lnB>
+                    <a:noFill/>
+                  </a:tcPr>
+                </a:tc>
+                <a:tc>
+                  <a:txBody>
+                    <a:bodyPr/>
+                    <a:lstStyle/>
+                    <a:p>
+                      <a:pPr algn="ctr"/>
+                      <a:r>
+                        <a:rPr lang="en-US" sz="1400" b="1" dirty="0" smtClean="0">
+                          <a:solidFill>
+                            <a:schemeClr val="tx1"/>
+                          </a:solidFill>
+                        </a:rPr>
+                        <a:t>End</a:t>
+                      </a:r>
+                      <a:endParaRPr lang="en-US" sz="1400" b="1" dirty="0">
+                        <a:solidFill>
+                          <a:schemeClr val="tx1"/>
+                        </a:solidFill>
+                      </a:endParaRPr>
+                    </a:p>
+                  </a:txBody>
+                  <a:tcPr vert="vert270" anchor="ctr">
+                    <a:lnL w="12700" cap="flat" cmpd="sng" algn="ctr">
+                      <a:solidFill>
+                        <a:schemeClr val="tx1"/>
+                      </a:solidFill>
+                      <a:prstDash val="solid"/>
+                      <a:round/>
+                      <a:headEnd type="none" w="med" len="med"/>
+                      <a:tailEnd type="none" w="med" len="med"/>
+                    </a:lnL>
+                    <a:lnR w="12700" cap="flat" cmpd="sng" algn="ctr">
+                      <a:solidFill>
+                        <a:schemeClr val="tx1"/>
+                      </a:solidFill>
+                      <a:prstDash val="solid"/>
+                      <a:round/>
+                      <a:headEnd type="none" w="med" len="med"/>
+                      <a:tailEnd type="none" w="med" len="med"/>
+                    </a:lnR>
+                    <a:lnT w="12700" cap="flat" cmpd="sng" algn="ctr">
+                      <a:solidFill>
+                        <a:schemeClr val="tx1"/>
+                      </a:solidFill>
+                      <a:prstDash val="solid"/>
+                      <a:round/>
+                      <a:headEnd type="none" w="med" len="med"/>
+                      <a:tailEnd type="none" w="med" len="med"/>
+                    </a:lnT>
+                    <a:lnB w="12700" cap="flat" cmpd="sng" algn="ctr">
+                      <a:solidFill>
+                        <a:schemeClr val="tx1"/>
+                      </a:solidFill>
+                      <a:prstDash val="solid"/>
+                      <a:round/>
+                      <a:headEnd type="none" w="med" len="med"/>
+                      <a:tailEnd type="none" w="med" len="med"/>
+                    </a:lnB>
+                    <a:noFill/>
+                  </a:tcPr>
+                </a:tc>
+                <a:tc vMerge="1">
+                  <a:txBody>
+                    <a:bodyPr/>
+                    <a:lstStyle/>
+                    <a:p>
+                      <a:pPr algn="ctr"/>
+                      <a:endParaRPr lang="en-US" sz="1400" dirty="0">
+                        <a:solidFill>
+                          <a:schemeClr val="tx1"/>
+                        </a:solidFill>
+                      </a:endParaRPr>
+                    </a:p>
+                  </a:txBody>
+                  <a:tcPr anchor="ctr">
+                    <a:lnL w="12700" cap="flat" cmpd="sng" algn="ctr">
+                      <a:solidFill>
+                        <a:schemeClr val="tx1"/>
+                      </a:solidFill>
+                      <a:prstDash val="solid"/>
+                      <a:round/>
+                      <a:headEnd type="none" w="med" len="med"/>
+                      <a:tailEnd type="none" w="med" len="med"/>
+                    </a:lnL>
+                    <a:lnR w="12700" cap="flat" cmpd="sng" algn="ctr">
+                      <a:solidFill>
+                        <a:schemeClr val="tx1"/>
+                      </a:solidFill>
+                      <a:prstDash val="solid"/>
+                      <a:round/>
+                      <a:headEnd type="none" w="med" len="med"/>
+                      <a:tailEnd type="none" w="med" len="med"/>
+                    </a:lnR>
+                    <a:lnT w="12700" cap="flat" cmpd="sng" algn="ctr">
+                      <a:solidFill>
+                        <a:schemeClr val="tx1"/>
+                      </a:solidFill>
+                      <a:prstDash val="solid"/>
+                      <a:round/>
+                      <a:headEnd type="none" w="med" len="med"/>
+                      <a:tailEnd type="none" w="med" len="med"/>
+                    </a:lnT>
+                    <a:lnB w="12700" cap="flat" cmpd="sng" algn="ctr">
+                      <a:solidFill>
+                        <a:schemeClr val="tx1"/>
+                      </a:solidFill>
+                      <a:prstDash val="solid"/>
+                      <a:round/>
+                      <a:headEnd type="none" w="med" len="med"/>
+                      <a:tailEnd type="none" w="med" len="med"/>
+                    </a:lnB>
+                    <a:noFill/>
+                  </a:tcPr>
+                </a:tc>
+              </a:tr>
+              <a:tr h="335626">
+                <a:tc>
+                  <a:txBody>
+                    <a:bodyPr/>
+                    <a:lstStyle/>
+                    <a:p>
+                      <a:pPr algn="ctr"/>
+                      <a:r>
+                        <a:rPr lang="en-US" sz="1400" dirty="0" smtClean="0">
+                          <a:solidFill>
+                            <a:schemeClr val="tx1"/>
+                          </a:solidFill>
+                        </a:rPr>
+                        <a:t>R</a:t>
+                      </a:r>
+                      <a:endParaRPr lang="en-US" sz="1400" dirty="0">
+                        <a:solidFill>
+                          <a:schemeClr val="tx1"/>
+                        </a:solidFill>
+                      </a:endParaRPr>
+                    </a:p>
+                  </a:txBody>
+                  <a:tcPr>
+                    <a:lnL w="12700" cap="flat" cmpd="sng" algn="ctr">
+                      <a:solidFill>
+                        <a:schemeClr val="tx1"/>
+                      </a:solidFill>
+                      <a:prstDash val="solid"/>
+                      <a:round/>
+                      <a:headEnd type="none" w="med" len="med"/>
+                      <a:tailEnd type="none" w="med" len="med"/>
+                    </a:lnL>
+                    <a:lnR w="12700" cap="flat" cmpd="sng" algn="ctr">
+                      <a:solidFill>
+                        <a:schemeClr val="tx1"/>
+                      </a:solidFill>
+                      <a:prstDash val="solid"/>
+                      <a:round/>
+                      <a:headEnd type="none" w="med" len="med"/>
+                      <a:tailEnd type="none" w="med" len="med"/>
+                    </a:lnR>
+                    <a:lnT w="12700" cap="flat" cmpd="sng" algn="ctr">
+                      <a:solidFill>
+                        <a:schemeClr val="tx1"/>
+                      </a:solidFill>
+                      <a:prstDash val="solid"/>
+                      <a:round/>
+                      <a:headEnd type="none" w="med" len="med"/>
+                      <a:tailEnd type="none" w="med" len="med"/>
+                    </a:lnT>
+                    <a:lnB w="12700" cap="flat" cmpd="sng" algn="ctr">
+                      <a:solidFill>
+                        <a:schemeClr val="tx1"/>
+                      </a:solidFill>
+                      <a:prstDash val="solid"/>
+                      <a:round/>
+                      <a:headEnd type="none" w="med" len="med"/>
+                      <a:tailEnd type="none" w="med" len="med"/>
+                    </a:lnB>
+                    <a:noFill/>
+                  </a:tcPr>
+                </a:tc>
+                <a:tc>
+                  <a:txBody>
+                    <a:bodyPr/>
+                    <a:lstStyle/>
+                    <a:p>
+                      <a:pPr algn="ctr"/>
+                      <a:r>
+                        <a:rPr lang="en-US" sz="1400" dirty="0" smtClean="0">
+                          <a:solidFill>
+                            <a:schemeClr val="tx1"/>
+                          </a:solidFill>
+                        </a:rPr>
+                        <a:t>0</a:t>
+                      </a:r>
+                      <a:endParaRPr lang="en-US" sz="1400" dirty="0">
+                        <a:solidFill>
+                          <a:schemeClr val="tx1"/>
+                        </a:solidFill>
+                      </a:endParaRPr>
+                    </a:p>
+                  </a:txBody>
+                  <a:tcPr>
+                    <a:lnL w="12700" cap="flat" cmpd="sng" algn="ctr">
+                      <a:solidFill>
+                        <a:schemeClr val="tx1"/>
+                      </a:solidFill>
+                      <a:prstDash val="solid"/>
+                      <a:round/>
+                      <a:headEnd type="none" w="med" len="med"/>
+                      <a:tailEnd type="none" w="med" len="med"/>
+                    </a:lnL>
+                    <a:lnR w="12700" cap="flat" cmpd="sng" algn="ctr">
+                      <a:solidFill>
+                        <a:schemeClr val="tx1"/>
+                      </a:solidFill>
+                      <a:prstDash val="solid"/>
+                      <a:round/>
+                      <a:headEnd type="none" w="med" len="med"/>
+                      <a:tailEnd type="none" w="med" len="med"/>
+                    </a:lnR>
+                    <a:lnT w="12700" cap="flat" cmpd="sng" algn="ctr">
+                      <a:solidFill>
+                        <a:schemeClr val="tx1"/>
+                      </a:solidFill>
+                      <a:prstDash val="solid"/>
+                      <a:round/>
+                      <a:headEnd type="none" w="med" len="med"/>
+                      <a:tailEnd type="none" w="med" len="med"/>
+                    </a:lnT>
+                    <a:lnB w="12700" cap="flat" cmpd="sng" algn="ctr">
+                      <a:solidFill>
+                        <a:schemeClr val="tx1"/>
+                      </a:solidFill>
+                      <a:prstDash val="solid"/>
+                      <a:round/>
+                      <a:headEnd type="none" w="med" len="med"/>
+                      <a:tailEnd type="none" w="med" len="med"/>
+                    </a:lnB>
+                    <a:noFill/>
+                  </a:tcPr>
+                </a:tc>
+                <a:tc>
+                  <a:txBody>
+                    <a:bodyPr/>
+                    <a:lstStyle/>
+                    <a:p>
+                      <a:r>
+                        <a:rPr lang="en-US" sz="1000" dirty="0" smtClean="0">
+                          <a:solidFill>
+                            <a:schemeClr val="tx1"/>
+                          </a:solidFill>
+                        </a:rPr>
+                        <a:t>null</a:t>
+                      </a:r>
+                      <a:endParaRPr lang="en-US" sz="1000" dirty="0">
+                        <a:solidFill>
+                          <a:schemeClr val="tx1"/>
+                        </a:solidFill>
+                      </a:endParaRPr>
+                    </a:p>
+                  </a:txBody>
+                  <a:tcPr>
+                    <a:lnL w="12700" cap="flat" cmpd="sng" algn="ctr">
+                      <a:solidFill>
+                        <a:schemeClr val="tx1"/>
+                      </a:solidFill>
+                      <a:prstDash val="solid"/>
+                      <a:round/>
+                      <a:headEnd type="none" w="med" len="med"/>
+                      <a:tailEnd type="none" w="med" len="med"/>
+                    </a:lnL>
+                    <a:lnR w="12700" cap="flat" cmpd="sng" algn="ctr">
+                      <a:solidFill>
+                        <a:schemeClr val="tx1"/>
+                      </a:solidFill>
+                      <a:prstDash val="solid"/>
+                      <a:round/>
+                      <a:headEnd type="none" w="med" len="med"/>
+                      <a:tailEnd type="none" w="med" len="med"/>
+                    </a:lnR>
+                    <a:lnT w="12700" cap="flat" cmpd="sng" algn="ctr">
+                      <a:solidFill>
+                        <a:schemeClr val="tx1"/>
+                      </a:solidFill>
+                      <a:prstDash val="solid"/>
+                      <a:round/>
+                      <a:headEnd type="none" w="med" len="med"/>
+                      <a:tailEnd type="none" w="med" len="med"/>
+                    </a:lnT>
+                    <a:lnB w="12700" cap="flat" cmpd="sng" algn="ctr">
+                      <a:solidFill>
+                        <a:schemeClr val="tx1"/>
+                      </a:solidFill>
+                      <a:prstDash val="solid"/>
+                      <a:round/>
+                      <a:headEnd type="none" w="med" len="med"/>
+                      <a:tailEnd type="none" w="med" len="med"/>
+                    </a:lnB>
+                    <a:noFill/>
+                  </a:tcPr>
+                </a:tc>
+                <a:tc>
+                  <a:txBody>
+                    <a:bodyPr/>
+                    <a:lstStyle/>
+                    <a:p>
+                      <a:r>
+                        <a:rPr lang="en-US" sz="1000" dirty="0" smtClean="0">
+                          <a:solidFill>
+                            <a:schemeClr val="tx1"/>
+                          </a:solidFill>
+                        </a:rPr>
+                        <a:t>null</a:t>
+                      </a:r>
+                      <a:endParaRPr lang="en-US" sz="1000" dirty="0">
+                        <a:solidFill>
+                          <a:schemeClr val="tx1"/>
+                        </a:solidFill>
+                      </a:endParaRPr>
+                    </a:p>
+                  </a:txBody>
+                  <a:tcPr>
+                    <a:lnL w="12700" cap="flat" cmpd="sng" algn="ctr">
+                      <a:solidFill>
+                        <a:schemeClr val="tx1"/>
+                      </a:solidFill>
+                      <a:prstDash val="solid"/>
+                      <a:round/>
+                      <a:headEnd type="none" w="med" len="med"/>
+                      <a:tailEnd type="none" w="med" len="med"/>
+                    </a:lnL>
+                    <a:lnR w="12700" cap="flat" cmpd="sng" algn="ctr">
+                      <a:solidFill>
+                        <a:schemeClr val="tx1"/>
+                      </a:solidFill>
+                      <a:prstDash val="solid"/>
+                      <a:round/>
+                      <a:headEnd type="none" w="med" len="med"/>
+                      <a:tailEnd type="none" w="med" len="med"/>
+                    </a:lnR>
+                    <a:lnT w="12700" cap="flat" cmpd="sng" algn="ctr">
+                      <a:solidFill>
+                        <a:schemeClr val="tx1"/>
+                      </a:solidFill>
+                      <a:prstDash val="solid"/>
+                      <a:round/>
+                      <a:headEnd type="none" w="med" len="med"/>
+                      <a:tailEnd type="none" w="med" len="med"/>
+                    </a:lnT>
+                    <a:lnB w="12700" cap="flat" cmpd="sng" algn="ctr">
+                      <a:solidFill>
+                        <a:schemeClr val="tx1"/>
+                      </a:solidFill>
+                      <a:prstDash val="solid"/>
+                      <a:round/>
+                      <a:headEnd type="none" w="med" len="med"/>
+                      <a:tailEnd type="none" w="med" len="med"/>
+                    </a:lnB>
+                    <a:noFill/>
+                  </a:tcPr>
+                </a:tc>
+                <a:tc>
+                  <a:txBody>
+                    <a:bodyPr/>
+                    <a:lstStyle/>
+                    <a:p>
+                      <a:endParaRPr lang="en-US" sz="1400" dirty="0">
+                        <a:solidFill>
+                          <a:schemeClr val="tx1"/>
+                        </a:solidFill>
+                      </a:endParaRPr>
+                    </a:p>
+                  </a:txBody>
+                  <a:tcPr>
+                    <a:lnL w="12700" cap="flat" cmpd="sng" algn="ctr">
+                      <a:solidFill>
+                        <a:schemeClr val="tx1"/>
+                      </a:solidFill>
+                      <a:prstDash val="solid"/>
+                      <a:round/>
+                      <a:headEnd type="none" w="med" len="med"/>
+                      <a:tailEnd type="none" w="med" len="med"/>
+                    </a:lnL>
+                    <a:lnR w="12700" cap="flat" cmpd="sng" algn="ctr">
+                      <a:solidFill>
+                        <a:schemeClr val="tx1"/>
+                      </a:solidFill>
+                      <a:prstDash val="solid"/>
+                      <a:round/>
+                      <a:headEnd type="none" w="med" len="med"/>
+                      <a:tailEnd type="none" w="med" len="med"/>
+                    </a:lnR>
+                    <a:lnT w="12700" cap="flat" cmpd="sng" algn="ctr">
+                      <a:solidFill>
+                        <a:schemeClr val="tx1"/>
+                      </a:solidFill>
+                      <a:prstDash val="solid"/>
+                      <a:round/>
+                      <a:headEnd type="none" w="med" len="med"/>
+                      <a:tailEnd type="none" w="med" len="med"/>
+                    </a:lnT>
+                    <a:lnB w="12700" cap="flat" cmpd="sng" algn="ctr">
+                      <a:solidFill>
+                        <a:schemeClr val="tx1"/>
+                      </a:solidFill>
+                      <a:prstDash val="solid"/>
+                      <a:round/>
+                      <a:headEnd type="none" w="med" len="med"/>
+                      <a:tailEnd type="none" w="med" len="med"/>
+                    </a:lnB>
+                    <a:noFill/>
+                  </a:tcPr>
+                </a:tc>
+              </a:tr>
+              <a:tr h="354842">
+                <a:tc>
+                  <a:txBody>
+                    <a:bodyPr/>
+                    <a:lstStyle/>
+                    <a:p>
+                      <a:pPr algn="ctr"/>
+                      <a:r>
+                        <a:rPr lang="en-US" sz="1400" dirty="0" smtClean="0">
+                          <a:solidFill>
+                            <a:schemeClr val="tx1"/>
+                          </a:solidFill>
+                        </a:rPr>
+                        <a:t>R</a:t>
+                      </a:r>
+                      <a:endParaRPr lang="en-US" sz="1400" dirty="0">
+                        <a:solidFill>
+                          <a:schemeClr val="tx1"/>
+                        </a:solidFill>
+                      </a:endParaRPr>
+                    </a:p>
+                  </a:txBody>
+                  <a:tcPr>
+                    <a:lnL w="12700" cap="flat" cmpd="sng" algn="ctr">
+                      <a:solidFill>
+                        <a:schemeClr val="tx1"/>
+                      </a:solidFill>
+                      <a:prstDash val="solid"/>
+                      <a:round/>
+                      <a:headEnd type="none" w="med" len="med"/>
+                      <a:tailEnd type="none" w="med" len="med"/>
+                    </a:lnL>
+                    <a:lnR w="12700" cap="flat" cmpd="sng" algn="ctr">
+                      <a:solidFill>
+                        <a:schemeClr val="tx1"/>
+                      </a:solidFill>
+                      <a:prstDash val="solid"/>
+                      <a:round/>
+                      <a:headEnd type="none" w="med" len="med"/>
+                      <a:tailEnd type="none" w="med" len="med"/>
+                    </a:lnR>
+                    <a:lnT w="12700" cap="flat" cmpd="sng" algn="ctr">
+                      <a:solidFill>
+                        <a:schemeClr val="tx1"/>
+                      </a:solidFill>
+                      <a:prstDash val="solid"/>
+                      <a:round/>
+                      <a:headEnd type="none" w="med" len="med"/>
+                      <a:tailEnd type="none" w="med" len="med"/>
+                    </a:lnT>
+                    <a:lnB w="12700" cap="flat" cmpd="sng" algn="ctr">
+                      <a:solidFill>
+                        <a:schemeClr val="tx1"/>
+                      </a:solidFill>
+                      <a:prstDash val="solid"/>
+                      <a:round/>
+                      <a:headEnd type="none" w="med" len="med"/>
+                      <a:tailEnd type="none" w="med" len="med"/>
+                    </a:lnB>
+                    <a:noFill/>
+                  </a:tcPr>
+                </a:tc>
+                <a:tc>
+                  <a:txBody>
+                    <a:bodyPr/>
+                    <a:lstStyle/>
+                    <a:p>
+                      <a:pPr algn="ctr"/>
+                      <a:r>
+                        <a:rPr lang="en-US" sz="1400" dirty="0" smtClean="0">
+                          <a:solidFill>
+                            <a:schemeClr val="tx1"/>
+                          </a:solidFill>
+                        </a:rPr>
+                        <a:t>0</a:t>
+                      </a:r>
+                      <a:endParaRPr lang="en-US" sz="1400" dirty="0">
+                        <a:solidFill>
+                          <a:schemeClr val="tx1"/>
+                        </a:solidFill>
+                      </a:endParaRPr>
+                    </a:p>
+                  </a:txBody>
+                  <a:tcPr>
+                    <a:lnL w="12700" cap="flat" cmpd="sng" algn="ctr">
+                      <a:solidFill>
+                        <a:schemeClr val="tx1"/>
+                      </a:solidFill>
+                      <a:prstDash val="solid"/>
+                      <a:round/>
+                      <a:headEnd type="none" w="med" len="med"/>
+                      <a:tailEnd type="none" w="med" len="med"/>
+                    </a:lnL>
+                    <a:lnR w="12700" cap="flat" cmpd="sng" algn="ctr">
+                      <a:solidFill>
+                        <a:schemeClr val="tx1"/>
+                      </a:solidFill>
+                      <a:prstDash val="solid"/>
+                      <a:round/>
+                      <a:headEnd type="none" w="med" len="med"/>
+                      <a:tailEnd type="none" w="med" len="med"/>
+                    </a:lnR>
+                    <a:lnT w="12700" cap="flat" cmpd="sng" algn="ctr">
+                      <a:solidFill>
+                        <a:schemeClr val="tx1"/>
+                      </a:solidFill>
+                      <a:prstDash val="solid"/>
+                      <a:round/>
+                      <a:headEnd type="none" w="med" len="med"/>
+                      <a:tailEnd type="none" w="med" len="med"/>
+                    </a:lnT>
+                    <a:lnB w="12700" cap="flat" cmpd="sng" algn="ctr">
+                      <a:solidFill>
+                        <a:schemeClr val="tx1"/>
+                      </a:solidFill>
+                      <a:prstDash val="solid"/>
+                      <a:round/>
+                      <a:headEnd type="none" w="med" len="med"/>
+                      <a:tailEnd type="none" w="med" len="med"/>
+                    </a:lnB>
+                    <a:noFill/>
+                  </a:tcPr>
+                </a:tc>
+                <a:tc>
+                  <a:txBody>
+                    <a:bodyPr/>
+                    <a:lstStyle/>
+                    <a:p>
+                      <a:r>
+                        <a:rPr lang="en-US" sz="1000" dirty="0" smtClean="0">
+                          <a:solidFill>
+                            <a:schemeClr val="tx1"/>
+                          </a:solidFill>
+                        </a:rPr>
+                        <a:t>null</a:t>
+                      </a:r>
+                      <a:endParaRPr lang="en-US" sz="1000" dirty="0">
+                        <a:solidFill>
+                          <a:schemeClr val="tx1"/>
+                        </a:solidFill>
+                      </a:endParaRPr>
+                    </a:p>
+                  </a:txBody>
+                  <a:tcPr>
+                    <a:lnL w="12700" cap="flat" cmpd="sng" algn="ctr">
+                      <a:solidFill>
+                        <a:schemeClr val="tx1"/>
+                      </a:solidFill>
+                      <a:prstDash val="solid"/>
+                      <a:round/>
+                      <a:headEnd type="none" w="med" len="med"/>
+                      <a:tailEnd type="none" w="med" len="med"/>
+                    </a:lnL>
+                    <a:lnR w="12700" cap="flat" cmpd="sng" algn="ctr">
+                      <a:solidFill>
+                        <a:schemeClr val="tx1"/>
+                      </a:solidFill>
+                      <a:prstDash val="solid"/>
+                      <a:round/>
+                      <a:headEnd type="none" w="med" len="med"/>
+                      <a:tailEnd type="none" w="med" len="med"/>
+                    </a:lnR>
+                    <a:lnT w="12700" cap="flat" cmpd="sng" algn="ctr">
+                      <a:solidFill>
+                        <a:schemeClr val="tx1"/>
+                      </a:solidFill>
+                      <a:prstDash val="solid"/>
+                      <a:round/>
+                      <a:headEnd type="none" w="med" len="med"/>
+                      <a:tailEnd type="none" w="med" len="med"/>
+                    </a:lnT>
+                    <a:lnB w="12700" cap="flat" cmpd="sng" algn="ctr">
+                      <a:solidFill>
+                        <a:schemeClr val="tx1"/>
+                      </a:solidFill>
+                      <a:prstDash val="solid"/>
+                      <a:round/>
+                      <a:headEnd type="none" w="med" len="med"/>
+                      <a:tailEnd type="none" w="med" len="med"/>
+                    </a:lnB>
+                    <a:noFill/>
+                  </a:tcPr>
+                </a:tc>
+                <a:tc>
+                  <a:txBody>
+                    <a:bodyPr/>
+                    <a:lstStyle/>
+                    <a:p>
+                      <a:r>
+                        <a:rPr lang="en-US" sz="1000" dirty="0" smtClean="0">
+                          <a:solidFill>
+                            <a:schemeClr val="tx1"/>
+                          </a:solidFill>
+                        </a:rPr>
+                        <a:t>null</a:t>
+                      </a:r>
+                      <a:endParaRPr lang="en-US" sz="1000" dirty="0">
+                        <a:solidFill>
+                          <a:schemeClr val="tx1"/>
+                        </a:solidFill>
+                      </a:endParaRPr>
+                    </a:p>
+                  </a:txBody>
+                  <a:tcPr>
+                    <a:lnL w="12700" cap="flat" cmpd="sng" algn="ctr">
+                      <a:solidFill>
+                        <a:schemeClr val="tx1"/>
+                      </a:solidFill>
+                      <a:prstDash val="solid"/>
+                      <a:round/>
+                      <a:headEnd type="none" w="med" len="med"/>
+                      <a:tailEnd type="none" w="med" len="med"/>
+                    </a:lnL>
+                    <a:lnR w="12700" cap="flat" cmpd="sng" algn="ctr">
+                      <a:solidFill>
+                        <a:schemeClr val="tx1"/>
+                      </a:solidFill>
+                      <a:prstDash val="solid"/>
+                      <a:round/>
+                      <a:headEnd type="none" w="med" len="med"/>
+                      <a:tailEnd type="none" w="med" len="med"/>
+                    </a:lnR>
+                    <a:lnT w="12700" cap="flat" cmpd="sng" algn="ctr">
+                      <a:solidFill>
+                        <a:schemeClr val="tx1"/>
+                      </a:solidFill>
+                      <a:prstDash val="solid"/>
+                      <a:round/>
+                      <a:headEnd type="none" w="med" len="med"/>
+                      <a:tailEnd type="none" w="med" len="med"/>
+                    </a:lnT>
+                    <a:lnB w="12700" cap="flat" cmpd="sng" algn="ctr">
+                      <a:solidFill>
+                        <a:schemeClr val="tx1"/>
+                      </a:solidFill>
+                      <a:prstDash val="solid"/>
+                      <a:round/>
+                      <a:headEnd type="none" w="med" len="med"/>
+                      <a:tailEnd type="none" w="med" len="med"/>
+                    </a:lnB>
+                    <a:noFill/>
+                  </a:tcPr>
+                </a:tc>
+                <a:tc>
+                  <a:txBody>
+                    <a:bodyPr/>
+                    <a:lstStyle/>
+                    <a:p>
+                      <a:endParaRPr lang="en-US" sz="1400" dirty="0">
+                        <a:solidFill>
+                          <a:schemeClr val="tx1"/>
+                        </a:solidFill>
+                      </a:endParaRPr>
+                    </a:p>
+                  </a:txBody>
+                  <a:tcPr>
+                    <a:lnL w="12700" cap="flat" cmpd="sng" algn="ctr">
+                      <a:solidFill>
+                        <a:schemeClr val="tx1"/>
+                      </a:solidFill>
+                      <a:prstDash val="solid"/>
+                      <a:round/>
+                      <a:headEnd type="none" w="med" len="med"/>
+                      <a:tailEnd type="none" w="med" len="med"/>
+                    </a:lnL>
+                    <a:lnR w="12700" cap="flat" cmpd="sng" algn="ctr">
+                      <a:solidFill>
+                        <a:schemeClr val="tx1"/>
+                      </a:solidFill>
+                      <a:prstDash val="solid"/>
+                      <a:round/>
+                      <a:headEnd type="none" w="med" len="med"/>
+                      <a:tailEnd type="none" w="med" len="med"/>
+                    </a:lnR>
+                    <a:lnT w="12700" cap="flat" cmpd="sng" algn="ctr">
+                      <a:solidFill>
+                        <a:schemeClr val="tx1"/>
+                      </a:solidFill>
+                      <a:prstDash val="solid"/>
+                      <a:round/>
+                      <a:headEnd type="none" w="med" len="med"/>
+                      <a:tailEnd type="none" w="med" len="med"/>
+                    </a:lnT>
+                    <a:lnB w="12700" cap="flat" cmpd="sng" algn="ctr">
+                      <a:solidFill>
+                        <a:schemeClr val="tx1"/>
+                      </a:solidFill>
+                      <a:prstDash val="solid"/>
+                      <a:round/>
+                      <a:headEnd type="none" w="med" len="med"/>
+                      <a:tailEnd type="none" w="med" len="med"/>
+                    </a:lnB>
+                    <a:noFill/>
+                  </a:tcPr>
+                </a:tc>
+              </a:tr>
+              <a:tr h="313899">
+                <a:tc>
+                  <a:txBody>
+                    <a:bodyPr/>
+                    <a:lstStyle/>
+                    <a:p>
+                      <a:pPr algn="ctr"/>
+                      <a:r>
+                        <a:rPr lang="en-US" sz="1400" dirty="0" smtClean="0">
+                          <a:solidFill>
+                            <a:schemeClr val="tx1"/>
+                          </a:solidFill>
+                        </a:rPr>
+                        <a:t>T</a:t>
+                      </a:r>
+                      <a:endParaRPr lang="en-US" sz="1400" dirty="0">
+                        <a:solidFill>
+                          <a:schemeClr val="tx1"/>
+                        </a:solidFill>
+                      </a:endParaRPr>
+                    </a:p>
+                  </a:txBody>
+                  <a:tcPr>
+                    <a:lnL w="12700" cap="flat" cmpd="sng" algn="ctr">
+                      <a:solidFill>
+                        <a:schemeClr val="tx1"/>
+                      </a:solidFill>
+                      <a:prstDash val="solid"/>
+                      <a:round/>
+                      <a:headEnd type="none" w="med" len="med"/>
+                      <a:tailEnd type="none" w="med" len="med"/>
+                    </a:lnL>
+                    <a:lnR w="12700" cap="flat" cmpd="sng" algn="ctr">
+                      <a:solidFill>
+                        <a:schemeClr val="tx1"/>
+                      </a:solidFill>
+                      <a:prstDash val="solid"/>
+                      <a:round/>
+                      <a:headEnd type="none" w="med" len="med"/>
+                      <a:tailEnd type="none" w="med" len="med"/>
+                    </a:lnR>
+                    <a:lnT w="12700" cap="flat" cmpd="sng" algn="ctr">
+                      <a:solidFill>
+                        <a:schemeClr val="tx1"/>
+                      </a:solidFill>
+                      <a:prstDash val="solid"/>
+                      <a:round/>
+                      <a:headEnd type="none" w="med" len="med"/>
+                      <a:tailEnd type="none" w="med" len="med"/>
+                    </a:lnT>
+                    <a:lnB w="12700" cap="flat" cmpd="sng" algn="ctr">
+                      <a:solidFill>
+                        <a:schemeClr val="tx1"/>
+                      </a:solidFill>
+                      <a:prstDash val="solid"/>
+                      <a:round/>
+                      <a:headEnd type="none" w="med" len="med"/>
+                      <a:tailEnd type="none" w="med" len="med"/>
+                    </a:lnB>
+                    <a:noFill/>
+                  </a:tcPr>
+                </a:tc>
+                <a:tc>
+                  <a:txBody>
+                    <a:bodyPr/>
+                    <a:lstStyle/>
+                    <a:p>
+                      <a:pPr algn="ctr"/>
+                      <a:r>
+                        <a:rPr lang="en-US" sz="1400" dirty="0" smtClean="0">
+                          <a:solidFill>
+                            <a:schemeClr val="tx1"/>
+                          </a:solidFill>
+                        </a:rPr>
+                        <a:t>0</a:t>
+                      </a:r>
+                      <a:endParaRPr lang="en-US" sz="1400" dirty="0">
+                        <a:solidFill>
+                          <a:schemeClr val="tx1"/>
+                        </a:solidFill>
+                      </a:endParaRPr>
+                    </a:p>
+                  </a:txBody>
+                  <a:tcPr>
+                    <a:lnL w="12700" cap="flat" cmpd="sng" algn="ctr">
+                      <a:solidFill>
+                        <a:schemeClr val="tx1"/>
+                      </a:solidFill>
+                      <a:prstDash val="solid"/>
+                      <a:round/>
+                      <a:headEnd type="none" w="med" len="med"/>
+                      <a:tailEnd type="none" w="med" len="med"/>
+                    </a:lnL>
+                    <a:lnR w="12700" cap="flat" cmpd="sng" algn="ctr">
+                      <a:solidFill>
+                        <a:schemeClr val="tx1"/>
+                      </a:solidFill>
+                      <a:prstDash val="solid"/>
+                      <a:round/>
+                      <a:headEnd type="none" w="med" len="med"/>
+                      <a:tailEnd type="none" w="med" len="med"/>
+                    </a:lnR>
+                    <a:lnT w="12700" cap="flat" cmpd="sng" algn="ctr">
+                      <a:solidFill>
+                        <a:schemeClr val="tx1"/>
+                      </a:solidFill>
+                      <a:prstDash val="solid"/>
+                      <a:round/>
+                      <a:headEnd type="none" w="med" len="med"/>
+                      <a:tailEnd type="none" w="med" len="med"/>
+                    </a:lnT>
+                    <a:lnB w="12700" cap="flat" cmpd="sng" algn="ctr">
+                      <a:solidFill>
+                        <a:schemeClr val="tx1"/>
+                      </a:solidFill>
+                      <a:prstDash val="solid"/>
+                      <a:round/>
+                      <a:headEnd type="none" w="med" len="med"/>
+                      <a:tailEnd type="none" w="med" len="med"/>
+                    </a:lnB>
+                    <a:noFill/>
+                  </a:tcPr>
+                </a:tc>
+                <a:tc>
+                  <a:txBody>
+                    <a:bodyPr/>
+                    <a:lstStyle/>
+                    <a:p>
+                      <a:r>
+                        <a:rPr lang="en-US" sz="1000" dirty="0" smtClean="0">
+                          <a:solidFill>
+                            <a:schemeClr val="tx1"/>
+                          </a:solidFill>
+                        </a:rPr>
+                        <a:t>null</a:t>
+                      </a:r>
+                      <a:endParaRPr lang="en-US" sz="1000" dirty="0">
+                        <a:solidFill>
+                          <a:schemeClr val="tx1"/>
+                        </a:solidFill>
+                      </a:endParaRPr>
+                    </a:p>
+                  </a:txBody>
+                  <a:tcPr>
+                    <a:lnL w="12700" cap="flat" cmpd="sng" algn="ctr">
+                      <a:solidFill>
+                        <a:schemeClr val="tx1"/>
+                      </a:solidFill>
+                      <a:prstDash val="solid"/>
+                      <a:round/>
+                      <a:headEnd type="none" w="med" len="med"/>
+                      <a:tailEnd type="none" w="med" len="med"/>
+                    </a:lnL>
+                    <a:lnR w="12700" cap="flat" cmpd="sng" algn="ctr">
+                      <a:solidFill>
+                        <a:schemeClr val="tx1"/>
+                      </a:solidFill>
+                      <a:prstDash val="solid"/>
+                      <a:round/>
+                      <a:headEnd type="none" w="med" len="med"/>
+                      <a:tailEnd type="none" w="med" len="med"/>
+                    </a:lnR>
+                    <a:lnT w="12700" cap="flat" cmpd="sng" algn="ctr">
+                      <a:solidFill>
+                        <a:schemeClr val="tx1"/>
+                      </a:solidFill>
+                      <a:prstDash val="solid"/>
+                      <a:round/>
+                      <a:headEnd type="none" w="med" len="med"/>
+                      <a:tailEnd type="none" w="med" len="med"/>
+                    </a:lnT>
+                    <a:lnB w="12700" cap="flat" cmpd="sng" algn="ctr">
+                      <a:solidFill>
+                        <a:schemeClr val="tx1"/>
+                      </a:solidFill>
+                      <a:prstDash val="solid"/>
+                      <a:round/>
+                      <a:headEnd type="none" w="med" len="med"/>
+                      <a:tailEnd type="none" w="med" len="med"/>
+                    </a:lnB>
+                    <a:noFill/>
+                  </a:tcPr>
+                </a:tc>
+                <a:tc>
+                  <a:txBody>
+                    <a:bodyPr/>
+                    <a:lstStyle/>
+                    <a:p>
+                      <a:r>
+                        <a:rPr lang="en-US" sz="1000" dirty="0" smtClean="0">
+                          <a:solidFill>
+                            <a:schemeClr val="tx1"/>
+                          </a:solidFill>
+                        </a:rPr>
+                        <a:t>null</a:t>
+                      </a:r>
+                      <a:endParaRPr lang="en-US" sz="1000" dirty="0">
+                        <a:solidFill>
+                          <a:schemeClr val="tx1"/>
+                        </a:solidFill>
+                      </a:endParaRPr>
+                    </a:p>
+                  </a:txBody>
+                  <a:tcPr>
+                    <a:lnL w="12700" cap="flat" cmpd="sng" algn="ctr">
+                      <a:solidFill>
+                        <a:schemeClr val="tx1"/>
+                      </a:solidFill>
+                      <a:prstDash val="solid"/>
+                      <a:round/>
+                      <a:headEnd type="none" w="med" len="med"/>
+                      <a:tailEnd type="none" w="med" len="med"/>
+                    </a:lnL>
+                    <a:lnR w="12700" cap="flat" cmpd="sng" algn="ctr">
+                      <a:solidFill>
+                        <a:schemeClr val="tx1"/>
+                      </a:solidFill>
+                      <a:prstDash val="solid"/>
+                      <a:round/>
+                      <a:headEnd type="none" w="med" len="med"/>
+                      <a:tailEnd type="none" w="med" len="med"/>
+                    </a:lnR>
+                    <a:lnT w="12700" cap="flat" cmpd="sng" algn="ctr">
+                      <a:solidFill>
+                        <a:schemeClr val="tx1"/>
+                      </a:solidFill>
+                      <a:prstDash val="solid"/>
+                      <a:round/>
+                      <a:headEnd type="none" w="med" len="med"/>
+                      <a:tailEnd type="none" w="med" len="med"/>
+                    </a:lnT>
+                    <a:lnB w="12700" cap="flat" cmpd="sng" algn="ctr">
+                      <a:solidFill>
+                        <a:schemeClr val="tx1"/>
+                      </a:solidFill>
+                      <a:prstDash val="solid"/>
+                      <a:round/>
+                      <a:headEnd type="none" w="med" len="med"/>
+                      <a:tailEnd type="none" w="med" len="med"/>
+                    </a:lnB>
+                    <a:noFill/>
+                  </a:tcPr>
+                </a:tc>
+                <a:tc>
+                  <a:txBody>
+                    <a:bodyPr/>
+                    <a:lstStyle/>
+                    <a:p>
+                      <a:endParaRPr lang="en-US" sz="1400" dirty="0">
+                        <a:solidFill>
+                          <a:schemeClr val="tx1"/>
+                        </a:solidFill>
+                      </a:endParaRPr>
+                    </a:p>
+                  </a:txBody>
+                  <a:tcPr>
+                    <a:lnL w="12700" cap="flat" cmpd="sng" algn="ctr">
+                      <a:solidFill>
+                        <a:schemeClr val="tx1"/>
+                      </a:solidFill>
+                      <a:prstDash val="solid"/>
+                      <a:round/>
+                      <a:headEnd type="none" w="med" len="med"/>
+                      <a:tailEnd type="none" w="med" len="med"/>
+                    </a:lnL>
+                    <a:lnR w="12700" cap="flat" cmpd="sng" algn="ctr">
+                      <a:solidFill>
+                        <a:schemeClr val="tx1"/>
+                      </a:solidFill>
+                      <a:prstDash val="solid"/>
+                      <a:round/>
+                      <a:headEnd type="none" w="med" len="med"/>
+                      <a:tailEnd type="none" w="med" len="med"/>
+                    </a:lnR>
+                    <a:lnT w="12700" cap="flat" cmpd="sng" algn="ctr">
+                      <a:solidFill>
+                        <a:schemeClr val="tx1"/>
+                      </a:solidFill>
+                      <a:prstDash val="solid"/>
+                      <a:round/>
+                      <a:headEnd type="none" w="med" len="med"/>
+                      <a:tailEnd type="none" w="med" len="med"/>
+                    </a:lnT>
+                    <a:lnB w="12700" cap="flat" cmpd="sng" algn="ctr">
+                      <a:solidFill>
+                        <a:schemeClr val="tx1"/>
+                      </a:solidFill>
+                      <a:prstDash val="solid"/>
+                      <a:round/>
+                      <a:headEnd type="none" w="med" len="med"/>
+                      <a:tailEnd type="none" w="med" len="med"/>
+                    </a:lnB>
+                    <a:noFill/>
+                  </a:tcPr>
+                </a:tc>
+              </a:tr>
+              <a:tr h="272955">
+                <a:tc>
+                  <a:txBody>
+                    <a:bodyPr/>
+                    <a:lstStyle/>
+                    <a:p>
+                      <a:pPr algn="ctr"/>
+                      <a:r>
+                        <a:rPr lang="en-US" sz="1400" dirty="0" smtClean="0">
+                          <a:solidFill>
+                            <a:schemeClr val="tx1"/>
+                          </a:solidFill>
+                        </a:rPr>
+                        <a:t>T</a:t>
+                      </a:r>
+                      <a:endParaRPr lang="en-US" sz="1400" dirty="0">
+                        <a:solidFill>
+                          <a:schemeClr val="tx1"/>
+                        </a:solidFill>
+                      </a:endParaRPr>
+                    </a:p>
+                  </a:txBody>
+                  <a:tcPr>
+                    <a:lnL w="12700" cap="flat" cmpd="sng" algn="ctr">
+                      <a:solidFill>
+                        <a:schemeClr val="tx1"/>
+                      </a:solidFill>
+                      <a:prstDash val="solid"/>
+                      <a:round/>
+                      <a:headEnd type="none" w="med" len="med"/>
+                      <a:tailEnd type="none" w="med" len="med"/>
+                    </a:lnL>
+                    <a:lnR w="12700" cap="flat" cmpd="sng" algn="ctr">
+                      <a:solidFill>
+                        <a:schemeClr val="tx1"/>
+                      </a:solidFill>
+                      <a:prstDash val="solid"/>
+                      <a:round/>
+                      <a:headEnd type="none" w="med" len="med"/>
+                      <a:tailEnd type="none" w="med" len="med"/>
+                    </a:lnR>
+                    <a:lnT w="12700" cap="flat" cmpd="sng" algn="ctr">
+                      <a:solidFill>
+                        <a:schemeClr val="tx1"/>
+                      </a:solidFill>
+                      <a:prstDash val="solid"/>
+                      <a:round/>
+                      <a:headEnd type="none" w="med" len="med"/>
+                      <a:tailEnd type="none" w="med" len="med"/>
+                    </a:lnT>
+                    <a:lnB w="12700" cap="flat" cmpd="sng" algn="ctr">
+                      <a:solidFill>
+                        <a:schemeClr val="tx1"/>
+                      </a:solidFill>
+                      <a:prstDash val="solid"/>
+                      <a:round/>
+                      <a:headEnd type="none" w="med" len="med"/>
+                      <a:tailEnd type="none" w="med" len="med"/>
+                    </a:lnB>
+                    <a:noFill/>
+                  </a:tcPr>
+                </a:tc>
+                <a:tc>
+                  <a:txBody>
+                    <a:bodyPr/>
+                    <a:lstStyle/>
+                    <a:p>
+                      <a:pPr algn="ctr"/>
+                      <a:r>
+                        <a:rPr lang="en-US" sz="1400" dirty="0" smtClean="0">
+                          <a:solidFill>
+                            <a:schemeClr val="tx1"/>
+                          </a:solidFill>
+                        </a:rPr>
+                        <a:t>0</a:t>
+                      </a:r>
+                      <a:endParaRPr lang="en-US" sz="1400" dirty="0">
+                        <a:solidFill>
+                          <a:schemeClr val="tx1"/>
+                        </a:solidFill>
+                      </a:endParaRPr>
+                    </a:p>
+                  </a:txBody>
+                  <a:tcPr>
+                    <a:lnL w="12700" cap="flat" cmpd="sng" algn="ctr">
+                      <a:solidFill>
+                        <a:schemeClr val="tx1"/>
+                      </a:solidFill>
+                      <a:prstDash val="solid"/>
+                      <a:round/>
+                      <a:headEnd type="none" w="med" len="med"/>
+                      <a:tailEnd type="none" w="med" len="med"/>
+                    </a:lnL>
+                    <a:lnR w="12700" cap="flat" cmpd="sng" algn="ctr">
+                      <a:solidFill>
+                        <a:schemeClr val="tx1"/>
+                      </a:solidFill>
+                      <a:prstDash val="solid"/>
+                      <a:round/>
+                      <a:headEnd type="none" w="med" len="med"/>
+                      <a:tailEnd type="none" w="med" len="med"/>
+                    </a:lnR>
+                    <a:lnT w="12700" cap="flat" cmpd="sng" algn="ctr">
+                      <a:solidFill>
+                        <a:schemeClr val="tx1"/>
+                      </a:solidFill>
+                      <a:prstDash val="solid"/>
+                      <a:round/>
+                      <a:headEnd type="none" w="med" len="med"/>
+                      <a:tailEnd type="none" w="med" len="med"/>
+                    </a:lnT>
+                    <a:lnB w="12700" cap="flat" cmpd="sng" algn="ctr">
+                      <a:solidFill>
+                        <a:schemeClr val="tx1"/>
+                      </a:solidFill>
+                      <a:prstDash val="solid"/>
+                      <a:round/>
+                      <a:headEnd type="none" w="med" len="med"/>
+                      <a:tailEnd type="none" w="med" len="med"/>
+                    </a:lnB>
+                    <a:noFill/>
+                  </a:tcPr>
+                </a:tc>
+                <a:tc>
+                  <a:txBody>
+                    <a:bodyPr/>
+                    <a:lstStyle/>
+                    <a:p>
+                      <a:r>
+                        <a:rPr lang="en-US" sz="1000" dirty="0" smtClean="0">
+                          <a:solidFill>
+                            <a:schemeClr val="tx1"/>
+                          </a:solidFill>
+                        </a:rPr>
+                        <a:t>null</a:t>
+                      </a:r>
+                      <a:endParaRPr lang="en-US" sz="1000" dirty="0">
+                        <a:solidFill>
+                          <a:schemeClr val="tx1"/>
+                        </a:solidFill>
+                      </a:endParaRPr>
+                    </a:p>
+                  </a:txBody>
+                  <a:tcPr>
+                    <a:lnL w="12700" cap="flat" cmpd="sng" algn="ctr">
+                      <a:solidFill>
+                        <a:schemeClr val="tx1"/>
+                      </a:solidFill>
+                      <a:prstDash val="solid"/>
+                      <a:round/>
+                      <a:headEnd type="none" w="med" len="med"/>
+                      <a:tailEnd type="none" w="med" len="med"/>
+                    </a:lnL>
+                    <a:lnR w="12700" cap="flat" cmpd="sng" algn="ctr">
+                      <a:solidFill>
+                        <a:schemeClr val="tx1"/>
+                      </a:solidFill>
+                      <a:prstDash val="solid"/>
+                      <a:round/>
+                      <a:headEnd type="none" w="med" len="med"/>
+                      <a:tailEnd type="none" w="med" len="med"/>
+                    </a:lnR>
+                    <a:lnT w="12700" cap="flat" cmpd="sng" algn="ctr">
+                      <a:solidFill>
+                        <a:schemeClr val="tx1"/>
+                      </a:solidFill>
+                      <a:prstDash val="solid"/>
+                      <a:round/>
+                      <a:headEnd type="none" w="med" len="med"/>
+                      <a:tailEnd type="none" w="med" len="med"/>
+                    </a:lnT>
+                    <a:lnB w="12700" cap="flat" cmpd="sng" algn="ctr">
+                      <a:solidFill>
+                        <a:schemeClr val="tx1"/>
+                      </a:solidFill>
+                      <a:prstDash val="solid"/>
+                      <a:round/>
+                      <a:headEnd type="none" w="med" len="med"/>
+                      <a:tailEnd type="none" w="med" len="med"/>
+                    </a:lnB>
+                    <a:noFill/>
+                  </a:tcPr>
+                </a:tc>
+                <a:tc>
+                  <a:txBody>
+                    <a:bodyPr/>
+                    <a:lstStyle/>
+                    <a:p>
+                      <a:r>
+                        <a:rPr lang="en-US" sz="1000" dirty="0" smtClean="0">
+                          <a:solidFill>
+                            <a:schemeClr val="tx1"/>
+                          </a:solidFill>
+                        </a:rPr>
+                        <a:t>null</a:t>
+                      </a:r>
+                      <a:endParaRPr lang="en-US" sz="1000" dirty="0">
+                        <a:solidFill>
+                          <a:schemeClr val="tx1"/>
+                        </a:solidFill>
+                      </a:endParaRPr>
+                    </a:p>
+                  </a:txBody>
+                  <a:tcPr>
+                    <a:lnL w="12700" cap="flat" cmpd="sng" algn="ctr">
+                      <a:solidFill>
+                        <a:schemeClr val="tx1"/>
+                      </a:solidFill>
+                      <a:prstDash val="solid"/>
+                      <a:round/>
+                      <a:headEnd type="none" w="med" len="med"/>
+                      <a:tailEnd type="none" w="med" len="med"/>
+                    </a:lnL>
+                    <a:lnR w="12700" cap="flat" cmpd="sng" algn="ctr">
+                      <a:solidFill>
+                        <a:schemeClr val="tx1"/>
+                      </a:solidFill>
+                      <a:prstDash val="solid"/>
+                      <a:round/>
+                      <a:headEnd type="none" w="med" len="med"/>
+                      <a:tailEnd type="none" w="med" len="med"/>
+                    </a:lnR>
+                    <a:lnT w="12700" cap="flat" cmpd="sng" algn="ctr">
+                      <a:solidFill>
+                        <a:schemeClr val="tx1"/>
+                      </a:solidFill>
+                      <a:prstDash val="solid"/>
+                      <a:round/>
+                      <a:headEnd type="none" w="med" len="med"/>
+                      <a:tailEnd type="none" w="med" len="med"/>
+                    </a:lnT>
+                    <a:lnB w="12700" cap="flat" cmpd="sng" algn="ctr">
+                      <a:solidFill>
+                        <a:schemeClr val="tx1"/>
+                      </a:solidFill>
+                      <a:prstDash val="solid"/>
+                      <a:round/>
+                      <a:headEnd type="none" w="med" len="med"/>
+                      <a:tailEnd type="none" w="med" len="med"/>
+                    </a:lnB>
+                    <a:noFill/>
+                  </a:tcPr>
+                </a:tc>
+                <a:tc>
+                  <a:txBody>
+                    <a:bodyPr/>
+                    <a:lstStyle/>
+                    <a:p>
+                      <a:endParaRPr lang="en-US" sz="1400" dirty="0">
+                        <a:solidFill>
+                          <a:schemeClr val="tx1"/>
+                        </a:solidFill>
+                      </a:endParaRPr>
+                    </a:p>
+                  </a:txBody>
+                  <a:tcPr>
+                    <a:lnL w="12700" cap="flat" cmpd="sng" algn="ctr">
+                      <a:solidFill>
+                        <a:schemeClr val="tx1"/>
+                      </a:solidFill>
+                      <a:prstDash val="solid"/>
+                      <a:round/>
+                      <a:headEnd type="none" w="med" len="med"/>
+                      <a:tailEnd type="none" w="med" len="med"/>
+                    </a:lnL>
+                    <a:lnR w="12700" cap="flat" cmpd="sng" algn="ctr">
+                      <a:solidFill>
+                        <a:schemeClr val="tx1"/>
+                      </a:solidFill>
+                      <a:prstDash val="solid"/>
+                      <a:round/>
+                      <a:headEnd type="none" w="med" len="med"/>
+                      <a:tailEnd type="none" w="med" len="med"/>
+                    </a:lnR>
+                    <a:lnT w="12700" cap="flat" cmpd="sng" algn="ctr">
+                      <a:solidFill>
+                        <a:schemeClr val="tx1"/>
+                      </a:solidFill>
+                      <a:prstDash val="solid"/>
+                      <a:round/>
+                      <a:headEnd type="none" w="med" len="med"/>
+                      <a:tailEnd type="none" w="med" len="med"/>
+                    </a:lnT>
+                    <a:lnB w="12700" cap="flat" cmpd="sng" algn="ctr">
+                      <a:solidFill>
+                        <a:schemeClr val="tx1"/>
+                      </a:solidFill>
+                      <a:prstDash val="solid"/>
+                      <a:round/>
+                      <a:headEnd type="none" w="med" len="med"/>
+                      <a:tailEnd type="none" w="med" len="med"/>
+                    </a:lnB>
+                    <a:noFill/>
+                  </a:tcPr>
+                </a:tc>
+              </a:tr>
+            </a:tbl>
+          </a:graphicData>
+        </a:graphic>
+      </p:graphicFrame>
+      <p:grpSp>
+        <p:nvGrpSpPr>
+          <p:cNvPr id="47" name="Group 46"/>
+          <p:cNvGrpSpPr/>
+          <p:nvPr/>
+        </p:nvGrpSpPr>
+        <p:grpSpPr>
+          <a:xfrm>
+            <a:off x="7332585" y="1376780"/>
+            <a:ext cx="1478090" cy="1569660"/>
+            <a:chOff x="7174643" y="861391"/>
+            <a:chExt cx="1478090" cy="1569660"/>
+          </a:xfrm>
+        </p:grpSpPr>
+        <p:sp>
+          <p:nvSpPr>
+            <p:cNvPr id="13" name="TextBox 12"/>
+            <p:cNvSpPr txBox="1"/>
+            <p:nvPr/>
+          </p:nvSpPr>
+          <p:spPr>
+            <a:xfrm>
+              <a:off x="7174643" y="861391"/>
+              <a:ext cx="1478090" cy="1569660"/>
+            </a:xfrm>
+            <a:prstGeom prst="rect">
+              <a:avLst/>
+            </a:prstGeom>
+            <a:noFill/>
+            <a:ln>
+              <a:solidFill>
+                <a:schemeClr val="tx1"/>
+              </a:solidFill>
+            </a:ln>
+          </p:spPr>
+          <p:txBody>
+            <a:bodyPr wrap="square" rtlCol="0">
+              <a:spAutoFit/>
+            </a:bodyPr>
+            <a:lstStyle/>
+            <a:p>
+              <a:pPr algn="ctr"/>
+              <a:r>
+                <a:rPr lang="en-US" sz="1600" b="1" dirty="0" smtClean="0"/>
+                <a:t>TCP/IP </a:t>
+              </a:r>
+            </a:p>
+            <a:p>
+              <a:pPr algn="ctr"/>
+              <a:r>
+                <a:rPr lang="en-US" sz="1600" b="1" dirty="0" smtClean="0"/>
+                <a:t>Stack</a:t>
+              </a:r>
+            </a:p>
+            <a:p>
+              <a:pPr algn="ctr"/>
+              <a:endParaRPr lang="en-US" sz="1200" dirty="0"/>
+            </a:p>
+            <a:p>
+              <a:pPr algn="ctr"/>
+              <a:endParaRPr lang="en-US" sz="1200" dirty="0" smtClean="0"/>
+            </a:p>
+            <a:p>
+              <a:pPr algn="ctr"/>
+              <a:endParaRPr lang="en-US" sz="1200" dirty="0"/>
+            </a:p>
+            <a:p>
+              <a:pPr algn="ctr"/>
+              <a:endParaRPr lang="en-US" sz="1200" dirty="0" smtClean="0"/>
+            </a:p>
+            <a:p>
+              <a:pPr algn="ctr"/>
+              <a:r>
+                <a:rPr lang="en-US" sz="1600" dirty="0" smtClean="0"/>
+                <a:t>192.51.100.14</a:t>
+              </a:r>
+              <a:endParaRPr lang="en-US" sz="1200" dirty="0" smtClean="0"/>
+            </a:p>
+          </p:txBody>
+        </p:sp>
+        <p:sp>
+          <p:nvSpPr>
+            <p:cNvPr id="14" name="TextBox 13"/>
+            <p:cNvSpPr txBox="1"/>
+            <p:nvPr/>
+          </p:nvSpPr>
+          <p:spPr>
+            <a:xfrm>
+              <a:off x="7555580" y="1461555"/>
+              <a:ext cx="731739" cy="338554"/>
+            </a:xfrm>
+            <a:prstGeom prst="rect">
+              <a:avLst/>
+            </a:prstGeom>
+            <a:noFill/>
+            <a:ln>
+              <a:solidFill>
+                <a:schemeClr val="tx1"/>
+              </a:solidFill>
+            </a:ln>
+          </p:spPr>
+          <p:txBody>
+            <a:bodyPr wrap="none" rtlCol="0">
+              <a:spAutoFit/>
+            </a:bodyPr>
+            <a:lstStyle/>
+            <a:p>
+              <a:r>
+                <a:rPr lang="en-US" sz="1600" dirty="0" smtClean="0"/>
+                <a:t>Socket</a:t>
+              </a:r>
+              <a:endParaRPr lang="en-US" sz="1600" dirty="0"/>
+            </a:p>
+          </p:txBody>
+        </p:sp>
+      </p:grpSp>
+      <p:sp>
+        <p:nvSpPr>
+          <p:cNvPr id="15" name="TextBox 14"/>
+          <p:cNvSpPr txBox="1"/>
+          <p:nvPr/>
+        </p:nvSpPr>
+        <p:spPr>
+          <a:xfrm>
+            <a:off x="9369069" y="1376780"/>
+            <a:ext cx="2115968" cy="769441"/>
+          </a:xfrm>
+          <a:prstGeom prst="rect">
+            <a:avLst/>
+          </a:prstGeom>
+          <a:noFill/>
+          <a:ln>
+            <a:solidFill>
+              <a:schemeClr val="tx1"/>
+            </a:solidFill>
+          </a:ln>
+        </p:spPr>
+        <p:txBody>
+          <a:bodyPr wrap="square" rtlCol="0">
+            <a:spAutoFit/>
+          </a:bodyPr>
+          <a:lstStyle/>
+          <a:p>
+            <a:pPr algn="ctr"/>
+            <a:r>
+              <a:rPr lang="en-US" sz="1400" b="1" u="sng" dirty="0" smtClean="0"/>
+              <a:t>Application</a:t>
+            </a:r>
+            <a:endParaRPr lang="en-US" sz="1000" b="1" u="sng" dirty="0" smtClean="0"/>
+          </a:p>
+          <a:p>
+            <a:r>
+              <a:rPr lang="en-US" sz="1000" dirty="0" smtClean="0"/>
+              <a:t>A. Create Socket</a:t>
+            </a:r>
+          </a:p>
+          <a:p>
+            <a:r>
+              <a:rPr lang="en-US" sz="1000" dirty="0" smtClean="0"/>
+              <a:t>B. Bind(</a:t>
+            </a:r>
+            <a:r>
+              <a:rPr lang="en-US" sz="1000" dirty="0" err="1" smtClean="0"/>
+              <a:t>WICED_ANY_PORT,interface</a:t>
+            </a:r>
+            <a:r>
+              <a:rPr lang="en-US" sz="1000" dirty="0" smtClean="0"/>
+              <a:t>)</a:t>
+            </a:r>
+          </a:p>
+          <a:p>
+            <a:r>
+              <a:rPr lang="en-US" sz="1000" dirty="0" smtClean="0"/>
+              <a:t>C. Connect(Server </a:t>
+            </a:r>
+            <a:r>
+              <a:rPr lang="en-US" sz="1000" dirty="0" err="1" smtClean="0"/>
+              <a:t>IP,Remote</a:t>
+            </a:r>
+            <a:r>
+              <a:rPr lang="en-US" sz="1000" dirty="0" smtClean="0"/>
+              <a:t> Port)</a:t>
+            </a:r>
+            <a:endParaRPr lang="en-US" sz="1000" dirty="0"/>
+          </a:p>
+        </p:txBody>
+      </p:sp>
+      <p:cxnSp>
+        <p:nvCxnSpPr>
+          <p:cNvPr id="17" name="Straight Connector 16"/>
+          <p:cNvCxnSpPr/>
+          <p:nvPr/>
+        </p:nvCxnSpPr>
+        <p:spPr>
+          <a:xfrm flipH="1" flipV="1">
+            <a:off x="5362493" y="2577109"/>
+            <a:ext cx="898075" cy="369331"/>
+          </a:xfrm>
+          <a:prstGeom prst="line">
+            <a:avLst/>
+          </a:prstGeom>
+          <a:ln w="12700">
+            <a:solidFill>
+              <a:schemeClr val="tx1"/>
+            </a:solidFill>
+          </a:ln>
+        </p:spPr>
+        <p:style>
+          <a:lnRef idx="1">
+            <a:schemeClr val="accent1"/>
+          </a:lnRef>
+          <a:fillRef idx="0">
+            <a:schemeClr val="accent1"/>
+          </a:fillRef>
+          <a:effectRef idx="0">
+            <a:schemeClr val="accent1"/>
+          </a:effectRef>
+          <a:fontRef idx="minor">
+            <a:schemeClr val="tx1"/>
+          </a:fontRef>
+        </p:style>
+      </p:cxnSp>
+      <p:cxnSp>
+        <p:nvCxnSpPr>
+          <p:cNvPr id="18" name="Straight Connector 17"/>
+          <p:cNvCxnSpPr>
+            <a:stCxn id="2" idx="1"/>
+          </p:cNvCxnSpPr>
+          <p:nvPr/>
+        </p:nvCxnSpPr>
+        <p:spPr>
+          <a:xfrm flipH="1" flipV="1">
+            <a:off x="3993818" y="2146222"/>
+            <a:ext cx="855394" cy="353943"/>
+          </a:xfrm>
+          <a:prstGeom prst="line">
+            <a:avLst/>
+          </a:prstGeom>
+          <a:ln w="12700">
+            <a:solidFill>
+              <a:schemeClr val="tx1"/>
+            </a:solidFill>
+          </a:ln>
+        </p:spPr>
+        <p:style>
+          <a:lnRef idx="1">
+            <a:schemeClr val="accent1"/>
+          </a:lnRef>
+          <a:fillRef idx="0">
+            <a:schemeClr val="accent1"/>
+          </a:fillRef>
+          <a:effectRef idx="0">
+            <a:schemeClr val="accent1"/>
+          </a:effectRef>
+          <a:fontRef idx="minor">
+            <a:schemeClr val="tx1"/>
+          </a:fontRef>
+        </p:style>
+      </p:cxnSp>
+      <p:cxnSp>
+        <p:nvCxnSpPr>
+          <p:cNvPr id="20" name="Straight Connector 19"/>
+          <p:cNvCxnSpPr/>
+          <p:nvPr/>
+        </p:nvCxnSpPr>
+        <p:spPr>
+          <a:xfrm flipH="1" flipV="1">
+            <a:off x="2468967" y="1984639"/>
+            <a:ext cx="793110" cy="161582"/>
+          </a:xfrm>
+          <a:prstGeom prst="line">
+            <a:avLst/>
+          </a:prstGeom>
+          <a:ln w="12700">
+            <a:solidFill>
+              <a:schemeClr val="tx1"/>
+            </a:solidFill>
+          </a:ln>
+        </p:spPr>
+        <p:style>
+          <a:lnRef idx="1">
+            <a:schemeClr val="accent1"/>
+          </a:lnRef>
+          <a:fillRef idx="0">
+            <a:schemeClr val="accent1"/>
+          </a:fillRef>
+          <a:effectRef idx="0">
+            <a:schemeClr val="accent1"/>
+          </a:effectRef>
+          <a:fontRef idx="minor">
+            <a:schemeClr val="tx1"/>
+          </a:fontRef>
+        </p:style>
+      </p:cxnSp>
+      <p:cxnSp>
+        <p:nvCxnSpPr>
+          <p:cNvPr id="22" name="Straight Connector 21"/>
+          <p:cNvCxnSpPr/>
+          <p:nvPr/>
+        </p:nvCxnSpPr>
+        <p:spPr>
+          <a:xfrm flipH="1">
+            <a:off x="6790876" y="2146221"/>
+            <a:ext cx="922646" cy="757900"/>
+          </a:xfrm>
+          <a:prstGeom prst="line">
+            <a:avLst/>
+          </a:prstGeom>
+          <a:ln w="12700">
+            <a:solidFill>
+              <a:schemeClr val="tx1"/>
+            </a:solidFill>
+          </a:ln>
+        </p:spPr>
+        <p:style>
+          <a:lnRef idx="1">
+            <a:schemeClr val="accent1"/>
+          </a:lnRef>
+          <a:fillRef idx="0">
+            <a:schemeClr val="accent1"/>
+          </a:fillRef>
+          <a:effectRef idx="0">
+            <a:schemeClr val="accent1"/>
+          </a:effectRef>
+          <a:fontRef idx="minor">
+            <a:schemeClr val="tx1"/>
+          </a:fontRef>
+        </p:style>
+      </p:cxnSp>
+      <p:cxnSp>
+        <p:nvCxnSpPr>
+          <p:cNvPr id="24" name="Straight Connector 23"/>
+          <p:cNvCxnSpPr>
+            <a:stCxn id="15" idx="1"/>
+          </p:cNvCxnSpPr>
+          <p:nvPr/>
+        </p:nvCxnSpPr>
+        <p:spPr>
+          <a:xfrm flipH="1">
+            <a:off x="8445261" y="1761501"/>
+            <a:ext cx="923808" cy="403601"/>
+          </a:xfrm>
+          <a:prstGeom prst="line">
+            <a:avLst/>
+          </a:prstGeom>
+          <a:ln w="12700">
+            <a:solidFill>
+              <a:schemeClr val="tx1"/>
+            </a:solidFill>
+          </a:ln>
+        </p:spPr>
+        <p:style>
+          <a:lnRef idx="1">
+            <a:schemeClr val="accent1"/>
+          </a:lnRef>
+          <a:fillRef idx="0">
+            <a:schemeClr val="accent1"/>
+          </a:fillRef>
+          <a:effectRef idx="0">
+            <a:schemeClr val="accent1"/>
+          </a:effectRef>
+          <a:fontRef idx="minor">
+            <a:schemeClr val="tx1"/>
+          </a:fontRef>
+        </p:style>
+      </p:cxnSp>
+      <p:graphicFrame>
+        <p:nvGraphicFramePr>
+          <p:cNvPr id="26" name="Table 25"/>
+          <p:cNvGraphicFramePr>
+            <a:graphicFrameLocks noGrp="1"/>
+          </p:cNvGraphicFramePr>
+          <p:nvPr>
+            <p:extLst>
+              <p:ext uri="{D42A27DB-BD31-4B8C-83A1-F6EECF244321}">
+                <p14:modId xmlns:p14="http://schemas.microsoft.com/office/powerpoint/2010/main" val="700607918"/>
+              </p:ext>
+            </p:extLst>
+          </p:nvPr>
+        </p:nvGraphicFramePr>
+        <p:xfrm>
+          <a:off x="7332585" y="3200017"/>
+          <a:ext cx="3368312" cy="2874114"/>
+        </p:xfrm>
+        <a:graphic>
+          <a:graphicData uri="http://schemas.openxmlformats.org/drawingml/2006/table">
+            <a:tbl>
+              <a:tblPr firstRow="1" bandRow="1">
+                <a:tableStyleId>{5C22544A-7EE6-4342-B048-85BDC9FD1C3A}</a:tableStyleId>
+              </a:tblPr>
+              <a:tblGrid>
+                <a:gridCol w="361780"/>
+                <a:gridCol w="361780"/>
+                <a:gridCol w="429406"/>
+                <a:gridCol w="497721"/>
+                <a:gridCol w="1717625"/>
+              </a:tblGrid>
+              <a:tr h="359393">
+                <a:tc gridSpan="5">
+                  <a:txBody>
+                    <a:bodyPr/>
+                    <a:lstStyle/>
+                    <a:p>
+                      <a:pPr algn="ctr"/>
+                      <a:r>
+                        <a:rPr lang="en-US" sz="1400" b="1" dirty="0" smtClean="0">
+                          <a:solidFill>
+                            <a:schemeClr val="tx1"/>
+                          </a:solidFill>
+                        </a:rPr>
+                        <a:t>Packet Buffer</a:t>
+                      </a:r>
+                      <a:endParaRPr lang="en-US" sz="1400" b="1" dirty="0">
+                        <a:solidFill>
+                          <a:schemeClr val="tx1"/>
+                        </a:solidFill>
+                      </a:endParaRPr>
+                    </a:p>
+                  </a:txBody>
+                  <a:tcPr anchor="ctr">
+                    <a:lnL w="12700" cap="flat" cmpd="sng" algn="ctr">
+                      <a:solidFill>
+                        <a:schemeClr val="tx1"/>
+                      </a:solidFill>
+                      <a:prstDash val="solid"/>
+                      <a:round/>
+                      <a:headEnd type="none" w="med" len="med"/>
+                      <a:tailEnd type="none" w="med" len="med"/>
+                    </a:lnL>
+                    <a:lnR w="12700" cap="flat" cmpd="sng" algn="ctr">
+                      <a:solidFill>
+                        <a:schemeClr val="tx1"/>
+                      </a:solidFill>
+                      <a:prstDash val="solid"/>
+                      <a:round/>
+                      <a:headEnd type="none" w="med" len="med"/>
+                      <a:tailEnd type="none" w="med" len="med"/>
+                    </a:lnR>
+                    <a:lnT w="12700" cap="flat" cmpd="sng" algn="ctr">
+                      <a:solidFill>
+                        <a:schemeClr val="tx1"/>
+                      </a:solidFill>
+                      <a:prstDash val="solid"/>
+                      <a:round/>
+                      <a:headEnd type="none" w="med" len="med"/>
+                      <a:tailEnd type="none" w="med" len="med"/>
+                    </a:lnT>
+                    <a:lnB w="12700" cap="flat" cmpd="sng" algn="ctr">
+                      <a:solidFill>
+                        <a:schemeClr val="tx1"/>
+                      </a:solidFill>
+                      <a:prstDash val="solid"/>
+                      <a:round/>
+                      <a:headEnd type="none" w="med" len="med"/>
+                      <a:tailEnd type="none" w="med" len="med"/>
+                    </a:lnB>
+                    <a:noFill/>
+                  </a:tcPr>
+                </a:tc>
+                <a:tc hMerge="1">
+                  <a:txBody>
+                    <a:bodyPr/>
+                    <a:lstStyle/>
+                    <a:p>
+                      <a:pPr algn="ctr"/>
+                      <a:endParaRPr lang="en-US" sz="1400" dirty="0">
+                        <a:solidFill>
+                          <a:schemeClr val="tx1"/>
+                        </a:solidFill>
+                      </a:endParaRPr>
+                    </a:p>
+                  </a:txBody>
+                  <a:tcPr vert="vert270" anchor="ctr">
+                    <a:lnL w="12700" cap="flat" cmpd="sng" algn="ctr">
+                      <a:solidFill>
+                        <a:schemeClr val="tx1"/>
+                      </a:solidFill>
+                      <a:prstDash val="solid"/>
+                      <a:round/>
+                      <a:headEnd type="none" w="med" len="med"/>
+                      <a:tailEnd type="none" w="med" len="med"/>
+                    </a:lnL>
+                    <a:lnR w="12700" cap="flat" cmpd="sng" algn="ctr">
+                      <a:solidFill>
+                        <a:schemeClr val="tx1"/>
+                      </a:solidFill>
+                      <a:prstDash val="solid"/>
+                      <a:round/>
+                      <a:headEnd type="none" w="med" len="med"/>
+                      <a:tailEnd type="none" w="med" len="med"/>
+                    </a:lnR>
+                    <a:lnT w="12700" cap="flat" cmpd="sng" algn="ctr">
+                      <a:solidFill>
+                        <a:schemeClr val="tx1"/>
+                      </a:solidFill>
+                      <a:prstDash val="solid"/>
+                      <a:round/>
+                      <a:headEnd type="none" w="med" len="med"/>
+                      <a:tailEnd type="none" w="med" len="med"/>
+                    </a:lnT>
+                    <a:lnB w="12700" cap="flat" cmpd="sng" algn="ctr">
+                      <a:solidFill>
+                        <a:schemeClr val="tx1"/>
+                      </a:solidFill>
+                      <a:prstDash val="solid"/>
+                      <a:round/>
+                      <a:headEnd type="none" w="med" len="med"/>
+                      <a:tailEnd type="none" w="med" len="med"/>
+                    </a:lnB>
+                    <a:noFill/>
+                  </a:tcPr>
+                </a:tc>
+                <a:tc hMerge="1">
+                  <a:txBody>
+                    <a:bodyPr/>
+                    <a:lstStyle/>
+                    <a:p>
+                      <a:pPr algn="ctr"/>
+                      <a:endParaRPr lang="en-US" sz="1400" dirty="0">
+                        <a:solidFill>
+                          <a:schemeClr val="tx1"/>
+                        </a:solidFill>
+                      </a:endParaRPr>
+                    </a:p>
+                  </a:txBody>
+                  <a:tcPr anchor="ctr">
+                    <a:lnL w="12700" cap="flat" cmpd="sng" algn="ctr">
+                      <a:solidFill>
+                        <a:schemeClr val="tx1"/>
+                      </a:solidFill>
+                      <a:prstDash val="solid"/>
+                      <a:round/>
+                      <a:headEnd type="none" w="med" len="med"/>
+                      <a:tailEnd type="none" w="med" len="med"/>
+                    </a:lnL>
+                    <a:lnR w="12700" cap="flat" cmpd="sng" algn="ctr">
+                      <a:solidFill>
+                        <a:schemeClr val="tx1"/>
+                      </a:solidFill>
+                      <a:prstDash val="solid"/>
+                      <a:round/>
+                      <a:headEnd type="none" w="med" len="med"/>
+                      <a:tailEnd type="none" w="med" len="med"/>
+                    </a:lnR>
+                    <a:lnT w="12700" cap="flat" cmpd="sng" algn="ctr">
+                      <a:solidFill>
+                        <a:schemeClr val="tx1"/>
+                      </a:solidFill>
+                      <a:prstDash val="solid"/>
+                      <a:round/>
+                      <a:headEnd type="none" w="med" len="med"/>
+                      <a:tailEnd type="none" w="med" len="med"/>
+                    </a:lnT>
+                    <a:lnB w="12700" cap="flat" cmpd="sng" algn="ctr">
+                      <a:solidFill>
+                        <a:schemeClr val="tx1"/>
+                      </a:solidFill>
+                      <a:prstDash val="solid"/>
+                      <a:round/>
+                      <a:headEnd type="none" w="med" len="med"/>
+                      <a:tailEnd type="none" w="med" len="med"/>
+                    </a:lnB>
+                    <a:noFill/>
+                  </a:tcPr>
+                </a:tc>
+                <a:tc hMerge="1">
+                  <a:txBody>
+                    <a:bodyPr/>
+                    <a:lstStyle/>
+                    <a:p>
+                      <a:endParaRPr lang="en-US"/>
+                    </a:p>
+                  </a:txBody>
+                  <a:tcPr/>
+                </a:tc>
+                <a:tc hMerge="1">
+                  <a:txBody>
+                    <a:bodyPr/>
+                    <a:lstStyle/>
+                    <a:p>
+                      <a:pPr algn="ctr"/>
+                      <a:endParaRPr lang="en-US" sz="1400" dirty="0">
+                        <a:solidFill>
+                          <a:schemeClr val="tx1"/>
+                        </a:solidFill>
+                      </a:endParaRPr>
+                    </a:p>
+                  </a:txBody>
+                  <a:tcPr anchor="ctr">
+                    <a:lnL w="12700" cap="flat" cmpd="sng" algn="ctr">
+                      <a:solidFill>
+                        <a:schemeClr val="tx1"/>
+                      </a:solidFill>
+                      <a:prstDash val="solid"/>
+                      <a:round/>
+                      <a:headEnd type="none" w="med" len="med"/>
+                      <a:tailEnd type="none" w="med" len="med"/>
+                    </a:lnL>
+                    <a:lnR w="12700" cap="flat" cmpd="sng" algn="ctr">
+                      <a:solidFill>
+                        <a:schemeClr val="tx1"/>
+                      </a:solidFill>
+                      <a:prstDash val="solid"/>
+                      <a:round/>
+                      <a:headEnd type="none" w="med" len="med"/>
+                      <a:tailEnd type="none" w="med" len="med"/>
+                    </a:lnR>
+                    <a:lnT w="12700" cap="flat" cmpd="sng" algn="ctr">
+                      <a:solidFill>
+                        <a:schemeClr val="tx1"/>
+                      </a:solidFill>
+                      <a:prstDash val="solid"/>
+                      <a:round/>
+                      <a:headEnd type="none" w="med" len="med"/>
+                      <a:tailEnd type="none" w="med" len="med"/>
+                    </a:lnT>
+                    <a:lnB w="12700" cap="flat" cmpd="sng" algn="ctr">
+                      <a:solidFill>
+                        <a:schemeClr val="tx1"/>
+                      </a:solidFill>
+                      <a:prstDash val="solid"/>
+                      <a:round/>
+                      <a:headEnd type="none" w="med" len="med"/>
+                      <a:tailEnd type="none" w="med" len="med"/>
+                    </a:lnB>
+                    <a:noFill/>
+                  </a:tcPr>
+                </a:tc>
+              </a:tr>
+              <a:tr h="687957">
+                <a:tc rowSpan="2">
+                  <a:txBody>
+                    <a:bodyPr/>
+                    <a:lstStyle/>
+                    <a:p>
+                      <a:pPr algn="ctr"/>
+                      <a:r>
+                        <a:rPr lang="en-US" sz="1400" b="1" dirty="0" smtClean="0">
+                          <a:solidFill>
+                            <a:schemeClr val="tx1"/>
+                          </a:solidFill>
+                        </a:rPr>
+                        <a:t>Type</a:t>
+                      </a:r>
+                      <a:endParaRPr lang="en-US" sz="1400" b="1" dirty="0">
+                        <a:solidFill>
+                          <a:schemeClr val="tx1"/>
+                        </a:solidFill>
+                      </a:endParaRPr>
+                    </a:p>
+                  </a:txBody>
+                  <a:tcPr vert="vert270" anchor="ctr">
+                    <a:lnL w="12700" cap="flat" cmpd="sng" algn="ctr">
+                      <a:solidFill>
+                        <a:schemeClr val="tx1"/>
+                      </a:solidFill>
+                      <a:prstDash val="solid"/>
+                      <a:round/>
+                      <a:headEnd type="none" w="med" len="med"/>
+                      <a:tailEnd type="none" w="med" len="med"/>
+                    </a:lnL>
+                    <a:lnR w="12700" cap="flat" cmpd="sng" algn="ctr">
+                      <a:solidFill>
+                        <a:schemeClr val="tx1"/>
+                      </a:solidFill>
+                      <a:prstDash val="solid"/>
+                      <a:round/>
+                      <a:headEnd type="none" w="med" len="med"/>
+                      <a:tailEnd type="none" w="med" len="med"/>
+                    </a:lnR>
+                    <a:lnT w="12700" cap="flat" cmpd="sng" algn="ctr">
+                      <a:solidFill>
+                        <a:schemeClr val="tx1"/>
+                      </a:solidFill>
+                      <a:prstDash val="solid"/>
+                      <a:round/>
+                      <a:headEnd type="none" w="med" len="med"/>
+                      <a:tailEnd type="none" w="med" len="med"/>
+                    </a:lnT>
+                    <a:lnB w="12700" cap="flat" cmpd="sng" algn="ctr">
+                      <a:solidFill>
+                        <a:schemeClr val="tx1"/>
+                      </a:solidFill>
+                      <a:prstDash val="solid"/>
+                      <a:round/>
+                      <a:headEnd type="none" w="med" len="med"/>
+                      <a:tailEnd type="none" w="med" len="med"/>
+                    </a:lnB>
+                    <a:noFill/>
+                  </a:tcPr>
+                </a:tc>
+                <a:tc rowSpan="2">
+                  <a:txBody>
+                    <a:bodyPr/>
+                    <a:lstStyle/>
+                    <a:p>
+                      <a:pPr algn="ctr"/>
+                      <a:r>
+                        <a:rPr lang="en-US" sz="1400" b="1" dirty="0" smtClean="0">
+                          <a:solidFill>
+                            <a:schemeClr val="tx1"/>
+                          </a:solidFill>
+                        </a:rPr>
+                        <a:t>Ref Count</a:t>
+                      </a:r>
+                      <a:endParaRPr lang="en-US" sz="1400" b="1" dirty="0">
+                        <a:solidFill>
+                          <a:schemeClr val="tx1"/>
+                        </a:solidFill>
+                      </a:endParaRPr>
+                    </a:p>
+                  </a:txBody>
+                  <a:tcPr vert="vert270" anchor="ctr">
+                    <a:lnL w="12700" cap="flat" cmpd="sng" algn="ctr">
+                      <a:solidFill>
+                        <a:schemeClr val="tx1"/>
+                      </a:solidFill>
+                      <a:prstDash val="solid"/>
+                      <a:round/>
+                      <a:headEnd type="none" w="med" len="med"/>
+                      <a:tailEnd type="none" w="med" len="med"/>
+                    </a:lnL>
+                    <a:lnR w="12700" cap="flat" cmpd="sng" algn="ctr">
+                      <a:solidFill>
+                        <a:schemeClr val="tx1"/>
+                      </a:solidFill>
+                      <a:prstDash val="solid"/>
+                      <a:round/>
+                      <a:headEnd type="none" w="med" len="med"/>
+                      <a:tailEnd type="none" w="med" len="med"/>
+                    </a:lnR>
+                    <a:lnT w="12700" cap="flat" cmpd="sng" algn="ctr">
+                      <a:solidFill>
+                        <a:schemeClr val="tx1"/>
+                      </a:solidFill>
+                      <a:prstDash val="solid"/>
+                      <a:round/>
+                      <a:headEnd type="none" w="med" len="med"/>
+                      <a:tailEnd type="none" w="med" len="med"/>
+                    </a:lnT>
+                    <a:lnB w="12700" cap="flat" cmpd="sng" algn="ctr">
+                      <a:solidFill>
+                        <a:schemeClr val="tx1"/>
+                      </a:solidFill>
+                      <a:prstDash val="solid"/>
+                      <a:round/>
+                      <a:headEnd type="none" w="med" len="med"/>
+                      <a:tailEnd type="none" w="med" len="med"/>
+                    </a:lnB>
+                    <a:noFill/>
+                  </a:tcPr>
+                </a:tc>
+                <a:tc gridSpan="2">
+                  <a:txBody>
+                    <a:bodyPr/>
+                    <a:lstStyle/>
+                    <a:p>
+                      <a:pPr algn="ctr"/>
+                      <a:r>
+                        <a:rPr lang="en-US" sz="1400" b="1" dirty="0" smtClean="0">
+                          <a:solidFill>
+                            <a:schemeClr val="tx1"/>
+                          </a:solidFill>
+                        </a:rPr>
+                        <a:t>Data</a:t>
+                      </a:r>
+                    </a:p>
+                    <a:p>
+                      <a:pPr algn="ctr"/>
+                      <a:r>
+                        <a:rPr lang="en-US" sz="1400" b="1" dirty="0" smtClean="0">
+                          <a:solidFill>
+                            <a:schemeClr val="tx1"/>
+                          </a:solidFill>
+                        </a:rPr>
+                        <a:t>Pointer</a:t>
+                      </a:r>
+                      <a:endParaRPr lang="en-US" sz="1400" b="1" dirty="0">
+                        <a:solidFill>
+                          <a:schemeClr val="tx1"/>
+                        </a:solidFill>
+                      </a:endParaRPr>
+                    </a:p>
+                  </a:txBody>
+                  <a:tcPr anchor="ctr">
+                    <a:lnL w="12700" cap="flat" cmpd="sng" algn="ctr">
+                      <a:solidFill>
+                        <a:schemeClr val="tx1"/>
+                      </a:solidFill>
+                      <a:prstDash val="solid"/>
+                      <a:round/>
+                      <a:headEnd type="none" w="med" len="med"/>
+                      <a:tailEnd type="none" w="med" len="med"/>
+                    </a:lnL>
+                    <a:lnR w="12700" cap="flat" cmpd="sng" algn="ctr">
+                      <a:solidFill>
+                        <a:schemeClr val="tx1"/>
+                      </a:solidFill>
+                      <a:prstDash val="solid"/>
+                      <a:round/>
+                      <a:headEnd type="none" w="med" len="med"/>
+                      <a:tailEnd type="none" w="med" len="med"/>
+                    </a:lnR>
+                    <a:lnT w="12700" cap="flat" cmpd="sng" algn="ctr">
+                      <a:solidFill>
+                        <a:schemeClr val="tx1"/>
+                      </a:solidFill>
+                      <a:prstDash val="solid"/>
+                      <a:round/>
+                      <a:headEnd type="none" w="med" len="med"/>
+                      <a:tailEnd type="none" w="med" len="med"/>
+                    </a:lnT>
+                    <a:lnB w="12700" cap="flat" cmpd="sng" algn="ctr">
+                      <a:solidFill>
+                        <a:schemeClr val="tx1"/>
+                      </a:solidFill>
+                      <a:prstDash val="solid"/>
+                      <a:round/>
+                      <a:headEnd type="none" w="med" len="med"/>
+                      <a:tailEnd type="none" w="med" len="med"/>
+                    </a:lnB>
+                    <a:noFill/>
+                  </a:tcPr>
+                </a:tc>
+                <a:tc hMerge="1">
+                  <a:txBody>
+                    <a:bodyPr/>
+                    <a:lstStyle/>
+                    <a:p>
+                      <a:pPr algn="ctr"/>
+                      <a:endParaRPr lang="en-US" sz="1400" dirty="0">
+                        <a:solidFill>
+                          <a:schemeClr val="tx1"/>
+                        </a:solidFill>
+                      </a:endParaRPr>
+                    </a:p>
+                  </a:txBody>
+                  <a:tcPr vert="vert270" anchor="ctr">
+                    <a:lnL w="12700" cap="flat" cmpd="sng" algn="ctr">
+                      <a:solidFill>
+                        <a:schemeClr val="tx1"/>
+                      </a:solidFill>
+                      <a:prstDash val="solid"/>
+                      <a:round/>
+                      <a:headEnd type="none" w="med" len="med"/>
+                      <a:tailEnd type="none" w="med" len="med"/>
+                    </a:lnL>
+                    <a:lnR w="12700" cap="flat" cmpd="sng" algn="ctr">
+                      <a:solidFill>
+                        <a:schemeClr val="tx1"/>
+                      </a:solidFill>
+                      <a:prstDash val="solid"/>
+                      <a:round/>
+                      <a:headEnd type="none" w="med" len="med"/>
+                      <a:tailEnd type="none" w="med" len="med"/>
+                    </a:lnR>
+                    <a:lnT w="12700" cap="flat" cmpd="sng" algn="ctr">
+                      <a:solidFill>
+                        <a:schemeClr val="tx1"/>
+                      </a:solidFill>
+                      <a:prstDash val="solid"/>
+                      <a:round/>
+                      <a:headEnd type="none" w="med" len="med"/>
+                      <a:tailEnd type="none" w="med" len="med"/>
+                    </a:lnT>
+                    <a:lnB w="12700" cap="flat" cmpd="sng" algn="ctr">
+                      <a:solidFill>
+                        <a:schemeClr val="tx1"/>
+                      </a:solidFill>
+                      <a:prstDash val="solid"/>
+                      <a:round/>
+                      <a:headEnd type="none" w="med" len="med"/>
+                      <a:tailEnd type="none" w="med" len="med"/>
+                    </a:lnB>
+                    <a:noFill/>
+                  </a:tcPr>
+                </a:tc>
+                <a:tc rowSpan="2">
+                  <a:txBody>
+                    <a:bodyPr/>
+                    <a:lstStyle/>
+                    <a:p>
+                      <a:pPr algn="ctr"/>
+                      <a:r>
+                        <a:rPr lang="en-US" sz="1400" b="1" dirty="0" smtClean="0">
+                          <a:solidFill>
+                            <a:schemeClr val="tx1"/>
+                          </a:solidFill>
+                        </a:rPr>
+                        <a:t>Buffer</a:t>
+                      </a:r>
+                      <a:endParaRPr lang="en-US" sz="1400" b="1" dirty="0">
+                        <a:solidFill>
+                          <a:schemeClr val="tx1"/>
+                        </a:solidFill>
+                      </a:endParaRPr>
+                    </a:p>
+                  </a:txBody>
+                  <a:tcPr anchor="ctr">
+                    <a:lnL w="12700" cap="flat" cmpd="sng" algn="ctr">
+                      <a:solidFill>
+                        <a:schemeClr val="tx1"/>
+                      </a:solidFill>
+                      <a:prstDash val="solid"/>
+                      <a:round/>
+                      <a:headEnd type="none" w="med" len="med"/>
+                      <a:tailEnd type="none" w="med" len="med"/>
+                    </a:lnL>
+                    <a:lnR w="12700" cap="flat" cmpd="sng" algn="ctr">
+                      <a:solidFill>
+                        <a:schemeClr val="tx1"/>
+                      </a:solidFill>
+                      <a:prstDash val="solid"/>
+                      <a:round/>
+                      <a:headEnd type="none" w="med" len="med"/>
+                      <a:tailEnd type="none" w="med" len="med"/>
+                    </a:lnR>
+                    <a:lnT w="12700" cap="flat" cmpd="sng" algn="ctr">
+                      <a:solidFill>
+                        <a:schemeClr val="tx1"/>
+                      </a:solidFill>
+                      <a:prstDash val="solid"/>
+                      <a:round/>
+                      <a:headEnd type="none" w="med" len="med"/>
+                      <a:tailEnd type="none" w="med" len="med"/>
+                    </a:lnT>
+                    <a:lnB w="12700" cap="flat" cmpd="sng" algn="ctr">
+                      <a:solidFill>
+                        <a:schemeClr val="tx1"/>
+                      </a:solidFill>
+                      <a:prstDash val="solid"/>
+                      <a:round/>
+                      <a:headEnd type="none" w="med" len="med"/>
+                      <a:tailEnd type="none" w="med" len="med"/>
+                    </a:lnB>
+                    <a:noFill/>
+                  </a:tcPr>
+                </a:tc>
+              </a:tr>
+              <a:tr h="517597">
+                <a:tc vMerge="1">
+                  <a:txBody>
+                    <a:bodyPr/>
+                    <a:lstStyle/>
+                    <a:p>
+                      <a:pPr algn="ctr"/>
+                      <a:endParaRPr lang="en-US" sz="1400" dirty="0">
+                        <a:solidFill>
+                          <a:schemeClr val="tx1"/>
+                        </a:solidFill>
+                      </a:endParaRPr>
+                    </a:p>
+                  </a:txBody>
+                  <a:tcPr vert="vert270" anchor="ctr">
+                    <a:lnL w="12700" cap="flat" cmpd="sng" algn="ctr">
+                      <a:solidFill>
+                        <a:schemeClr val="tx1"/>
+                      </a:solidFill>
+                      <a:prstDash val="solid"/>
+                      <a:round/>
+                      <a:headEnd type="none" w="med" len="med"/>
+                      <a:tailEnd type="none" w="med" len="med"/>
+                    </a:lnL>
+                    <a:lnR w="12700" cap="flat" cmpd="sng" algn="ctr">
+                      <a:solidFill>
+                        <a:schemeClr val="tx1"/>
+                      </a:solidFill>
+                      <a:prstDash val="solid"/>
+                      <a:round/>
+                      <a:headEnd type="none" w="med" len="med"/>
+                      <a:tailEnd type="none" w="med" len="med"/>
+                    </a:lnR>
+                    <a:lnT w="12700" cap="flat" cmpd="sng" algn="ctr">
+                      <a:solidFill>
+                        <a:schemeClr val="tx1"/>
+                      </a:solidFill>
+                      <a:prstDash val="solid"/>
+                      <a:round/>
+                      <a:headEnd type="none" w="med" len="med"/>
+                      <a:tailEnd type="none" w="med" len="med"/>
+                    </a:lnT>
+                    <a:lnB w="12700" cap="flat" cmpd="sng" algn="ctr">
+                      <a:solidFill>
+                        <a:schemeClr val="tx1"/>
+                      </a:solidFill>
+                      <a:prstDash val="solid"/>
+                      <a:round/>
+                      <a:headEnd type="none" w="med" len="med"/>
+                      <a:tailEnd type="none" w="med" len="med"/>
+                    </a:lnB>
+                    <a:noFill/>
+                  </a:tcPr>
+                </a:tc>
+                <a:tc vMerge="1">
+                  <a:txBody>
+                    <a:bodyPr/>
+                    <a:lstStyle/>
+                    <a:p>
+                      <a:pPr algn="ctr"/>
+                      <a:endParaRPr lang="en-US" sz="1400" dirty="0">
+                        <a:solidFill>
+                          <a:schemeClr val="tx1"/>
+                        </a:solidFill>
+                      </a:endParaRPr>
+                    </a:p>
+                  </a:txBody>
+                  <a:tcPr vert="vert270" anchor="ctr">
+                    <a:lnL w="12700" cap="flat" cmpd="sng" algn="ctr">
+                      <a:solidFill>
+                        <a:schemeClr val="tx1"/>
+                      </a:solidFill>
+                      <a:prstDash val="solid"/>
+                      <a:round/>
+                      <a:headEnd type="none" w="med" len="med"/>
+                      <a:tailEnd type="none" w="med" len="med"/>
+                    </a:lnL>
+                    <a:lnR w="12700" cap="flat" cmpd="sng" algn="ctr">
+                      <a:solidFill>
+                        <a:schemeClr val="tx1"/>
+                      </a:solidFill>
+                      <a:prstDash val="solid"/>
+                      <a:round/>
+                      <a:headEnd type="none" w="med" len="med"/>
+                      <a:tailEnd type="none" w="med" len="med"/>
+                    </a:lnR>
+                    <a:lnT w="12700" cap="flat" cmpd="sng" algn="ctr">
+                      <a:solidFill>
+                        <a:schemeClr val="tx1"/>
+                      </a:solidFill>
+                      <a:prstDash val="solid"/>
+                      <a:round/>
+                      <a:headEnd type="none" w="med" len="med"/>
+                      <a:tailEnd type="none" w="med" len="med"/>
+                    </a:lnT>
+                    <a:lnB w="12700" cap="flat" cmpd="sng" algn="ctr">
+                      <a:solidFill>
+                        <a:schemeClr val="tx1"/>
+                      </a:solidFill>
+                      <a:prstDash val="solid"/>
+                      <a:round/>
+                      <a:headEnd type="none" w="med" len="med"/>
+                      <a:tailEnd type="none" w="med" len="med"/>
+                    </a:lnB>
+                    <a:noFill/>
+                  </a:tcPr>
+                </a:tc>
+                <a:tc>
+                  <a:txBody>
+                    <a:bodyPr/>
+                    <a:lstStyle/>
+                    <a:p>
+                      <a:pPr algn="ctr"/>
+                      <a:r>
+                        <a:rPr lang="en-US" sz="1400" b="1" dirty="0" smtClean="0">
+                          <a:solidFill>
+                            <a:schemeClr val="tx1"/>
+                          </a:solidFill>
+                        </a:rPr>
+                        <a:t>Start</a:t>
+                      </a:r>
+                      <a:endParaRPr lang="en-US" sz="1400" b="1" dirty="0">
+                        <a:solidFill>
+                          <a:schemeClr val="tx1"/>
+                        </a:solidFill>
+                      </a:endParaRPr>
+                    </a:p>
+                  </a:txBody>
+                  <a:tcPr vert="vert270" anchor="ctr">
+                    <a:lnL w="12700" cap="flat" cmpd="sng" algn="ctr">
+                      <a:solidFill>
+                        <a:schemeClr val="tx1"/>
+                      </a:solidFill>
+                      <a:prstDash val="solid"/>
+                      <a:round/>
+                      <a:headEnd type="none" w="med" len="med"/>
+                      <a:tailEnd type="none" w="med" len="med"/>
+                    </a:lnL>
+                    <a:lnR w="12700" cap="flat" cmpd="sng" algn="ctr">
+                      <a:solidFill>
+                        <a:schemeClr val="tx1"/>
+                      </a:solidFill>
+                      <a:prstDash val="solid"/>
+                      <a:round/>
+                      <a:headEnd type="none" w="med" len="med"/>
+                      <a:tailEnd type="none" w="med" len="med"/>
+                    </a:lnR>
+                    <a:lnT w="12700" cap="flat" cmpd="sng" algn="ctr">
+                      <a:solidFill>
+                        <a:schemeClr val="tx1"/>
+                      </a:solidFill>
+                      <a:prstDash val="solid"/>
+                      <a:round/>
+                      <a:headEnd type="none" w="med" len="med"/>
+                      <a:tailEnd type="none" w="med" len="med"/>
+                    </a:lnT>
+                    <a:lnB w="12700" cap="flat" cmpd="sng" algn="ctr">
+                      <a:solidFill>
+                        <a:schemeClr val="tx1"/>
+                      </a:solidFill>
+                      <a:prstDash val="solid"/>
+                      <a:round/>
+                      <a:headEnd type="none" w="med" len="med"/>
+                      <a:tailEnd type="none" w="med" len="med"/>
+                    </a:lnB>
+                    <a:noFill/>
+                  </a:tcPr>
+                </a:tc>
+                <a:tc>
+                  <a:txBody>
+                    <a:bodyPr/>
+                    <a:lstStyle/>
+                    <a:p>
+                      <a:pPr algn="ctr"/>
+                      <a:r>
+                        <a:rPr lang="en-US" sz="1400" b="1" dirty="0" smtClean="0">
+                          <a:solidFill>
+                            <a:schemeClr val="tx1"/>
+                          </a:solidFill>
+                        </a:rPr>
+                        <a:t>End</a:t>
+                      </a:r>
+                      <a:endParaRPr lang="en-US" sz="1400" b="1" dirty="0">
+                        <a:solidFill>
+                          <a:schemeClr val="tx1"/>
+                        </a:solidFill>
+                      </a:endParaRPr>
+                    </a:p>
+                  </a:txBody>
+                  <a:tcPr vert="vert270" anchor="ctr">
+                    <a:lnL w="12700" cap="flat" cmpd="sng" algn="ctr">
+                      <a:solidFill>
+                        <a:schemeClr val="tx1"/>
+                      </a:solidFill>
+                      <a:prstDash val="solid"/>
+                      <a:round/>
+                      <a:headEnd type="none" w="med" len="med"/>
+                      <a:tailEnd type="none" w="med" len="med"/>
+                    </a:lnL>
+                    <a:lnR w="12700" cap="flat" cmpd="sng" algn="ctr">
+                      <a:solidFill>
+                        <a:schemeClr val="tx1"/>
+                      </a:solidFill>
+                      <a:prstDash val="solid"/>
+                      <a:round/>
+                      <a:headEnd type="none" w="med" len="med"/>
+                      <a:tailEnd type="none" w="med" len="med"/>
+                    </a:lnR>
+                    <a:lnT w="12700" cap="flat" cmpd="sng" algn="ctr">
+                      <a:solidFill>
+                        <a:schemeClr val="tx1"/>
+                      </a:solidFill>
+                      <a:prstDash val="solid"/>
+                      <a:round/>
+                      <a:headEnd type="none" w="med" len="med"/>
+                      <a:tailEnd type="none" w="med" len="med"/>
+                    </a:lnT>
+                    <a:lnB w="12700" cap="flat" cmpd="sng" algn="ctr">
+                      <a:solidFill>
+                        <a:schemeClr val="tx1"/>
+                      </a:solidFill>
+                      <a:prstDash val="solid"/>
+                      <a:round/>
+                      <a:headEnd type="none" w="med" len="med"/>
+                      <a:tailEnd type="none" w="med" len="med"/>
+                    </a:lnB>
+                    <a:noFill/>
+                  </a:tcPr>
+                </a:tc>
+                <a:tc vMerge="1">
+                  <a:txBody>
+                    <a:bodyPr/>
+                    <a:lstStyle/>
+                    <a:p>
+                      <a:pPr algn="ctr"/>
+                      <a:endParaRPr lang="en-US" sz="1400" dirty="0">
+                        <a:solidFill>
+                          <a:schemeClr val="tx1"/>
+                        </a:solidFill>
+                      </a:endParaRPr>
+                    </a:p>
+                  </a:txBody>
+                  <a:tcPr anchor="ctr">
+                    <a:lnL w="12700" cap="flat" cmpd="sng" algn="ctr">
+                      <a:solidFill>
+                        <a:schemeClr val="tx1"/>
+                      </a:solidFill>
+                      <a:prstDash val="solid"/>
+                      <a:round/>
+                      <a:headEnd type="none" w="med" len="med"/>
+                      <a:tailEnd type="none" w="med" len="med"/>
+                    </a:lnL>
+                    <a:lnR w="12700" cap="flat" cmpd="sng" algn="ctr">
+                      <a:solidFill>
+                        <a:schemeClr val="tx1"/>
+                      </a:solidFill>
+                      <a:prstDash val="solid"/>
+                      <a:round/>
+                      <a:headEnd type="none" w="med" len="med"/>
+                      <a:tailEnd type="none" w="med" len="med"/>
+                    </a:lnR>
+                    <a:lnT w="12700" cap="flat" cmpd="sng" algn="ctr">
+                      <a:solidFill>
+                        <a:schemeClr val="tx1"/>
+                      </a:solidFill>
+                      <a:prstDash val="solid"/>
+                      <a:round/>
+                      <a:headEnd type="none" w="med" len="med"/>
+                      <a:tailEnd type="none" w="med" len="med"/>
+                    </a:lnT>
+                    <a:lnB w="12700" cap="flat" cmpd="sng" algn="ctr">
+                      <a:solidFill>
+                        <a:schemeClr val="tx1"/>
+                      </a:solidFill>
+                      <a:prstDash val="solid"/>
+                      <a:round/>
+                      <a:headEnd type="none" w="med" len="med"/>
+                      <a:tailEnd type="none" w="med" len="med"/>
+                    </a:lnB>
+                    <a:noFill/>
+                  </a:tcPr>
+                </a:tc>
+              </a:tr>
+              <a:tr h="335626">
+                <a:tc>
+                  <a:txBody>
+                    <a:bodyPr/>
+                    <a:lstStyle/>
+                    <a:p>
+                      <a:pPr algn="ctr"/>
+                      <a:r>
+                        <a:rPr lang="en-US" sz="1400" dirty="0" smtClean="0">
+                          <a:solidFill>
+                            <a:schemeClr val="tx1"/>
+                          </a:solidFill>
+                        </a:rPr>
+                        <a:t>R</a:t>
+                      </a:r>
+                      <a:endParaRPr lang="en-US" sz="1400" dirty="0">
+                        <a:solidFill>
+                          <a:schemeClr val="tx1"/>
+                        </a:solidFill>
+                      </a:endParaRPr>
+                    </a:p>
+                  </a:txBody>
+                  <a:tcPr>
+                    <a:lnL w="12700" cap="flat" cmpd="sng" algn="ctr">
+                      <a:solidFill>
+                        <a:schemeClr val="tx1"/>
+                      </a:solidFill>
+                      <a:prstDash val="solid"/>
+                      <a:round/>
+                      <a:headEnd type="none" w="med" len="med"/>
+                      <a:tailEnd type="none" w="med" len="med"/>
+                    </a:lnL>
+                    <a:lnR w="12700" cap="flat" cmpd="sng" algn="ctr">
+                      <a:solidFill>
+                        <a:schemeClr val="tx1"/>
+                      </a:solidFill>
+                      <a:prstDash val="solid"/>
+                      <a:round/>
+                      <a:headEnd type="none" w="med" len="med"/>
+                      <a:tailEnd type="none" w="med" len="med"/>
+                    </a:lnR>
+                    <a:lnT w="12700" cap="flat" cmpd="sng" algn="ctr">
+                      <a:solidFill>
+                        <a:schemeClr val="tx1"/>
+                      </a:solidFill>
+                      <a:prstDash val="solid"/>
+                      <a:round/>
+                      <a:headEnd type="none" w="med" len="med"/>
+                      <a:tailEnd type="none" w="med" len="med"/>
+                    </a:lnT>
+                    <a:lnB w="12700" cap="flat" cmpd="sng" algn="ctr">
+                      <a:solidFill>
+                        <a:schemeClr val="tx1"/>
+                      </a:solidFill>
+                      <a:prstDash val="solid"/>
+                      <a:round/>
+                      <a:headEnd type="none" w="med" len="med"/>
+                      <a:tailEnd type="none" w="med" len="med"/>
+                    </a:lnB>
+                    <a:noFill/>
+                  </a:tcPr>
+                </a:tc>
+                <a:tc>
+                  <a:txBody>
+                    <a:bodyPr/>
+                    <a:lstStyle/>
+                    <a:p>
+                      <a:pPr algn="ctr"/>
+                      <a:r>
+                        <a:rPr lang="en-US" sz="1400" dirty="0" smtClean="0">
+                          <a:solidFill>
+                            <a:schemeClr val="tx1"/>
+                          </a:solidFill>
+                        </a:rPr>
+                        <a:t>0</a:t>
+                      </a:r>
+                      <a:endParaRPr lang="en-US" sz="1400" dirty="0">
+                        <a:solidFill>
+                          <a:schemeClr val="tx1"/>
+                        </a:solidFill>
+                      </a:endParaRPr>
+                    </a:p>
+                  </a:txBody>
+                  <a:tcPr>
+                    <a:lnL w="12700" cap="flat" cmpd="sng" algn="ctr">
+                      <a:solidFill>
+                        <a:schemeClr val="tx1"/>
+                      </a:solidFill>
+                      <a:prstDash val="solid"/>
+                      <a:round/>
+                      <a:headEnd type="none" w="med" len="med"/>
+                      <a:tailEnd type="none" w="med" len="med"/>
+                    </a:lnL>
+                    <a:lnR w="12700" cap="flat" cmpd="sng" algn="ctr">
+                      <a:solidFill>
+                        <a:schemeClr val="tx1"/>
+                      </a:solidFill>
+                      <a:prstDash val="solid"/>
+                      <a:round/>
+                      <a:headEnd type="none" w="med" len="med"/>
+                      <a:tailEnd type="none" w="med" len="med"/>
+                    </a:lnR>
+                    <a:lnT w="12700" cap="flat" cmpd="sng" algn="ctr">
+                      <a:solidFill>
+                        <a:schemeClr val="tx1"/>
+                      </a:solidFill>
+                      <a:prstDash val="solid"/>
+                      <a:round/>
+                      <a:headEnd type="none" w="med" len="med"/>
+                      <a:tailEnd type="none" w="med" len="med"/>
+                    </a:lnT>
+                    <a:lnB w="12700" cap="flat" cmpd="sng" algn="ctr">
+                      <a:solidFill>
+                        <a:schemeClr val="tx1"/>
+                      </a:solidFill>
+                      <a:prstDash val="solid"/>
+                      <a:round/>
+                      <a:headEnd type="none" w="med" len="med"/>
+                      <a:tailEnd type="none" w="med" len="med"/>
+                    </a:lnB>
+                    <a:noFill/>
+                  </a:tcPr>
+                </a:tc>
+                <a:tc>
+                  <a:txBody>
+                    <a:bodyPr/>
+                    <a:lstStyle/>
+                    <a:p>
+                      <a:r>
+                        <a:rPr lang="en-US" sz="1000" dirty="0" smtClean="0">
+                          <a:solidFill>
+                            <a:schemeClr val="tx1"/>
+                          </a:solidFill>
+                        </a:rPr>
+                        <a:t>null</a:t>
+                      </a:r>
+                      <a:endParaRPr lang="en-US" sz="1000" dirty="0">
+                        <a:solidFill>
+                          <a:schemeClr val="tx1"/>
+                        </a:solidFill>
+                      </a:endParaRPr>
+                    </a:p>
+                  </a:txBody>
+                  <a:tcPr>
+                    <a:lnL w="12700" cap="flat" cmpd="sng" algn="ctr">
+                      <a:solidFill>
+                        <a:schemeClr val="tx1"/>
+                      </a:solidFill>
+                      <a:prstDash val="solid"/>
+                      <a:round/>
+                      <a:headEnd type="none" w="med" len="med"/>
+                      <a:tailEnd type="none" w="med" len="med"/>
+                    </a:lnL>
+                    <a:lnR w="12700" cap="flat" cmpd="sng" algn="ctr">
+                      <a:solidFill>
+                        <a:schemeClr val="tx1"/>
+                      </a:solidFill>
+                      <a:prstDash val="solid"/>
+                      <a:round/>
+                      <a:headEnd type="none" w="med" len="med"/>
+                      <a:tailEnd type="none" w="med" len="med"/>
+                    </a:lnR>
+                    <a:lnT w="12700" cap="flat" cmpd="sng" algn="ctr">
+                      <a:solidFill>
+                        <a:schemeClr val="tx1"/>
+                      </a:solidFill>
+                      <a:prstDash val="solid"/>
+                      <a:round/>
+                      <a:headEnd type="none" w="med" len="med"/>
+                      <a:tailEnd type="none" w="med" len="med"/>
+                    </a:lnT>
+                    <a:lnB w="12700" cap="flat" cmpd="sng" algn="ctr">
+                      <a:solidFill>
+                        <a:schemeClr val="tx1"/>
+                      </a:solidFill>
+                      <a:prstDash val="solid"/>
+                      <a:round/>
+                      <a:headEnd type="none" w="med" len="med"/>
+                      <a:tailEnd type="none" w="med" len="med"/>
+                    </a:lnB>
+                    <a:noFill/>
+                  </a:tcPr>
+                </a:tc>
+                <a:tc>
+                  <a:txBody>
+                    <a:bodyPr/>
+                    <a:lstStyle/>
+                    <a:p>
+                      <a:r>
+                        <a:rPr lang="en-US" sz="1000" dirty="0" smtClean="0">
+                          <a:solidFill>
+                            <a:schemeClr val="tx1"/>
+                          </a:solidFill>
+                        </a:rPr>
+                        <a:t>null</a:t>
+                      </a:r>
+                      <a:endParaRPr lang="en-US" sz="1000" dirty="0">
+                        <a:solidFill>
+                          <a:schemeClr val="tx1"/>
+                        </a:solidFill>
+                      </a:endParaRPr>
+                    </a:p>
+                  </a:txBody>
+                  <a:tcPr>
+                    <a:lnL w="12700" cap="flat" cmpd="sng" algn="ctr">
+                      <a:solidFill>
+                        <a:schemeClr val="tx1"/>
+                      </a:solidFill>
+                      <a:prstDash val="solid"/>
+                      <a:round/>
+                      <a:headEnd type="none" w="med" len="med"/>
+                      <a:tailEnd type="none" w="med" len="med"/>
+                    </a:lnL>
+                    <a:lnR w="12700" cap="flat" cmpd="sng" algn="ctr">
+                      <a:solidFill>
+                        <a:schemeClr val="tx1"/>
+                      </a:solidFill>
+                      <a:prstDash val="solid"/>
+                      <a:round/>
+                      <a:headEnd type="none" w="med" len="med"/>
+                      <a:tailEnd type="none" w="med" len="med"/>
+                    </a:lnR>
+                    <a:lnT w="12700" cap="flat" cmpd="sng" algn="ctr">
+                      <a:solidFill>
+                        <a:schemeClr val="tx1"/>
+                      </a:solidFill>
+                      <a:prstDash val="solid"/>
+                      <a:round/>
+                      <a:headEnd type="none" w="med" len="med"/>
+                      <a:tailEnd type="none" w="med" len="med"/>
+                    </a:lnT>
+                    <a:lnB w="12700" cap="flat" cmpd="sng" algn="ctr">
+                      <a:solidFill>
+                        <a:schemeClr val="tx1"/>
+                      </a:solidFill>
+                      <a:prstDash val="solid"/>
+                      <a:round/>
+                      <a:headEnd type="none" w="med" len="med"/>
+                      <a:tailEnd type="none" w="med" len="med"/>
+                    </a:lnB>
+                    <a:noFill/>
+                  </a:tcPr>
+                </a:tc>
+                <a:tc>
+                  <a:txBody>
+                    <a:bodyPr/>
+                    <a:lstStyle/>
+                    <a:p>
+                      <a:endParaRPr lang="en-US" sz="1400" dirty="0">
+                        <a:solidFill>
+                          <a:schemeClr val="tx1"/>
+                        </a:solidFill>
+                      </a:endParaRPr>
+                    </a:p>
+                  </a:txBody>
+                  <a:tcPr>
+                    <a:lnL w="12700" cap="flat" cmpd="sng" algn="ctr">
+                      <a:solidFill>
+                        <a:schemeClr val="tx1"/>
+                      </a:solidFill>
+                      <a:prstDash val="solid"/>
+                      <a:round/>
+                      <a:headEnd type="none" w="med" len="med"/>
+                      <a:tailEnd type="none" w="med" len="med"/>
+                    </a:lnL>
+                    <a:lnR w="12700" cap="flat" cmpd="sng" algn="ctr">
+                      <a:solidFill>
+                        <a:schemeClr val="tx1"/>
+                      </a:solidFill>
+                      <a:prstDash val="solid"/>
+                      <a:round/>
+                      <a:headEnd type="none" w="med" len="med"/>
+                      <a:tailEnd type="none" w="med" len="med"/>
+                    </a:lnR>
+                    <a:lnT w="12700" cap="flat" cmpd="sng" algn="ctr">
+                      <a:solidFill>
+                        <a:schemeClr val="tx1"/>
+                      </a:solidFill>
+                      <a:prstDash val="solid"/>
+                      <a:round/>
+                      <a:headEnd type="none" w="med" len="med"/>
+                      <a:tailEnd type="none" w="med" len="med"/>
+                    </a:lnT>
+                    <a:lnB w="12700" cap="flat" cmpd="sng" algn="ctr">
+                      <a:solidFill>
+                        <a:schemeClr val="tx1"/>
+                      </a:solidFill>
+                      <a:prstDash val="solid"/>
+                      <a:round/>
+                      <a:headEnd type="none" w="med" len="med"/>
+                      <a:tailEnd type="none" w="med" len="med"/>
+                    </a:lnB>
+                    <a:noFill/>
+                  </a:tcPr>
+                </a:tc>
+              </a:tr>
+              <a:tr h="354842">
+                <a:tc>
+                  <a:txBody>
+                    <a:bodyPr/>
+                    <a:lstStyle/>
+                    <a:p>
+                      <a:pPr algn="ctr"/>
+                      <a:r>
+                        <a:rPr lang="en-US" sz="1400" dirty="0" smtClean="0">
+                          <a:solidFill>
+                            <a:schemeClr val="tx1"/>
+                          </a:solidFill>
+                        </a:rPr>
+                        <a:t>R</a:t>
+                      </a:r>
+                      <a:endParaRPr lang="en-US" sz="1400" dirty="0">
+                        <a:solidFill>
+                          <a:schemeClr val="tx1"/>
+                        </a:solidFill>
+                      </a:endParaRPr>
+                    </a:p>
+                  </a:txBody>
+                  <a:tcPr>
+                    <a:lnL w="12700" cap="flat" cmpd="sng" algn="ctr">
+                      <a:solidFill>
+                        <a:schemeClr val="tx1"/>
+                      </a:solidFill>
+                      <a:prstDash val="solid"/>
+                      <a:round/>
+                      <a:headEnd type="none" w="med" len="med"/>
+                      <a:tailEnd type="none" w="med" len="med"/>
+                    </a:lnL>
+                    <a:lnR w="12700" cap="flat" cmpd="sng" algn="ctr">
+                      <a:solidFill>
+                        <a:schemeClr val="tx1"/>
+                      </a:solidFill>
+                      <a:prstDash val="solid"/>
+                      <a:round/>
+                      <a:headEnd type="none" w="med" len="med"/>
+                      <a:tailEnd type="none" w="med" len="med"/>
+                    </a:lnR>
+                    <a:lnT w="12700" cap="flat" cmpd="sng" algn="ctr">
+                      <a:solidFill>
+                        <a:schemeClr val="tx1"/>
+                      </a:solidFill>
+                      <a:prstDash val="solid"/>
+                      <a:round/>
+                      <a:headEnd type="none" w="med" len="med"/>
+                      <a:tailEnd type="none" w="med" len="med"/>
+                    </a:lnT>
+                    <a:lnB w="12700" cap="flat" cmpd="sng" algn="ctr">
+                      <a:solidFill>
+                        <a:schemeClr val="tx1"/>
+                      </a:solidFill>
+                      <a:prstDash val="solid"/>
+                      <a:round/>
+                      <a:headEnd type="none" w="med" len="med"/>
+                      <a:tailEnd type="none" w="med" len="med"/>
+                    </a:lnB>
+                    <a:noFill/>
+                  </a:tcPr>
+                </a:tc>
+                <a:tc>
+                  <a:txBody>
+                    <a:bodyPr/>
+                    <a:lstStyle/>
+                    <a:p>
+                      <a:pPr algn="ctr"/>
+                      <a:r>
+                        <a:rPr lang="en-US" sz="1400" dirty="0" smtClean="0">
+                          <a:solidFill>
+                            <a:schemeClr val="tx1"/>
+                          </a:solidFill>
+                        </a:rPr>
+                        <a:t>0</a:t>
+                      </a:r>
+                      <a:endParaRPr lang="en-US" sz="1400" dirty="0">
+                        <a:solidFill>
+                          <a:schemeClr val="tx1"/>
+                        </a:solidFill>
+                      </a:endParaRPr>
+                    </a:p>
+                  </a:txBody>
+                  <a:tcPr>
+                    <a:lnL w="12700" cap="flat" cmpd="sng" algn="ctr">
+                      <a:solidFill>
+                        <a:schemeClr val="tx1"/>
+                      </a:solidFill>
+                      <a:prstDash val="solid"/>
+                      <a:round/>
+                      <a:headEnd type="none" w="med" len="med"/>
+                      <a:tailEnd type="none" w="med" len="med"/>
+                    </a:lnL>
+                    <a:lnR w="12700" cap="flat" cmpd="sng" algn="ctr">
+                      <a:solidFill>
+                        <a:schemeClr val="tx1"/>
+                      </a:solidFill>
+                      <a:prstDash val="solid"/>
+                      <a:round/>
+                      <a:headEnd type="none" w="med" len="med"/>
+                      <a:tailEnd type="none" w="med" len="med"/>
+                    </a:lnR>
+                    <a:lnT w="12700" cap="flat" cmpd="sng" algn="ctr">
+                      <a:solidFill>
+                        <a:schemeClr val="tx1"/>
+                      </a:solidFill>
+                      <a:prstDash val="solid"/>
+                      <a:round/>
+                      <a:headEnd type="none" w="med" len="med"/>
+                      <a:tailEnd type="none" w="med" len="med"/>
+                    </a:lnT>
+                    <a:lnB w="12700" cap="flat" cmpd="sng" algn="ctr">
+                      <a:solidFill>
+                        <a:schemeClr val="tx1"/>
+                      </a:solidFill>
+                      <a:prstDash val="solid"/>
+                      <a:round/>
+                      <a:headEnd type="none" w="med" len="med"/>
+                      <a:tailEnd type="none" w="med" len="med"/>
+                    </a:lnB>
+                    <a:noFill/>
+                  </a:tcPr>
+                </a:tc>
+                <a:tc>
+                  <a:txBody>
+                    <a:bodyPr/>
+                    <a:lstStyle/>
+                    <a:p>
+                      <a:r>
+                        <a:rPr lang="en-US" sz="1000" dirty="0" smtClean="0">
+                          <a:solidFill>
+                            <a:schemeClr val="tx1"/>
+                          </a:solidFill>
+                        </a:rPr>
+                        <a:t>null</a:t>
+                      </a:r>
+                      <a:endParaRPr lang="en-US" sz="1000" dirty="0">
+                        <a:solidFill>
+                          <a:schemeClr val="tx1"/>
+                        </a:solidFill>
+                      </a:endParaRPr>
+                    </a:p>
+                  </a:txBody>
+                  <a:tcPr>
+                    <a:lnL w="12700" cap="flat" cmpd="sng" algn="ctr">
+                      <a:solidFill>
+                        <a:schemeClr val="tx1"/>
+                      </a:solidFill>
+                      <a:prstDash val="solid"/>
+                      <a:round/>
+                      <a:headEnd type="none" w="med" len="med"/>
+                      <a:tailEnd type="none" w="med" len="med"/>
+                    </a:lnL>
+                    <a:lnR w="12700" cap="flat" cmpd="sng" algn="ctr">
+                      <a:solidFill>
+                        <a:schemeClr val="tx1"/>
+                      </a:solidFill>
+                      <a:prstDash val="solid"/>
+                      <a:round/>
+                      <a:headEnd type="none" w="med" len="med"/>
+                      <a:tailEnd type="none" w="med" len="med"/>
+                    </a:lnR>
+                    <a:lnT w="12700" cap="flat" cmpd="sng" algn="ctr">
+                      <a:solidFill>
+                        <a:schemeClr val="tx1"/>
+                      </a:solidFill>
+                      <a:prstDash val="solid"/>
+                      <a:round/>
+                      <a:headEnd type="none" w="med" len="med"/>
+                      <a:tailEnd type="none" w="med" len="med"/>
+                    </a:lnT>
+                    <a:lnB w="12700" cap="flat" cmpd="sng" algn="ctr">
+                      <a:solidFill>
+                        <a:schemeClr val="tx1"/>
+                      </a:solidFill>
+                      <a:prstDash val="solid"/>
+                      <a:round/>
+                      <a:headEnd type="none" w="med" len="med"/>
+                      <a:tailEnd type="none" w="med" len="med"/>
+                    </a:lnB>
+                    <a:noFill/>
+                  </a:tcPr>
+                </a:tc>
+                <a:tc>
+                  <a:txBody>
+                    <a:bodyPr/>
+                    <a:lstStyle/>
+                    <a:p>
+                      <a:r>
+                        <a:rPr lang="en-US" sz="1000" dirty="0" smtClean="0">
+                          <a:solidFill>
+                            <a:schemeClr val="tx1"/>
+                          </a:solidFill>
+                        </a:rPr>
+                        <a:t>null</a:t>
+                      </a:r>
+                      <a:endParaRPr lang="en-US" sz="1000" dirty="0">
+                        <a:solidFill>
+                          <a:schemeClr val="tx1"/>
+                        </a:solidFill>
+                      </a:endParaRPr>
+                    </a:p>
+                  </a:txBody>
+                  <a:tcPr>
+                    <a:lnL w="12700" cap="flat" cmpd="sng" algn="ctr">
+                      <a:solidFill>
+                        <a:schemeClr val="tx1"/>
+                      </a:solidFill>
+                      <a:prstDash val="solid"/>
+                      <a:round/>
+                      <a:headEnd type="none" w="med" len="med"/>
+                      <a:tailEnd type="none" w="med" len="med"/>
+                    </a:lnL>
+                    <a:lnR w="12700" cap="flat" cmpd="sng" algn="ctr">
+                      <a:solidFill>
+                        <a:schemeClr val="tx1"/>
+                      </a:solidFill>
+                      <a:prstDash val="solid"/>
+                      <a:round/>
+                      <a:headEnd type="none" w="med" len="med"/>
+                      <a:tailEnd type="none" w="med" len="med"/>
+                    </a:lnR>
+                    <a:lnT w="12700" cap="flat" cmpd="sng" algn="ctr">
+                      <a:solidFill>
+                        <a:schemeClr val="tx1"/>
+                      </a:solidFill>
+                      <a:prstDash val="solid"/>
+                      <a:round/>
+                      <a:headEnd type="none" w="med" len="med"/>
+                      <a:tailEnd type="none" w="med" len="med"/>
+                    </a:lnT>
+                    <a:lnB w="12700" cap="flat" cmpd="sng" algn="ctr">
+                      <a:solidFill>
+                        <a:schemeClr val="tx1"/>
+                      </a:solidFill>
+                      <a:prstDash val="solid"/>
+                      <a:round/>
+                      <a:headEnd type="none" w="med" len="med"/>
+                      <a:tailEnd type="none" w="med" len="med"/>
+                    </a:lnB>
+                    <a:noFill/>
+                  </a:tcPr>
+                </a:tc>
+                <a:tc>
+                  <a:txBody>
+                    <a:bodyPr/>
+                    <a:lstStyle/>
+                    <a:p>
+                      <a:endParaRPr lang="en-US" sz="1400" dirty="0">
+                        <a:solidFill>
+                          <a:schemeClr val="tx1"/>
+                        </a:solidFill>
+                      </a:endParaRPr>
+                    </a:p>
+                  </a:txBody>
+                  <a:tcPr>
+                    <a:lnL w="12700" cap="flat" cmpd="sng" algn="ctr">
+                      <a:solidFill>
+                        <a:schemeClr val="tx1"/>
+                      </a:solidFill>
+                      <a:prstDash val="solid"/>
+                      <a:round/>
+                      <a:headEnd type="none" w="med" len="med"/>
+                      <a:tailEnd type="none" w="med" len="med"/>
+                    </a:lnL>
+                    <a:lnR w="12700" cap="flat" cmpd="sng" algn="ctr">
+                      <a:solidFill>
+                        <a:schemeClr val="tx1"/>
+                      </a:solidFill>
+                      <a:prstDash val="solid"/>
+                      <a:round/>
+                      <a:headEnd type="none" w="med" len="med"/>
+                      <a:tailEnd type="none" w="med" len="med"/>
+                    </a:lnR>
+                    <a:lnT w="12700" cap="flat" cmpd="sng" algn="ctr">
+                      <a:solidFill>
+                        <a:schemeClr val="tx1"/>
+                      </a:solidFill>
+                      <a:prstDash val="solid"/>
+                      <a:round/>
+                      <a:headEnd type="none" w="med" len="med"/>
+                      <a:tailEnd type="none" w="med" len="med"/>
+                    </a:lnT>
+                    <a:lnB w="12700" cap="flat" cmpd="sng" algn="ctr">
+                      <a:solidFill>
+                        <a:schemeClr val="tx1"/>
+                      </a:solidFill>
+                      <a:prstDash val="solid"/>
+                      <a:round/>
+                      <a:headEnd type="none" w="med" len="med"/>
+                      <a:tailEnd type="none" w="med" len="med"/>
+                    </a:lnB>
+                    <a:noFill/>
+                  </a:tcPr>
+                </a:tc>
+              </a:tr>
+              <a:tr h="313899">
+                <a:tc>
+                  <a:txBody>
+                    <a:bodyPr/>
+                    <a:lstStyle/>
+                    <a:p>
+                      <a:pPr algn="ctr"/>
+                      <a:r>
+                        <a:rPr lang="en-US" sz="1400" dirty="0" smtClean="0">
+                          <a:solidFill>
+                            <a:schemeClr val="tx1"/>
+                          </a:solidFill>
+                        </a:rPr>
+                        <a:t>T</a:t>
+                      </a:r>
+                      <a:endParaRPr lang="en-US" sz="1400" dirty="0">
+                        <a:solidFill>
+                          <a:schemeClr val="tx1"/>
+                        </a:solidFill>
+                      </a:endParaRPr>
+                    </a:p>
+                  </a:txBody>
+                  <a:tcPr>
+                    <a:lnL w="12700" cap="flat" cmpd="sng" algn="ctr">
+                      <a:solidFill>
+                        <a:schemeClr val="tx1"/>
+                      </a:solidFill>
+                      <a:prstDash val="solid"/>
+                      <a:round/>
+                      <a:headEnd type="none" w="med" len="med"/>
+                      <a:tailEnd type="none" w="med" len="med"/>
+                    </a:lnL>
+                    <a:lnR w="12700" cap="flat" cmpd="sng" algn="ctr">
+                      <a:solidFill>
+                        <a:schemeClr val="tx1"/>
+                      </a:solidFill>
+                      <a:prstDash val="solid"/>
+                      <a:round/>
+                      <a:headEnd type="none" w="med" len="med"/>
+                      <a:tailEnd type="none" w="med" len="med"/>
+                    </a:lnR>
+                    <a:lnT w="12700" cap="flat" cmpd="sng" algn="ctr">
+                      <a:solidFill>
+                        <a:schemeClr val="tx1"/>
+                      </a:solidFill>
+                      <a:prstDash val="solid"/>
+                      <a:round/>
+                      <a:headEnd type="none" w="med" len="med"/>
+                      <a:tailEnd type="none" w="med" len="med"/>
+                    </a:lnT>
+                    <a:lnB w="12700" cap="flat" cmpd="sng" algn="ctr">
+                      <a:solidFill>
+                        <a:schemeClr val="tx1"/>
+                      </a:solidFill>
+                      <a:prstDash val="solid"/>
+                      <a:round/>
+                      <a:headEnd type="none" w="med" len="med"/>
+                      <a:tailEnd type="none" w="med" len="med"/>
+                    </a:lnB>
+                    <a:noFill/>
+                  </a:tcPr>
+                </a:tc>
+                <a:tc>
+                  <a:txBody>
+                    <a:bodyPr/>
+                    <a:lstStyle/>
+                    <a:p>
+                      <a:pPr algn="ctr"/>
+                      <a:r>
+                        <a:rPr lang="en-US" sz="1400" dirty="0" smtClean="0">
+                          <a:solidFill>
+                            <a:schemeClr val="tx1"/>
+                          </a:solidFill>
+                        </a:rPr>
+                        <a:t>0</a:t>
+                      </a:r>
+                      <a:endParaRPr lang="en-US" sz="1400" dirty="0">
+                        <a:solidFill>
+                          <a:schemeClr val="tx1"/>
+                        </a:solidFill>
+                      </a:endParaRPr>
+                    </a:p>
+                  </a:txBody>
+                  <a:tcPr>
+                    <a:lnL w="12700" cap="flat" cmpd="sng" algn="ctr">
+                      <a:solidFill>
+                        <a:schemeClr val="tx1"/>
+                      </a:solidFill>
+                      <a:prstDash val="solid"/>
+                      <a:round/>
+                      <a:headEnd type="none" w="med" len="med"/>
+                      <a:tailEnd type="none" w="med" len="med"/>
+                    </a:lnL>
+                    <a:lnR w="12700" cap="flat" cmpd="sng" algn="ctr">
+                      <a:solidFill>
+                        <a:schemeClr val="tx1"/>
+                      </a:solidFill>
+                      <a:prstDash val="solid"/>
+                      <a:round/>
+                      <a:headEnd type="none" w="med" len="med"/>
+                      <a:tailEnd type="none" w="med" len="med"/>
+                    </a:lnR>
+                    <a:lnT w="12700" cap="flat" cmpd="sng" algn="ctr">
+                      <a:solidFill>
+                        <a:schemeClr val="tx1"/>
+                      </a:solidFill>
+                      <a:prstDash val="solid"/>
+                      <a:round/>
+                      <a:headEnd type="none" w="med" len="med"/>
+                      <a:tailEnd type="none" w="med" len="med"/>
+                    </a:lnT>
+                    <a:lnB w="12700" cap="flat" cmpd="sng" algn="ctr">
+                      <a:solidFill>
+                        <a:schemeClr val="tx1"/>
+                      </a:solidFill>
+                      <a:prstDash val="solid"/>
+                      <a:round/>
+                      <a:headEnd type="none" w="med" len="med"/>
+                      <a:tailEnd type="none" w="med" len="med"/>
+                    </a:lnB>
+                    <a:noFill/>
+                  </a:tcPr>
+                </a:tc>
+                <a:tc>
+                  <a:txBody>
+                    <a:bodyPr/>
+                    <a:lstStyle/>
+                    <a:p>
+                      <a:r>
+                        <a:rPr lang="en-US" sz="1000" dirty="0" smtClean="0">
+                          <a:solidFill>
+                            <a:schemeClr val="tx1"/>
+                          </a:solidFill>
+                        </a:rPr>
+                        <a:t>null</a:t>
+                      </a:r>
+                      <a:endParaRPr lang="en-US" sz="1000" dirty="0">
+                        <a:solidFill>
+                          <a:schemeClr val="tx1"/>
+                        </a:solidFill>
+                      </a:endParaRPr>
+                    </a:p>
+                  </a:txBody>
+                  <a:tcPr>
+                    <a:lnL w="12700" cap="flat" cmpd="sng" algn="ctr">
+                      <a:solidFill>
+                        <a:schemeClr val="tx1"/>
+                      </a:solidFill>
+                      <a:prstDash val="solid"/>
+                      <a:round/>
+                      <a:headEnd type="none" w="med" len="med"/>
+                      <a:tailEnd type="none" w="med" len="med"/>
+                    </a:lnL>
+                    <a:lnR w="12700" cap="flat" cmpd="sng" algn="ctr">
+                      <a:solidFill>
+                        <a:schemeClr val="tx1"/>
+                      </a:solidFill>
+                      <a:prstDash val="solid"/>
+                      <a:round/>
+                      <a:headEnd type="none" w="med" len="med"/>
+                      <a:tailEnd type="none" w="med" len="med"/>
+                    </a:lnR>
+                    <a:lnT w="12700" cap="flat" cmpd="sng" algn="ctr">
+                      <a:solidFill>
+                        <a:schemeClr val="tx1"/>
+                      </a:solidFill>
+                      <a:prstDash val="solid"/>
+                      <a:round/>
+                      <a:headEnd type="none" w="med" len="med"/>
+                      <a:tailEnd type="none" w="med" len="med"/>
+                    </a:lnT>
+                    <a:lnB w="12700" cap="flat" cmpd="sng" algn="ctr">
+                      <a:solidFill>
+                        <a:schemeClr val="tx1"/>
+                      </a:solidFill>
+                      <a:prstDash val="solid"/>
+                      <a:round/>
+                      <a:headEnd type="none" w="med" len="med"/>
+                      <a:tailEnd type="none" w="med" len="med"/>
+                    </a:lnB>
+                    <a:noFill/>
+                  </a:tcPr>
+                </a:tc>
+                <a:tc>
+                  <a:txBody>
+                    <a:bodyPr/>
+                    <a:lstStyle/>
+                    <a:p>
+                      <a:r>
+                        <a:rPr lang="en-US" sz="1000" dirty="0" smtClean="0">
+                          <a:solidFill>
+                            <a:schemeClr val="tx1"/>
+                          </a:solidFill>
+                        </a:rPr>
+                        <a:t>null</a:t>
+                      </a:r>
+                      <a:endParaRPr lang="en-US" sz="1000" dirty="0">
+                        <a:solidFill>
+                          <a:schemeClr val="tx1"/>
+                        </a:solidFill>
+                      </a:endParaRPr>
+                    </a:p>
+                  </a:txBody>
+                  <a:tcPr>
+                    <a:lnL w="12700" cap="flat" cmpd="sng" algn="ctr">
+                      <a:solidFill>
+                        <a:schemeClr val="tx1"/>
+                      </a:solidFill>
+                      <a:prstDash val="solid"/>
+                      <a:round/>
+                      <a:headEnd type="none" w="med" len="med"/>
+                      <a:tailEnd type="none" w="med" len="med"/>
+                    </a:lnL>
+                    <a:lnR w="12700" cap="flat" cmpd="sng" algn="ctr">
+                      <a:solidFill>
+                        <a:schemeClr val="tx1"/>
+                      </a:solidFill>
+                      <a:prstDash val="solid"/>
+                      <a:round/>
+                      <a:headEnd type="none" w="med" len="med"/>
+                      <a:tailEnd type="none" w="med" len="med"/>
+                    </a:lnR>
+                    <a:lnT w="12700" cap="flat" cmpd="sng" algn="ctr">
+                      <a:solidFill>
+                        <a:schemeClr val="tx1"/>
+                      </a:solidFill>
+                      <a:prstDash val="solid"/>
+                      <a:round/>
+                      <a:headEnd type="none" w="med" len="med"/>
+                      <a:tailEnd type="none" w="med" len="med"/>
+                    </a:lnT>
+                    <a:lnB w="12700" cap="flat" cmpd="sng" algn="ctr">
+                      <a:solidFill>
+                        <a:schemeClr val="tx1"/>
+                      </a:solidFill>
+                      <a:prstDash val="solid"/>
+                      <a:round/>
+                      <a:headEnd type="none" w="med" len="med"/>
+                      <a:tailEnd type="none" w="med" len="med"/>
+                    </a:lnB>
+                    <a:noFill/>
+                  </a:tcPr>
+                </a:tc>
+                <a:tc>
+                  <a:txBody>
+                    <a:bodyPr/>
+                    <a:lstStyle/>
+                    <a:p>
+                      <a:endParaRPr lang="en-US" sz="1400" dirty="0">
+                        <a:solidFill>
+                          <a:schemeClr val="tx1"/>
+                        </a:solidFill>
+                      </a:endParaRPr>
+                    </a:p>
+                  </a:txBody>
+                  <a:tcPr>
+                    <a:lnL w="12700" cap="flat" cmpd="sng" algn="ctr">
+                      <a:solidFill>
+                        <a:schemeClr val="tx1"/>
+                      </a:solidFill>
+                      <a:prstDash val="solid"/>
+                      <a:round/>
+                      <a:headEnd type="none" w="med" len="med"/>
+                      <a:tailEnd type="none" w="med" len="med"/>
+                    </a:lnL>
+                    <a:lnR w="12700" cap="flat" cmpd="sng" algn="ctr">
+                      <a:solidFill>
+                        <a:schemeClr val="tx1"/>
+                      </a:solidFill>
+                      <a:prstDash val="solid"/>
+                      <a:round/>
+                      <a:headEnd type="none" w="med" len="med"/>
+                      <a:tailEnd type="none" w="med" len="med"/>
+                    </a:lnR>
+                    <a:lnT w="12700" cap="flat" cmpd="sng" algn="ctr">
+                      <a:solidFill>
+                        <a:schemeClr val="tx1"/>
+                      </a:solidFill>
+                      <a:prstDash val="solid"/>
+                      <a:round/>
+                      <a:headEnd type="none" w="med" len="med"/>
+                      <a:tailEnd type="none" w="med" len="med"/>
+                    </a:lnT>
+                    <a:lnB w="12700" cap="flat" cmpd="sng" algn="ctr">
+                      <a:solidFill>
+                        <a:schemeClr val="tx1"/>
+                      </a:solidFill>
+                      <a:prstDash val="solid"/>
+                      <a:round/>
+                      <a:headEnd type="none" w="med" len="med"/>
+                      <a:tailEnd type="none" w="med" len="med"/>
+                    </a:lnB>
+                    <a:noFill/>
+                  </a:tcPr>
+                </a:tc>
+              </a:tr>
+              <a:tr h="272955">
+                <a:tc>
+                  <a:txBody>
+                    <a:bodyPr/>
+                    <a:lstStyle/>
+                    <a:p>
+                      <a:pPr algn="ctr"/>
+                      <a:r>
+                        <a:rPr lang="en-US" sz="1400" dirty="0" smtClean="0">
+                          <a:solidFill>
+                            <a:schemeClr val="tx1"/>
+                          </a:solidFill>
+                        </a:rPr>
+                        <a:t>T</a:t>
+                      </a:r>
+                      <a:endParaRPr lang="en-US" sz="1400" dirty="0">
+                        <a:solidFill>
+                          <a:schemeClr val="tx1"/>
+                        </a:solidFill>
+                      </a:endParaRPr>
+                    </a:p>
+                  </a:txBody>
+                  <a:tcPr>
+                    <a:lnL w="12700" cap="flat" cmpd="sng" algn="ctr">
+                      <a:solidFill>
+                        <a:schemeClr val="tx1"/>
+                      </a:solidFill>
+                      <a:prstDash val="solid"/>
+                      <a:round/>
+                      <a:headEnd type="none" w="med" len="med"/>
+                      <a:tailEnd type="none" w="med" len="med"/>
+                    </a:lnL>
+                    <a:lnR w="12700" cap="flat" cmpd="sng" algn="ctr">
+                      <a:solidFill>
+                        <a:schemeClr val="tx1"/>
+                      </a:solidFill>
+                      <a:prstDash val="solid"/>
+                      <a:round/>
+                      <a:headEnd type="none" w="med" len="med"/>
+                      <a:tailEnd type="none" w="med" len="med"/>
+                    </a:lnR>
+                    <a:lnT w="12700" cap="flat" cmpd="sng" algn="ctr">
+                      <a:solidFill>
+                        <a:schemeClr val="tx1"/>
+                      </a:solidFill>
+                      <a:prstDash val="solid"/>
+                      <a:round/>
+                      <a:headEnd type="none" w="med" len="med"/>
+                      <a:tailEnd type="none" w="med" len="med"/>
+                    </a:lnT>
+                    <a:lnB w="12700" cap="flat" cmpd="sng" algn="ctr">
+                      <a:solidFill>
+                        <a:schemeClr val="tx1"/>
+                      </a:solidFill>
+                      <a:prstDash val="solid"/>
+                      <a:round/>
+                      <a:headEnd type="none" w="med" len="med"/>
+                      <a:tailEnd type="none" w="med" len="med"/>
+                    </a:lnB>
+                    <a:noFill/>
+                  </a:tcPr>
+                </a:tc>
+                <a:tc>
+                  <a:txBody>
+                    <a:bodyPr/>
+                    <a:lstStyle/>
+                    <a:p>
+                      <a:pPr algn="ctr"/>
+                      <a:r>
+                        <a:rPr lang="en-US" sz="1400" dirty="0" smtClean="0">
+                          <a:solidFill>
+                            <a:schemeClr val="tx1"/>
+                          </a:solidFill>
+                        </a:rPr>
+                        <a:t>0</a:t>
+                      </a:r>
+                      <a:endParaRPr lang="en-US" sz="1400" dirty="0">
+                        <a:solidFill>
+                          <a:schemeClr val="tx1"/>
+                        </a:solidFill>
+                      </a:endParaRPr>
+                    </a:p>
+                  </a:txBody>
+                  <a:tcPr>
+                    <a:lnL w="12700" cap="flat" cmpd="sng" algn="ctr">
+                      <a:solidFill>
+                        <a:schemeClr val="tx1"/>
+                      </a:solidFill>
+                      <a:prstDash val="solid"/>
+                      <a:round/>
+                      <a:headEnd type="none" w="med" len="med"/>
+                      <a:tailEnd type="none" w="med" len="med"/>
+                    </a:lnL>
+                    <a:lnR w="12700" cap="flat" cmpd="sng" algn="ctr">
+                      <a:solidFill>
+                        <a:schemeClr val="tx1"/>
+                      </a:solidFill>
+                      <a:prstDash val="solid"/>
+                      <a:round/>
+                      <a:headEnd type="none" w="med" len="med"/>
+                      <a:tailEnd type="none" w="med" len="med"/>
+                    </a:lnR>
+                    <a:lnT w="12700" cap="flat" cmpd="sng" algn="ctr">
+                      <a:solidFill>
+                        <a:schemeClr val="tx1"/>
+                      </a:solidFill>
+                      <a:prstDash val="solid"/>
+                      <a:round/>
+                      <a:headEnd type="none" w="med" len="med"/>
+                      <a:tailEnd type="none" w="med" len="med"/>
+                    </a:lnT>
+                    <a:lnB w="12700" cap="flat" cmpd="sng" algn="ctr">
+                      <a:solidFill>
+                        <a:schemeClr val="tx1"/>
+                      </a:solidFill>
+                      <a:prstDash val="solid"/>
+                      <a:round/>
+                      <a:headEnd type="none" w="med" len="med"/>
+                      <a:tailEnd type="none" w="med" len="med"/>
+                    </a:lnB>
+                    <a:noFill/>
+                  </a:tcPr>
+                </a:tc>
+                <a:tc>
+                  <a:txBody>
+                    <a:bodyPr/>
+                    <a:lstStyle/>
+                    <a:p>
+                      <a:r>
+                        <a:rPr lang="en-US" sz="1000" dirty="0" smtClean="0">
+                          <a:solidFill>
+                            <a:schemeClr val="tx1"/>
+                          </a:solidFill>
+                        </a:rPr>
+                        <a:t>null</a:t>
+                      </a:r>
+                      <a:endParaRPr lang="en-US" sz="1000" dirty="0">
+                        <a:solidFill>
+                          <a:schemeClr val="tx1"/>
+                        </a:solidFill>
+                      </a:endParaRPr>
+                    </a:p>
+                  </a:txBody>
+                  <a:tcPr>
+                    <a:lnL w="12700" cap="flat" cmpd="sng" algn="ctr">
+                      <a:solidFill>
+                        <a:schemeClr val="tx1"/>
+                      </a:solidFill>
+                      <a:prstDash val="solid"/>
+                      <a:round/>
+                      <a:headEnd type="none" w="med" len="med"/>
+                      <a:tailEnd type="none" w="med" len="med"/>
+                    </a:lnL>
+                    <a:lnR w="12700" cap="flat" cmpd="sng" algn="ctr">
+                      <a:solidFill>
+                        <a:schemeClr val="tx1"/>
+                      </a:solidFill>
+                      <a:prstDash val="solid"/>
+                      <a:round/>
+                      <a:headEnd type="none" w="med" len="med"/>
+                      <a:tailEnd type="none" w="med" len="med"/>
+                    </a:lnR>
+                    <a:lnT w="12700" cap="flat" cmpd="sng" algn="ctr">
+                      <a:solidFill>
+                        <a:schemeClr val="tx1"/>
+                      </a:solidFill>
+                      <a:prstDash val="solid"/>
+                      <a:round/>
+                      <a:headEnd type="none" w="med" len="med"/>
+                      <a:tailEnd type="none" w="med" len="med"/>
+                    </a:lnT>
+                    <a:lnB w="12700" cap="flat" cmpd="sng" algn="ctr">
+                      <a:solidFill>
+                        <a:schemeClr val="tx1"/>
+                      </a:solidFill>
+                      <a:prstDash val="solid"/>
+                      <a:round/>
+                      <a:headEnd type="none" w="med" len="med"/>
+                      <a:tailEnd type="none" w="med" len="med"/>
+                    </a:lnB>
+                    <a:noFill/>
+                  </a:tcPr>
+                </a:tc>
+                <a:tc>
+                  <a:txBody>
+                    <a:bodyPr/>
+                    <a:lstStyle/>
+                    <a:p>
+                      <a:r>
+                        <a:rPr lang="en-US" sz="1000" dirty="0" smtClean="0">
+                          <a:solidFill>
+                            <a:schemeClr val="tx1"/>
+                          </a:solidFill>
+                        </a:rPr>
+                        <a:t>null</a:t>
+                      </a:r>
+                      <a:endParaRPr lang="en-US" sz="1000" dirty="0">
+                        <a:solidFill>
+                          <a:schemeClr val="tx1"/>
+                        </a:solidFill>
+                      </a:endParaRPr>
+                    </a:p>
+                  </a:txBody>
+                  <a:tcPr>
+                    <a:lnL w="12700" cap="flat" cmpd="sng" algn="ctr">
+                      <a:solidFill>
+                        <a:schemeClr val="tx1"/>
+                      </a:solidFill>
+                      <a:prstDash val="solid"/>
+                      <a:round/>
+                      <a:headEnd type="none" w="med" len="med"/>
+                      <a:tailEnd type="none" w="med" len="med"/>
+                    </a:lnL>
+                    <a:lnR w="12700" cap="flat" cmpd="sng" algn="ctr">
+                      <a:solidFill>
+                        <a:schemeClr val="tx1"/>
+                      </a:solidFill>
+                      <a:prstDash val="solid"/>
+                      <a:round/>
+                      <a:headEnd type="none" w="med" len="med"/>
+                      <a:tailEnd type="none" w="med" len="med"/>
+                    </a:lnR>
+                    <a:lnT w="12700" cap="flat" cmpd="sng" algn="ctr">
+                      <a:solidFill>
+                        <a:schemeClr val="tx1"/>
+                      </a:solidFill>
+                      <a:prstDash val="solid"/>
+                      <a:round/>
+                      <a:headEnd type="none" w="med" len="med"/>
+                      <a:tailEnd type="none" w="med" len="med"/>
+                    </a:lnT>
+                    <a:lnB w="12700" cap="flat" cmpd="sng" algn="ctr">
+                      <a:solidFill>
+                        <a:schemeClr val="tx1"/>
+                      </a:solidFill>
+                      <a:prstDash val="solid"/>
+                      <a:round/>
+                      <a:headEnd type="none" w="med" len="med"/>
+                      <a:tailEnd type="none" w="med" len="med"/>
+                    </a:lnB>
+                    <a:noFill/>
+                  </a:tcPr>
+                </a:tc>
+                <a:tc>
+                  <a:txBody>
+                    <a:bodyPr/>
+                    <a:lstStyle/>
+                    <a:p>
+                      <a:endParaRPr lang="en-US" sz="1400" dirty="0">
+                        <a:solidFill>
+                          <a:schemeClr val="tx1"/>
+                        </a:solidFill>
+                      </a:endParaRPr>
+                    </a:p>
+                  </a:txBody>
+                  <a:tcPr>
+                    <a:lnL w="12700" cap="flat" cmpd="sng" algn="ctr">
+                      <a:solidFill>
+                        <a:schemeClr val="tx1"/>
+                      </a:solidFill>
+                      <a:prstDash val="solid"/>
+                      <a:round/>
+                      <a:headEnd type="none" w="med" len="med"/>
+                      <a:tailEnd type="none" w="med" len="med"/>
+                    </a:lnL>
+                    <a:lnR w="12700" cap="flat" cmpd="sng" algn="ctr">
+                      <a:solidFill>
+                        <a:schemeClr val="tx1"/>
+                      </a:solidFill>
+                      <a:prstDash val="solid"/>
+                      <a:round/>
+                      <a:headEnd type="none" w="med" len="med"/>
+                      <a:tailEnd type="none" w="med" len="med"/>
+                    </a:lnR>
+                    <a:lnT w="12700" cap="flat" cmpd="sng" algn="ctr">
+                      <a:solidFill>
+                        <a:schemeClr val="tx1"/>
+                      </a:solidFill>
+                      <a:prstDash val="solid"/>
+                      <a:round/>
+                      <a:headEnd type="none" w="med" len="med"/>
+                      <a:tailEnd type="none" w="med" len="med"/>
+                    </a:lnT>
+                    <a:lnB w="12700" cap="flat" cmpd="sng" algn="ctr">
+                      <a:solidFill>
+                        <a:schemeClr val="tx1"/>
+                      </a:solidFill>
+                      <a:prstDash val="solid"/>
+                      <a:round/>
+                      <a:headEnd type="none" w="med" len="med"/>
+                      <a:tailEnd type="none" w="med" len="med"/>
+                    </a:lnB>
+                    <a:noFill/>
+                  </a:tcPr>
+                </a:tc>
+              </a:tr>
+            </a:tbl>
+          </a:graphicData>
+        </a:graphic>
+      </p:graphicFrame>
+      <p:sp>
+        <p:nvSpPr>
+          <p:cNvPr id="27" name="Rectangle 26"/>
+          <p:cNvSpPr/>
+          <p:nvPr/>
+        </p:nvSpPr>
+        <p:spPr>
+          <a:xfrm>
+            <a:off x="7642068" y="1774139"/>
+            <a:ext cx="261610" cy="246221"/>
+          </a:xfrm>
+          <a:prstGeom prst="rect">
+            <a:avLst/>
+          </a:prstGeom>
+        </p:spPr>
+        <p:txBody>
+          <a:bodyPr wrap="none">
+            <a:spAutoFit/>
+          </a:bodyPr>
+          <a:lstStyle/>
+          <a:p>
+            <a:r>
+              <a:rPr lang="en-US" sz="1000" b="1" dirty="0">
+                <a:solidFill>
+                  <a:srgbClr val="FF0000"/>
+                </a:solidFill>
+              </a:rPr>
+              <a:t>A</a:t>
+            </a:r>
+          </a:p>
+        </p:txBody>
+      </p:sp>
+      <p:sp>
+        <p:nvSpPr>
+          <p:cNvPr id="28" name="Rectangle 27"/>
+          <p:cNvSpPr/>
+          <p:nvPr/>
+        </p:nvSpPr>
+        <p:spPr>
+          <a:xfrm>
+            <a:off x="6999708" y="2363405"/>
+            <a:ext cx="294707" cy="246221"/>
+          </a:xfrm>
+          <a:prstGeom prst="rect">
+            <a:avLst/>
+          </a:prstGeom>
+        </p:spPr>
+        <p:txBody>
+          <a:bodyPr wrap="square">
+            <a:spAutoFit/>
+          </a:bodyPr>
+          <a:lstStyle/>
+          <a:p>
+            <a:r>
+              <a:rPr lang="en-US" sz="1000" b="1" dirty="0" smtClean="0">
+                <a:solidFill>
+                  <a:srgbClr val="FF0000"/>
+                </a:solidFill>
+              </a:rPr>
+              <a:t>B</a:t>
+            </a:r>
+            <a:endParaRPr lang="en-US" sz="1000" b="1" dirty="0">
+              <a:solidFill>
+                <a:srgbClr val="FF0000"/>
+              </a:solidFill>
+            </a:endParaRPr>
+          </a:p>
+        </p:txBody>
+      </p:sp>
+      <p:sp>
+        <p:nvSpPr>
+          <p:cNvPr id="29" name="Rectangle 28"/>
+          <p:cNvSpPr/>
+          <p:nvPr/>
+        </p:nvSpPr>
+        <p:spPr>
+          <a:xfrm>
+            <a:off x="5851252" y="2582051"/>
+            <a:ext cx="294707" cy="246221"/>
+          </a:xfrm>
+          <a:prstGeom prst="rect">
+            <a:avLst/>
+          </a:prstGeom>
+        </p:spPr>
+        <p:txBody>
+          <a:bodyPr wrap="square">
+            <a:spAutoFit/>
+          </a:bodyPr>
+          <a:lstStyle/>
+          <a:p>
+            <a:r>
+              <a:rPr lang="en-US" sz="1000" b="1" dirty="0">
+                <a:solidFill>
+                  <a:srgbClr val="FF0000"/>
+                </a:solidFill>
+              </a:rPr>
+              <a:t>C</a:t>
+            </a:r>
+          </a:p>
+        </p:txBody>
+      </p:sp>
+      <p:sp>
+        <p:nvSpPr>
+          <p:cNvPr id="30" name="Rectangle 29"/>
+          <p:cNvSpPr/>
+          <p:nvPr/>
+        </p:nvSpPr>
+        <p:spPr>
+          <a:xfrm>
+            <a:off x="3187839" y="1773752"/>
+            <a:ext cx="294707" cy="246221"/>
+          </a:xfrm>
+          <a:prstGeom prst="rect">
+            <a:avLst/>
+          </a:prstGeom>
+        </p:spPr>
+        <p:txBody>
+          <a:bodyPr wrap="square">
+            <a:spAutoFit/>
+          </a:bodyPr>
+          <a:lstStyle/>
+          <a:p>
+            <a:r>
+              <a:rPr lang="en-US" sz="1000" b="1" dirty="0">
+                <a:solidFill>
+                  <a:srgbClr val="FF0000"/>
+                </a:solidFill>
+              </a:rPr>
+              <a:t>1</a:t>
+            </a:r>
+          </a:p>
+        </p:txBody>
+      </p:sp>
+      <p:sp>
+        <p:nvSpPr>
+          <p:cNvPr id="31" name="Rectangle 30"/>
+          <p:cNvSpPr/>
+          <p:nvPr/>
+        </p:nvSpPr>
+        <p:spPr>
+          <a:xfrm>
+            <a:off x="4495374" y="2154656"/>
+            <a:ext cx="294707" cy="246221"/>
+          </a:xfrm>
+          <a:prstGeom prst="rect">
+            <a:avLst/>
+          </a:prstGeom>
+        </p:spPr>
+        <p:txBody>
+          <a:bodyPr wrap="square">
+            <a:spAutoFit/>
+          </a:bodyPr>
+          <a:lstStyle/>
+          <a:p>
+            <a:r>
+              <a:rPr lang="en-US" sz="1000" b="1" dirty="0" smtClean="0">
+                <a:solidFill>
+                  <a:srgbClr val="FF0000"/>
+                </a:solidFill>
+              </a:rPr>
+              <a:t>2</a:t>
+            </a:r>
+            <a:endParaRPr lang="en-US" sz="1000" b="1" dirty="0">
+              <a:solidFill>
+                <a:srgbClr val="FF0000"/>
+              </a:solidFill>
+            </a:endParaRPr>
+          </a:p>
+        </p:txBody>
+      </p:sp>
+      <p:sp>
+        <p:nvSpPr>
+          <p:cNvPr id="33" name="Rectangle 32"/>
+          <p:cNvSpPr/>
+          <p:nvPr/>
+        </p:nvSpPr>
+        <p:spPr>
+          <a:xfrm>
+            <a:off x="2525081" y="1806148"/>
+            <a:ext cx="294707" cy="246221"/>
+          </a:xfrm>
+          <a:prstGeom prst="rect">
+            <a:avLst/>
+          </a:prstGeom>
+        </p:spPr>
+        <p:txBody>
+          <a:bodyPr wrap="square">
+            <a:spAutoFit/>
+          </a:bodyPr>
+          <a:lstStyle/>
+          <a:p>
+            <a:r>
+              <a:rPr lang="en-US" sz="1000" b="1" dirty="0" smtClean="0">
+                <a:solidFill>
+                  <a:srgbClr val="FF0000"/>
+                </a:solidFill>
+              </a:rPr>
+              <a:t>3</a:t>
+            </a:r>
+            <a:endParaRPr lang="en-US" sz="1000" b="1" dirty="0">
+              <a:solidFill>
+                <a:srgbClr val="FF0000"/>
+              </a:solidFill>
+            </a:endParaRPr>
+          </a:p>
+        </p:txBody>
+      </p:sp>
+      <p:sp>
+        <p:nvSpPr>
+          <p:cNvPr id="34" name="TextBox 33"/>
+          <p:cNvSpPr txBox="1"/>
+          <p:nvPr/>
+        </p:nvSpPr>
+        <p:spPr>
+          <a:xfrm>
+            <a:off x="2382528" y="801992"/>
+            <a:ext cx="1188339" cy="369332"/>
+          </a:xfrm>
+          <a:prstGeom prst="rect">
+            <a:avLst/>
+          </a:prstGeom>
+          <a:noFill/>
+        </p:spPr>
+        <p:txBody>
+          <a:bodyPr wrap="none" rtlCol="0">
+            <a:spAutoFit/>
+          </a:bodyPr>
+          <a:lstStyle/>
+          <a:p>
+            <a:r>
+              <a:rPr lang="en-US" u="sng" dirty="0" smtClean="0"/>
+              <a:t>TCP Server</a:t>
+            </a:r>
+            <a:endParaRPr lang="en-US" u="sng" dirty="0"/>
+          </a:p>
+        </p:txBody>
+      </p:sp>
+      <p:sp>
+        <p:nvSpPr>
+          <p:cNvPr id="35" name="TextBox 34"/>
+          <p:cNvSpPr txBox="1"/>
+          <p:nvPr/>
+        </p:nvSpPr>
+        <p:spPr>
+          <a:xfrm>
+            <a:off x="8774899" y="822782"/>
+            <a:ext cx="1128579" cy="369332"/>
+          </a:xfrm>
+          <a:prstGeom prst="rect">
+            <a:avLst/>
+          </a:prstGeom>
+          <a:noFill/>
+        </p:spPr>
+        <p:txBody>
+          <a:bodyPr wrap="none" rtlCol="0">
+            <a:spAutoFit/>
+          </a:bodyPr>
+          <a:lstStyle/>
+          <a:p>
+            <a:r>
+              <a:rPr lang="en-US" u="sng" dirty="0" smtClean="0"/>
+              <a:t>TCP Client</a:t>
+            </a:r>
+            <a:endParaRPr lang="en-US" u="sng" dirty="0"/>
+          </a:p>
+        </p:txBody>
+      </p:sp>
+      <p:cxnSp>
+        <p:nvCxnSpPr>
+          <p:cNvPr id="36" name="Straight Connector 35"/>
+          <p:cNvCxnSpPr/>
+          <p:nvPr/>
+        </p:nvCxnSpPr>
+        <p:spPr>
+          <a:xfrm flipV="1">
+            <a:off x="5787614" y="801994"/>
+            <a:ext cx="17040" cy="3220870"/>
+          </a:xfrm>
+          <a:prstGeom prst="line">
+            <a:avLst/>
+          </a:prstGeom>
+          <a:ln w="25400">
+            <a:solidFill>
+              <a:schemeClr val="tx1"/>
+            </a:solidFill>
+            <a:prstDash val="sysDash"/>
+          </a:ln>
+        </p:spPr>
+        <p:style>
+          <a:lnRef idx="1">
+            <a:schemeClr val="accent1"/>
+          </a:lnRef>
+          <a:fillRef idx="0">
+            <a:schemeClr val="accent1"/>
+          </a:fillRef>
+          <a:effectRef idx="0">
+            <a:schemeClr val="accent1"/>
+          </a:effectRef>
+          <a:fontRef idx="minor">
+            <a:schemeClr val="tx1"/>
+          </a:fontRef>
+        </p:style>
+      </p:cxnSp>
+      <p:sp>
+        <p:nvSpPr>
+          <p:cNvPr id="49" name="TextBox 48"/>
+          <p:cNvSpPr txBox="1"/>
+          <p:nvPr/>
+        </p:nvSpPr>
+        <p:spPr>
+          <a:xfrm>
+            <a:off x="4823728" y="220063"/>
+            <a:ext cx="1927772" cy="369332"/>
+          </a:xfrm>
+          <a:prstGeom prst="rect">
+            <a:avLst/>
+          </a:prstGeom>
+          <a:noFill/>
+        </p:spPr>
+        <p:txBody>
+          <a:bodyPr wrap="none" rtlCol="0">
+            <a:spAutoFit/>
+          </a:bodyPr>
+          <a:lstStyle/>
+          <a:p>
+            <a:r>
+              <a:rPr lang="en-US" u="sng" smtClean="0"/>
+              <a:t>Create Connection</a:t>
+            </a:r>
+            <a:endParaRPr lang="en-US" u="sng" dirty="0"/>
+          </a:p>
+        </p:txBody>
+      </p:sp>
+    </p:spTree>
+    <p:extLst>
+      <p:ext uri="{BB962C8B-B14F-4D97-AF65-F5344CB8AC3E}">
+        <p14:creationId xmlns:p14="http://schemas.microsoft.com/office/powerpoint/2010/main" val="1498928674"/>
+      </p:ext>
+    </p:extLst>
+  </p:cSld>
+  <p:clrMapOvr>
+    <a:masterClrMapping/>
+  </p:clrMapOvr>
+  <p:timing>
+    <p:tnLst>
+      <p:par>
+        <p:cTn id="1" dur="indefinite" restart="never" nodeType="tmRoot"/>
+      </p:par>
+    </p:tnLst>
+  </p:timing>
+</p:sld>
+</file>
+
 <file path=ppt/theme/theme1.xml><?xml version="1.0" encoding="utf-8"?>
 <a:theme xmlns:a="http://schemas.openxmlformats.org/drawingml/2006/main" name="Office Theme">
   <a:themeElements>
